--- a/Picture/図作成用.pptx
+++ b/Picture/図作成用.pptx
@@ -104,6 +104,11 @@
       </a:defRPr>
     </a:lvl9pPr>
   </p:defaultTextStyle>
+  <p:extLst>
+    <p:ext uri="{EFAFB233-063F-42B5-8137-9DF3F51BA10A}">
+      <p15:sldGuideLst xmlns:p15="http://schemas.microsoft.com/office/powerpoint/2012/main"/>
+    </p:ext>
+  </p:extLst>
 </p:presentation>
 </file>
 
@@ -254,7 +259,7 @@
           <a:p>
             <a:fld id="{5AC917AA-9460-47BC-9370-797960620197}" type="datetimeFigureOut">
               <a:rPr kumimoji="1" lang="ja-JP" altLang="en-US" smtClean="0"/>
-              <a:t>2024/9/11</a:t>
+              <a:t>2024/9/12</a:t>
             </a:fld>
             <a:endParaRPr kumimoji="1" lang="ja-JP" altLang="en-US"/>
           </a:p>
@@ -484,7 +489,7 @@
           <a:p>
             <a:fld id="{5AC917AA-9460-47BC-9370-797960620197}" type="datetimeFigureOut">
               <a:rPr kumimoji="1" lang="ja-JP" altLang="en-US" smtClean="0"/>
-              <a:t>2024/9/11</a:t>
+              <a:t>2024/9/12</a:t>
             </a:fld>
             <a:endParaRPr kumimoji="1" lang="ja-JP" altLang="en-US"/>
           </a:p>
@@ -724,7 +729,7 @@
           <a:p>
             <a:fld id="{5AC917AA-9460-47BC-9370-797960620197}" type="datetimeFigureOut">
               <a:rPr kumimoji="1" lang="ja-JP" altLang="en-US" smtClean="0"/>
-              <a:t>2024/9/11</a:t>
+              <a:t>2024/9/12</a:t>
             </a:fld>
             <a:endParaRPr kumimoji="1" lang="ja-JP" altLang="en-US"/>
           </a:p>
@@ -954,7 +959,7 @@
           <a:p>
             <a:fld id="{5AC917AA-9460-47BC-9370-797960620197}" type="datetimeFigureOut">
               <a:rPr kumimoji="1" lang="ja-JP" altLang="en-US" smtClean="0"/>
-              <a:t>2024/9/11</a:t>
+              <a:t>2024/9/12</a:t>
             </a:fld>
             <a:endParaRPr kumimoji="1" lang="ja-JP" altLang="en-US"/>
           </a:p>
@@ -1229,7 +1234,7 @@
           <a:p>
             <a:fld id="{5AC917AA-9460-47BC-9370-797960620197}" type="datetimeFigureOut">
               <a:rPr kumimoji="1" lang="ja-JP" altLang="en-US" smtClean="0"/>
-              <a:t>2024/9/11</a:t>
+              <a:t>2024/9/12</a:t>
             </a:fld>
             <a:endParaRPr kumimoji="1" lang="ja-JP" altLang="en-US"/>
           </a:p>
@@ -1558,7 +1563,7 @@
           <a:p>
             <a:fld id="{5AC917AA-9460-47BC-9370-797960620197}" type="datetimeFigureOut">
               <a:rPr kumimoji="1" lang="ja-JP" altLang="en-US" smtClean="0"/>
-              <a:t>2024/9/11</a:t>
+              <a:t>2024/9/12</a:t>
             </a:fld>
             <a:endParaRPr kumimoji="1" lang="ja-JP" altLang="en-US"/>
           </a:p>
@@ -2034,7 +2039,7 @@
           <a:p>
             <a:fld id="{5AC917AA-9460-47BC-9370-797960620197}" type="datetimeFigureOut">
               <a:rPr kumimoji="1" lang="ja-JP" altLang="en-US" smtClean="0"/>
-              <a:t>2024/9/11</a:t>
+              <a:t>2024/9/12</a:t>
             </a:fld>
             <a:endParaRPr kumimoji="1" lang="ja-JP" altLang="en-US"/>
           </a:p>
@@ -2175,7 +2180,7 @@
           <a:p>
             <a:fld id="{5AC917AA-9460-47BC-9370-797960620197}" type="datetimeFigureOut">
               <a:rPr kumimoji="1" lang="ja-JP" altLang="en-US" smtClean="0"/>
-              <a:t>2024/9/11</a:t>
+              <a:t>2024/9/12</a:t>
             </a:fld>
             <a:endParaRPr kumimoji="1" lang="ja-JP" altLang="en-US"/>
           </a:p>
@@ -2288,7 +2293,7 @@
           <a:p>
             <a:fld id="{5AC917AA-9460-47BC-9370-797960620197}" type="datetimeFigureOut">
               <a:rPr kumimoji="1" lang="ja-JP" altLang="en-US" smtClean="0"/>
-              <a:t>2024/9/11</a:t>
+              <a:t>2024/9/12</a:t>
             </a:fld>
             <a:endParaRPr kumimoji="1" lang="ja-JP" altLang="en-US"/>
           </a:p>
@@ -2631,7 +2636,7 @@
           <a:p>
             <a:fld id="{5AC917AA-9460-47BC-9370-797960620197}" type="datetimeFigureOut">
               <a:rPr kumimoji="1" lang="ja-JP" altLang="en-US" smtClean="0"/>
-              <a:t>2024/9/11</a:t>
+              <a:t>2024/9/12</a:t>
             </a:fld>
             <a:endParaRPr kumimoji="1" lang="ja-JP" altLang="en-US"/>
           </a:p>
@@ -2919,7 +2924,7 @@
           <a:p>
             <a:fld id="{5AC917AA-9460-47BC-9370-797960620197}" type="datetimeFigureOut">
               <a:rPr kumimoji="1" lang="ja-JP" altLang="en-US" smtClean="0"/>
-              <a:t>2024/9/11</a:t>
+              <a:t>2024/9/12</a:t>
             </a:fld>
             <a:endParaRPr kumimoji="1" lang="ja-JP" altLang="en-US"/>
           </a:p>
@@ -3192,7 +3197,7 @@
           <a:p>
             <a:fld id="{5AC917AA-9460-47BC-9370-797960620197}" type="datetimeFigureOut">
               <a:rPr kumimoji="1" lang="ja-JP" altLang="en-US" smtClean="0"/>
-              <a:t>2024/9/11</a:t>
+              <a:t>2024/9/12</a:t>
             </a:fld>
             <a:endParaRPr kumimoji="1" lang="ja-JP" altLang="en-US"/>
           </a:p>
@@ -3637,7 +3642,7 @@
         </p:blipFill>
         <p:spPr>
           <a:xfrm>
-            <a:off x="8539884" y="2909887"/>
+            <a:off x="10627303" y="4316558"/>
             <a:ext cx="2686050" cy="1038225"/>
           </a:xfrm>
           <a:prstGeom prst="rect">
@@ -3659,7 +3664,7 @@
         </p:nvSpPr>
         <p:spPr>
           <a:xfrm>
-            <a:off x="8649238" y="3044278"/>
+            <a:off x="10736657" y="4450949"/>
             <a:ext cx="2467342" cy="769441"/>
           </a:xfrm>
           <a:prstGeom prst="rect">
@@ -4111,6 +4116,1076 @@
           </a:p>
         </p:txBody>
       </p:sp>
+      <p:sp>
+        <p:nvSpPr>
+          <p:cNvPr id="39" name="四角形: 角を丸くする 38">
+            <a:extLst>
+              <a:ext uri="{FF2B5EF4-FFF2-40B4-BE49-F238E27FC236}">
+                <a16:creationId xmlns:a16="http://schemas.microsoft.com/office/drawing/2014/main" id="{C83F5599-E8C2-A815-1FDB-4508E1F7B5C1}"/>
+              </a:ext>
+            </a:extLst>
+          </p:cNvPr>
+          <p:cNvSpPr/>
+          <p:nvPr/>
+        </p:nvSpPr>
+        <p:spPr>
+          <a:xfrm>
+            <a:off x="10477789" y="537837"/>
+            <a:ext cx="1403928" cy="531005"/>
+          </a:xfrm>
+          <a:prstGeom prst="roundRect">
+            <a:avLst/>
+          </a:prstGeom>
+          <a:solidFill>
+            <a:schemeClr val="tx1"/>
+          </a:solidFill>
+        </p:spPr>
+        <p:style>
+          <a:lnRef idx="2">
+            <a:schemeClr val="accent1">
+              <a:shade val="15000"/>
+            </a:schemeClr>
+          </a:lnRef>
+          <a:fillRef idx="1">
+            <a:schemeClr val="accent1"/>
+          </a:fillRef>
+          <a:effectRef idx="0">
+            <a:schemeClr val="accent1"/>
+          </a:effectRef>
+          <a:fontRef idx="minor">
+            <a:schemeClr val="lt1"/>
+          </a:fontRef>
+        </p:style>
+        <p:txBody>
+          <a:bodyPr rtlCol="0" anchor="ctr"/>
+          <a:lstStyle/>
+          <a:p>
+            <a:pPr algn="ctr"/>
+            <a:r>
+              <a:rPr kumimoji="1" lang="ja-JP" altLang="en-US" sz="2800" dirty="0">
+                <a:ln w="28575">
+                  <a:noFill/>
+                </a:ln>
+                <a:solidFill>
+                  <a:schemeClr val="accent1">
+                    <a:lumMod val="40000"/>
+                    <a:lumOff val="60000"/>
+                  </a:schemeClr>
+                </a:solidFill>
+                <a:latin typeface="HG創英ﾌﾟﾚｾﾞﾝｽEB" panose="02020809000000000000" pitchFamily="17" charset="-128"/>
+                <a:ea typeface="HG創英ﾌﾟﾚｾﾞﾝｽEB" panose="02020809000000000000" pitchFamily="17" charset="-128"/>
+              </a:rPr>
+              <a:t>東１局</a:t>
+            </a:r>
+          </a:p>
+        </p:txBody>
+      </p:sp>
+      <p:sp>
+        <p:nvSpPr>
+          <p:cNvPr id="40" name="四角形: 角を丸くする 39">
+            <a:extLst>
+              <a:ext uri="{FF2B5EF4-FFF2-40B4-BE49-F238E27FC236}">
+                <a16:creationId xmlns:a16="http://schemas.microsoft.com/office/drawing/2014/main" id="{8927C12A-ED0D-FC19-821C-1F56FAF6EAB8}"/>
+              </a:ext>
+            </a:extLst>
+          </p:cNvPr>
+          <p:cNvSpPr/>
+          <p:nvPr/>
+        </p:nvSpPr>
+        <p:spPr>
+          <a:xfrm>
+            <a:off x="10477789" y="1127001"/>
+            <a:ext cx="1403928" cy="531005"/>
+          </a:xfrm>
+          <a:prstGeom prst="roundRect">
+            <a:avLst/>
+          </a:prstGeom>
+          <a:solidFill>
+            <a:schemeClr val="tx1"/>
+          </a:solidFill>
+        </p:spPr>
+        <p:style>
+          <a:lnRef idx="2">
+            <a:schemeClr val="accent1">
+              <a:shade val="15000"/>
+            </a:schemeClr>
+          </a:lnRef>
+          <a:fillRef idx="1">
+            <a:schemeClr val="accent1"/>
+          </a:fillRef>
+          <a:effectRef idx="0">
+            <a:schemeClr val="accent1"/>
+          </a:effectRef>
+          <a:fontRef idx="minor">
+            <a:schemeClr val="lt1"/>
+          </a:fontRef>
+        </p:style>
+        <p:txBody>
+          <a:bodyPr rtlCol="0" anchor="ctr"/>
+          <a:lstStyle/>
+          <a:p>
+            <a:pPr algn="ctr"/>
+            <a:r>
+              <a:rPr kumimoji="1" lang="ja-JP" altLang="en-US" sz="2800" dirty="0">
+                <a:ln w="28575">
+                  <a:noFill/>
+                </a:ln>
+                <a:solidFill>
+                  <a:schemeClr val="accent1">
+                    <a:lumMod val="40000"/>
+                    <a:lumOff val="60000"/>
+                  </a:schemeClr>
+                </a:solidFill>
+                <a:latin typeface="HG創英ﾌﾟﾚｾﾞﾝｽEB" panose="02020809000000000000" pitchFamily="17" charset="-128"/>
+                <a:ea typeface="HG創英ﾌﾟﾚｾﾞﾝｽEB" panose="02020809000000000000" pitchFamily="17" charset="-128"/>
+              </a:rPr>
+              <a:t>東２局</a:t>
+            </a:r>
+          </a:p>
+        </p:txBody>
+      </p:sp>
+      <p:sp>
+        <p:nvSpPr>
+          <p:cNvPr id="41" name="四角形: 角を丸くする 40">
+            <a:extLst>
+              <a:ext uri="{FF2B5EF4-FFF2-40B4-BE49-F238E27FC236}">
+                <a16:creationId xmlns:a16="http://schemas.microsoft.com/office/drawing/2014/main" id="{8F144B0F-FE5D-3D2A-0ACF-272C553FD0A7}"/>
+              </a:ext>
+            </a:extLst>
+          </p:cNvPr>
+          <p:cNvSpPr/>
+          <p:nvPr/>
+        </p:nvSpPr>
+        <p:spPr>
+          <a:xfrm>
+            <a:off x="10477789" y="1688271"/>
+            <a:ext cx="1403928" cy="531005"/>
+          </a:xfrm>
+          <a:prstGeom prst="roundRect">
+            <a:avLst/>
+          </a:prstGeom>
+          <a:solidFill>
+            <a:schemeClr val="tx1"/>
+          </a:solidFill>
+        </p:spPr>
+        <p:style>
+          <a:lnRef idx="2">
+            <a:schemeClr val="accent1">
+              <a:shade val="15000"/>
+            </a:schemeClr>
+          </a:lnRef>
+          <a:fillRef idx="1">
+            <a:schemeClr val="accent1"/>
+          </a:fillRef>
+          <a:effectRef idx="0">
+            <a:schemeClr val="accent1"/>
+          </a:effectRef>
+          <a:fontRef idx="minor">
+            <a:schemeClr val="lt1"/>
+          </a:fontRef>
+        </p:style>
+        <p:txBody>
+          <a:bodyPr rtlCol="0" anchor="ctr"/>
+          <a:lstStyle/>
+          <a:p>
+            <a:pPr algn="ctr"/>
+            <a:r>
+              <a:rPr kumimoji="1" lang="ja-JP" altLang="en-US" sz="2800" dirty="0">
+                <a:ln w="28575">
+                  <a:noFill/>
+                </a:ln>
+                <a:solidFill>
+                  <a:schemeClr val="accent1">
+                    <a:lumMod val="40000"/>
+                    <a:lumOff val="60000"/>
+                  </a:schemeClr>
+                </a:solidFill>
+                <a:latin typeface="HG創英ﾌﾟﾚｾﾞﾝｽEB" panose="02020809000000000000" pitchFamily="17" charset="-128"/>
+                <a:ea typeface="HG創英ﾌﾟﾚｾﾞﾝｽEB" panose="02020809000000000000" pitchFamily="17" charset="-128"/>
+              </a:rPr>
+              <a:t>東３局</a:t>
+            </a:r>
+          </a:p>
+        </p:txBody>
+      </p:sp>
+      <p:sp>
+        <p:nvSpPr>
+          <p:cNvPr id="42" name="四角形: 角を丸くする 41">
+            <a:extLst>
+              <a:ext uri="{FF2B5EF4-FFF2-40B4-BE49-F238E27FC236}">
+                <a16:creationId xmlns:a16="http://schemas.microsoft.com/office/drawing/2014/main" id="{D6AB03E3-103A-A645-EE57-EDB1208361FC}"/>
+              </a:ext>
+            </a:extLst>
+          </p:cNvPr>
+          <p:cNvSpPr/>
+          <p:nvPr/>
+        </p:nvSpPr>
+        <p:spPr>
+          <a:xfrm>
+            <a:off x="10477789" y="2240297"/>
+            <a:ext cx="1403928" cy="531005"/>
+          </a:xfrm>
+          <a:prstGeom prst="roundRect">
+            <a:avLst/>
+          </a:prstGeom>
+          <a:solidFill>
+            <a:schemeClr val="tx1"/>
+          </a:solidFill>
+        </p:spPr>
+        <p:style>
+          <a:lnRef idx="2">
+            <a:schemeClr val="accent1">
+              <a:shade val="15000"/>
+            </a:schemeClr>
+          </a:lnRef>
+          <a:fillRef idx="1">
+            <a:schemeClr val="accent1"/>
+          </a:fillRef>
+          <a:effectRef idx="0">
+            <a:schemeClr val="accent1"/>
+          </a:effectRef>
+          <a:fontRef idx="minor">
+            <a:schemeClr val="lt1"/>
+          </a:fontRef>
+        </p:style>
+        <p:txBody>
+          <a:bodyPr rtlCol="0" anchor="ctr"/>
+          <a:lstStyle/>
+          <a:p>
+            <a:pPr algn="ctr"/>
+            <a:r>
+              <a:rPr kumimoji="1" lang="ja-JP" altLang="en-US" sz="2800" dirty="0">
+                <a:ln w="28575">
+                  <a:noFill/>
+                </a:ln>
+                <a:solidFill>
+                  <a:schemeClr val="accent1">
+                    <a:lumMod val="40000"/>
+                    <a:lumOff val="60000"/>
+                  </a:schemeClr>
+                </a:solidFill>
+                <a:latin typeface="HG創英ﾌﾟﾚｾﾞﾝｽEB" panose="02020809000000000000" pitchFamily="17" charset="-128"/>
+                <a:ea typeface="HG創英ﾌﾟﾚｾﾞﾝｽEB" panose="02020809000000000000" pitchFamily="17" charset="-128"/>
+              </a:rPr>
+              <a:t>東４局</a:t>
+            </a:r>
+          </a:p>
+        </p:txBody>
+      </p:sp>
+      <p:grpSp>
+        <p:nvGrpSpPr>
+          <p:cNvPr id="47" name="グループ化 46">
+            <a:extLst>
+              <a:ext uri="{FF2B5EF4-FFF2-40B4-BE49-F238E27FC236}">
+                <a16:creationId xmlns:a16="http://schemas.microsoft.com/office/drawing/2014/main" id="{011B70F3-A900-DF2D-A6CD-9A16D5F61753}"/>
+              </a:ext>
+            </a:extLst>
+          </p:cNvPr>
+          <p:cNvGrpSpPr/>
+          <p:nvPr/>
+        </p:nvGrpSpPr>
+        <p:grpSpPr>
+          <a:xfrm>
+            <a:off x="6509643" y="1324489"/>
+            <a:ext cx="3161790" cy="3169354"/>
+            <a:chOff x="6509643" y="1324489"/>
+            <a:chExt cx="3161790" cy="3169354"/>
+          </a:xfrm>
+        </p:grpSpPr>
+        <p:sp>
+          <p:nvSpPr>
+            <p:cNvPr id="2" name="フローチャート: 代替処理 1">
+              <a:extLst>
+                <a:ext uri="{FF2B5EF4-FFF2-40B4-BE49-F238E27FC236}">
+                  <a16:creationId xmlns:a16="http://schemas.microsoft.com/office/drawing/2014/main" id="{101019F4-15E1-0688-6BAA-5DA08D99D499}"/>
+                </a:ext>
+              </a:extLst>
+            </p:cNvPr>
+            <p:cNvSpPr/>
+            <p:nvPr/>
+          </p:nvSpPr>
+          <p:spPr>
+            <a:xfrm>
+              <a:off x="6560538" y="1376218"/>
+              <a:ext cx="3060000" cy="3060000"/>
+            </a:xfrm>
+            <a:prstGeom prst="flowChartAlternateProcess">
+              <a:avLst/>
+            </a:prstGeom>
+            <a:solidFill>
+              <a:schemeClr val="bg1">
+                <a:lumMod val="85000"/>
+              </a:schemeClr>
+            </a:solidFill>
+            <a:ln w="76200"/>
+          </p:spPr>
+          <p:style>
+            <a:lnRef idx="2">
+              <a:schemeClr val="accent1">
+                <a:shade val="15000"/>
+              </a:schemeClr>
+            </a:lnRef>
+            <a:fillRef idx="1">
+              <a:schemeClr val="accent1"/>
+            </a:fillRef>
+            <a:effectRef idx="0">
+              <a:schemeClr val="accent1"/>
+            </a:effectRef>
+            <a:fontRef idx="minor">
+              <a:schemeClr val="lt1"/>
+            </a:fontRef>
+          </p:style>
+          <p:txBody>
+            <a:bodyPr rtlCol="0" anchor="ctr"/>
+            <a:lstStyle/>
+            <a:p>
+              <a:pPr algn="ctr"/>
+              <a:endParaRPr kumimoji="1" lang="ja-JP" altLang="en-US">
+                <a:latin typeface="HGP教科書体" panose="02020600000000000000" pitchFamily="18" charset="-128"/>
+                <a:ea typeface="HGP教科書体" panose="02020600000000000000" pitchFamily="18" charset="-128"/>
+              </a:endParaRPr>
+            </a:p>
+          </p:txBody>
+        </p:sp>
+        <p:sp>
+          <p:nvSpPr>
+            <p:cNvPr id="21" name="フローチャート: 代替処理 20">
+              <a:extLst>
+                <a:ext uri="{FF2B5EF4-FFF2-40B4-BE49-F238E27FC236}">
+                  <a16:creationId xmlns:a16="http://schemas.microsoft.com/office/drawing/2014/main" id="{8D8A729D-135E-D5DA-33A3-4268E8CBDE53}"/>
+                </a:ext>
+              </a:extLst>
+            </p:cNvPr>
+            <p:cNvSpPr/>
+            <p:nvPr/>
+          </p:nvSpPr>
+          <p:spPr>
+            <a:xfrm>
+              <a:off x="6622698" y="2096217"/>
+              <a:ext cx="230684" cy="1614795"/>
+            </a:xfrm>
+            <a:prstGeom prst="flowChartAlternateProcess">
+              <a:avLst/>
+            </a:prstGeom>
+            <a:solidFill>
+              <a:schemeClr val="tx1">
+                <a:lumMod val="50000"/>
+                <a:lumOff val="50000"/>
+              </a:schemeClr>
+            </a:solidFill>
+            <a:ln>
+              <a:solidFill>
+                <a:schemeClr val="bg1">
+                  <a:lumMod val="65000"/>
+                </a:schemeClr>
+              </a:solidFill>
+            </a:ln>
+            <a:effectLst>
+              <a:innerShdw blurRad="63500" dist="50800">
+                <a:prstClr val="black">
+                  <a:alpha val="50000"/>
+                </a:prstClr>
+              </a:innerShdw>
+            </a:effectLst>
+          </p:spPr>
+          <p:style>
+            <a:lnRef idx="2">
+              <a:schemeClr val="accent1">
+                <a:shade val="15000"/>
+              </a:schemeClr>
+            </a:lnRef>
+            <a:fillRef idx="1">
+              <a:schemeClr val="accent1"/>
+            </a:fillRef>
+            <a:effectRef idx="0">
+              <a:schemeClr val="accent1"/>
+            </a:effectRef>
+            <a:fontRef idx="minor">
+              <a:schemeClr val="lt1"/>
+            </a:fontRef>
+          </p:style>
+          <p:txBody>
+            <a:bodyPr rtlCol="0" anchor="ctr"/>
+            <a:lstStyle/>
+            <a:p>
+              <a:pPr algn="ctr"/>
+              <a:endParaRPr kumimoji="1" lang="ja-JP" altLang="en-US"/>
+            </a:p>
+          </p:txBody>
+        </p:sp>
+        <p:sp>
+          <p:nvSpPr>
+            <p:cNvPr id="22" name="フローチャート: 代替処理 21">
+              <a:extLst>
+                <a:ext uri="{FF2B5EF4-FFF2-40B4-BE49-F238E27FC236}">
+                  <a16:creationId xmlns:a16="http://schemas.microsoft.com/office/drawing/2014/main" id="{D202E12D-6091-30D8-7189-1B04CFBE9FA7}"/>
+                </a:ext>
+              </a:extLst>
+            </p:cNvPr>
+            <p:cNvSpPr/>
+            <p:nvPr/>
+          </p:nvSpPr>
+          <p:spPr>
+            <a:xfrm>
+              <a:off x="9333547" y="2096217"/>
+              <a:ext cx="230684" cy="1614795"/>
+            </a:xfrm>
+            <a:prstGeom prst="flowChartAlternateProcess">
+              <a:avLst/>
+            </a:prstGeom>
+            <a:solidFill>
+              <a:schemeClr val="tx1">
+                <a:lumMod val="50000"/>
+                <a:lumOff val="50000"/>
+              </a:schemeClr>
+            </a:solidFill>
+            <a:ln>
+              <a:solidFill>
+                <a:schemeClr val="bg1">
+                  <a:lumMod val="65000"/>
+                </a:schemeClr>
+              </a:solidFill>
+            </a:ln>
+            <a:effectLst>
+              <a:innerShdw blurRad="63500" dist="50800" dir="10800000">
+                <a:prstClr val="black">
+                  <a:alpha val="50000"/>
+                </a:prstClr>
+              </a:innerShdw>
+            </a:effectLst>
+          </p:spPr>
+          <p:style>
+            <a:lnRef idx="2">
+              <a:schemeClr val="accent1">
+                <a:shade val="15000"/>
+              </a:schemeClr>
+            </a:lnRef>
+            <a:fillRef idx="1">
+              <a:schemeClr val="accent1"/>
+            </a:fillRef>
+            <a:effectRef idx="0">
+              <a:schemeClr val="accent1"/>
+            </a:effectRef>
+            <a:fontRef idx="minor">
+              <a:schemeClr val="lt1"/>
+            </a:fontRef>
+          </p:style>
+          <p:txBody>
+            <a:bodyPr rtlCol="0" anchor="ctr"/>
+            <a:lstStyle/>
+            <a:p>
+              <a:pPr algn="ctr"/>
+              <a:endParaRPr kumimoji="1" lang="ja-JP" altLang="en-US"/>
+            </a:p>
+          </p:txBody>
+        </p:sp>
+        <p:sp>
+          <p:nvSpPr>
+            <p:cNvPr id="23" name="フローチャート: 代替処理 22">
+              <a:extLst>
+                <a:ext uri="{FF2B5EF4-FFF2-40B4-BE49-F238E27FC236}">
+                  <a16:creationId xmlns:a16="http://schemas.microsoft.com/office/drawing/2014/main" id="{97CF76F0-2106-9B55-250C-34656068D8B7}"/>
+                </a:ext>
+              </a:extLst>
+            </p:cNvPr>
+            <p:cNvSpPr/>
+            <p:nvPr/>
+          </p:nvSpPr>
+          <p:spPr>
+            <a:xfrm rot="16200000">
+              <a:off x="7969655" y="3443797"/>
+              <a:ext cx="230684" cy="1614795"/>
+            </a:xfrm>
+            <a:prstGeom prst="flowChartAlternateProcess">
+              <a:avLst/>
+            </a:prstGeom>
+            <a:solidFill>
+              <a:schemeClr val="tx1">
+                <a:lumMod val="50000"/>
+                <a:lumOff val="50000"/>
+              </a:schemeClr>
+            </a:solidFill>
+            <a:ln>
+              <a:solidFill>
+                <a:schemeClr val="bg1">
+                  <a:lumMod val="65000"/>
+                </a:schemeClr>
+              </a:solidFill>
+            </a:ln>
+            <a:effectLst>
+              <a:innerShdw blurRad="63500" dist="50800">
+                <a:prstClr val="black">
+                  <a:alpha val="50000"/>
+                </a:prstClr>
+              </a:innerShdw>
+            </a:effectLst>
+          </p:spPr>
+          <p:style>
+            <a:lnRef idx="2">
+              <a:schemeClr val="accent1">
+                <a:shade val="15000"/>
+              </a:schemeClr>
+            </a:lnRef>
+            <a:fillRef idx="1">
+              <a:schemeClr val="accent1"/>
+            </a:fillRef>
+            <a:effectRef idx="0">
+              <a:schemeClr val="accent1"/>
+            </a:effectRef>
+            <a:fontRef idx="minor">
+              <a:schemeClr val="lt1"/>
+            </a:fontRef>
+          </p:style>
+          <p:txBody>
+            <a:bodyPr rtlCol="0" anchor="ctr"/>
+            <a:lstStyle/>
+            <a:p>
+              <a:pPr algn="ctr"/>
+              <a:endParaRPr kumimoji="1" lang="ja-JP" altLang="en-US"/>
+            </a:p>
+          </p:txBody>
+        </p:sp>
+        <p:sp>
+          <p:nvSpPr>
+            <p:cNvPr id="24" name="フローチャート: 代替処理 23">
+              <a:extLst>
+                <a:ext uri="{FF2B5EF4-FFF2-40B4-BE49-F238E27FC236}">
+                  <a16:creationId xmlns:a16="http://schemas.microsoft.com/office/drawing/2014/main" id="{8DCB6E34-DF3A-30BA-E685-336E353E2E58}"/>
+                </a:ext>
+              </a:extLst>
+            </p:cNvPr>
+            <p:cNvSpPr/>
+            <p:nvPr/>
+          </p:nvSpPr>
+          <p:spPr>
+            <a:xfrm rot="16200000">
+              <a:off x="7969656" y="747059"/>
+              <a:ext cx="230684" cy="1614795"/>
+            </a:xfrm>
+            <a:prstGeom prst="flowChartAlternateProcess">
+              <a:avLst/>
+            </a:prstGeom>
+            <a:solidFill>
+              <a:schemeClr val="tx1">
+                <a:lumMod val="50000"/>
+                <a:lumOff val="50000"/>
+              </a:schemeClr>
+            </a:solidFill>
+            <a:ln>
+              <a:solidFill>
+                <a:schemeClr val="bg1">
+                  <a:lumMod val="65000"/>
+                </a:schemeClr>
+              </a:solidFill>
+            </a:ln>
+            <a:effectLst>
+              <a:innerShdw blurRad="63500" dist="50800" dir="10800000">
+                <a:prstClr val="black">
+                  <a:alpha val="50000"/>
+                </a:prstClr>
+              </a:innerShdw>
+            </a:effectLst>
+          </p:spPr>
+          <p:style>
+            <a:lnRef idx="2">
+              <a:schemeClr val="accent1">
+                <a:shade val="15000"/>
+              </a:schemeClr>
+            </a:lnRef>
+            <a:fillRef idx="1">
+              <a:schemeClr val="accent1"/>
+            </a:fillRef>
+            <a:effectRef idx="0">
+              <a:schemeClr val="accent1"/>
+            </a:effectRef>
+            <a:fontRef idx="minor">
+              <a:schemeClr val="lt1"/>
+            </a:fontRef>
+          </p:style>
+          <p:txBody>
+            <a:bodyPr rtlCol="0" anchor="ctr"/>
+            <a:lstStyle/>
+            <a:p>
+              <a:pPr algn="ctr"/>
+              <a:endParaRPr kumimoji="1" lang="ja-JP" altLang="en-US"/>
+            </a:p>
+          </p:txBody>
+        </p:sp>
+        <p:sp>
+          <p:nvSpPr>
+            <p:cNvPr id="25" name="正方形/長方形 24">
+              <a:extLst>
+                <a:ext uri="{FF2B5EF4-FFF2-40B4-BE49-F238E27FC236}">
+                  <a16:creationId xmlns:a16="http://schemas.microsoft.com/office/drawing/2014/main" id="{6EE72033-1485-746E-8E95-CA27D7B49976}"/>
+                </a:ext>
+              </a:extLst>
+            </p:cNvPr>
+            <p:cNvSpPr/>
+            <p:nvPr/>
+          </p:nvSpPr>
+          <p:spPr>
+            <a:xfrm>
+              <a:off x="6902843" y="1717747"/>
+              <a:ext cx="2394971" cy="2364262"/>
+            </a:xfrm>
+            <a:prstGeom prst="rect">
+              <a:avLst/>
+            </a:prstGeom>
+            <a:solidFill>
+              <a:schemeClr val="tx1"/>
+            </a:solidFill>
+          </p:spPr>
+          <p:style>
+            <a:lnRef idx="2">
+              <a:schemeClr val="accent1">
+                <a:shade val="15000"/>
+              </a:schemeClr>
+            </a:lnRef>
+            <a:fillRef idx="1">
+              <a:schemeClr val="accent1"/>
+            </a:fillRef>
+            <a:effectRef idx="0">
+              <a:schemeClr val="accent1"/>
+            </a:effectRef>
+            <a:fontRef idx="minor">
+              <a:schemeClr val="lt1"/>
+            </a:fontRef>
+          </p:style>
+          <p:txBody>
+            <a:bodyPr rtlCol="0" anchor="ctr"/>
+            <a:lstStyle/>
+            <a:p>
+              <a:pPr algn="ctr"/>
+              <a:endParaRPr kumimoji="1" lang="ja-JP" altLang="en-US"/>
+            </a:p>
+          </p:txBody>
+        </p:sp>
+        <p:sp>
+          <p:nvSpPr>
+            <p:cNvPr id="29" name="正方形/長方形 28">
+              <a:extLst>
+                <a:ext uri="{FF2B5EF4-FFF2-40B4-BE49-F238E27FC236}">
+                  <a16:creationId xmlns:a16="http://schemas.microsoft.com/office/drawing/2014/main" id="{EDB1CECE-6C13-9D92-05C1-FB7C0A66926F}"/>
+                </a:ext>
+              </a:extLst>
+            </p:cNvPr>
+            <p:cNvSpPr/>
+            <p:nvPr/>
+          </p:nvSpPr>
+          <p:spPr>
+            <a:xfrm>
+              <a:off x="7295446" y="2120451"/>
+              <a:ext cx="1579101" cy="1558853"/>
+            </a:xfrm>
+            <a:prstGeom prst="rect">
+              <a:avLst/>
+            </a:prstGeom>
+            <a:solidFill>
+              <a:schemeClr val="bg1">
+                <a:lumMod val="65000"/>
+              </a:schemeClr>
+            </a:solidFill>
+            <a:scene3d>
+              <a:camera prst="orthographicFront"/>
+              <a:lightRig rig="threePt" dir="t"/>
+            </a:scene3d>
+            <a:sp3d>
+              <a:bevelT prst="angle"/>
+            </a:sp3d>
+          </p:spPr>
+          <p:style>
+            <a:lnRef idx="2">
+              <a:schemeClr val="accent1">
+                <a:shade val="15000"/>
+              </a:schemeClr>
+            </a:lnRef>
+            <a:fillRef idx="1">
+              <a:schemeClr val="accent1"/>
+            </a:fillRef>
+            <a:effectRef idx="0">
+              <a:schemeClr val="accent1"/>
+            </a:effectRef>
+            <a:fontRef idx="minor">
+              <a:schemeClr val="lt1"/>
+            </a:fontRef>
+          </p:style>
+          <p:txBody>
+            <a:bodyPr rtlCol="0" anchor="ctr"/>
+            <a:lstStyle/>
+            <a:p>
+              <a:pPr algn="ctr"/>
+              <a:endParaRPr kumimoji="1" lang="ja-JP" altLang="en-US"/>
+            </a:p>
+          </p:txBody>
+        </p:sp>
+        <p:sp>
+          <p:nvSpPr>
+            <p:cNvPr id="37" name="四角形: 角を丸くする 36">
+              <a:extLst>
+                <a:ext uri="{FF2B5EF4-FFF2-40B4-BE49-F238E27FC236}">
+                  <a16:creationId xmlns:a16="http://schemas.microsoft.com/office/drawing/2014/main" id="{F352E047-D808-A472-57E9-6947C15EA90E}"/>
+                </a:ext>
+              </a:extLst>
+            </p:cNvPr>
+            <p:cNvSpPr/>
+            <p:nvPr/>
+          </p:nvSpPr>
+          <p:spPr>
+            <a:xfrm>
+              <a:off x="7379854" y="3024995"/>
+              <a:ext cx="1403928" cy="531005"/>
+            </a:xfrm>
+            <a:prstGeom prst="roundRect">
+              <a:avLst/>
+            </a:prstGeom>
+            <a:solidFill>
+              <a:schemeClr val="tx1"/>
+            </a:solidFill>
+          </p:spPr>
+          <p:style>
+            <a:lnRef idx="2">
+              <a:schemeClr val="accent1">
+                <a:shade val="15000"/>
+              </a:schemeClr>
+            </a:lnRef>
+            <a:fillRef idx="1">
+              <a:schemeClr val="accent1"/>
+            </a:fillRef>
+            <a:effectRef idx="0">
+              <a:schemeClr val="accent1"/>
+            </a:effectRef>
+            <a:fontRef idx="minor">
+              <a:schemeClr val="lt1"/>
+            </a:fontRef>
+          </p:style>
+          <p:txBody>
+            <a:bodyPr rtlCol="0" anchor="ctr"/>
+            <a:lstStyle/>
+            <a:p>
+              <a:r>
+                <a:rPr kumimoji="1" lang="ja-JP" altLang="en-US" sz="2400" dirty="0">
+                  <a:ln w="28575">
+                    <a:noFill/>
+                  </a:ln>
+                  <a:solidFill>
+                    <a:schemeClr val="accent1">
+                      <a:lumMod val="40000"/>
+                      <a:lumOff val="60000"/>
+                    </a:schemeClr>
+                  </a:solidFill>
+                  <a:latin typeface="HG創英ﾌﾟﾚｾﾞﾝｽEB" panose="02020809000000000000" pitchFamily="17" charset="-128"/>
+                  <a:ea typeface="HG創英ﾌﾟﾚｾﾞﾝｽEB" panose="02020809000000000000" pitchFamily="17" charset="-128"/>
+                </a:rPr>
+                <a:t>残</a:t>
+              </a:r>
+            </a:p>
+          </p:txBody>
+        </p:sp>
+        <p:grpSp>
+          <p:nvGrpSpPr>
+            <p:cNvPr id="44" name="グループ化 43">
+              <a:extLst>
+                <a:ext uri="{FF2B5EF4-FFF2-40B4-BE49-F238E27FC236}">
+                  <a16:creationId xmlns:a16="http://schemas.microsoft.com/office/drawing/2014/main" id="{5B234FDD-B904-136F-1FF8-CF66CB914C78}"/>
+                </a:ext>
+              </a:extLst>
+            </p:cNvPr>
+            <p:cNvGrpSpPr/>
+            <p:nvPr/>
+          </p:nvGrpSpPr>
+          <p:grpSpPr>
+            <a:xfrm rot="5400000">
+              <a:off x="6505861" y="1328271"/>
+              <a:ext cx="3169354" cy="3161790"/>
+              <a:chOff x="6505861" y="1328271"/>
+              <a:chExt cx="3169354" cy="3161790"/>
+            </a:xfrm>
+          </p:grpSpPr>
+          <p:sp>
+            <p:nvSpPr>
+              <p:cNvPr id="4" name="フローチャート: 代替処理 3">
+                <a:extLst>
+                  <a:ext uri="{FF2B5EF4-FFF2-40B4-BE49-F238E27FC236}">
+                    <a16:creationId xmlns:a16="http://schemas.microsoft.com/office/drawing/2014/main" id="{994BDB03-1C6B-9825-BC89-366F344B0C9E}"/>
+                  </a:ext>
+                </a:extLst>
+              </p:cNvPr>
+              <p:cNvSpPr/>
+              <p:nvPr/>
+            </p:nvSpPr>
+            <p:spPr>
+              <a:xfrm rot="16200000">
+                <a:off x="8955215" y="3770061"/>
+                <a:ext cx="720000" cy="720000"/>
+              </a:xfrm>
+              <a:prstGeom prst="flowChartAlternateProcess">
+                <a:avLst/>
+              </a:prstGeom>
+              <a:solidFill>
+                <a:schemeClr val="tx1"/>
+              </a:solidFill>
+              <a:ln w="38100">
+                <a:solidFill>
+                  <a:schemeClr val="bg1">
+                    <a:lumMod val="65000"/>
+                  </a:schemeClr>
+                </a:solidFill>
+              </a:ln>
+            </p:spPr>
+            <p:style>
+              <a:lnRef idx="2">
+                <a:schemeClr val="accent1">
+                  <a:shade val="15000"/>
+                </a:schemeClr>
+              </a:lnRef>
+              <a:fillRef idx="1">
+                <a:schemeClr val="accent1"/>
+              </a:fillRef>
+              <a:effectRef idx="0">
+                <a:schemeClr val="accent1"/>
+              </a:effectRef>
+              <a:fontRef idx="minor">
+                <a:schemeClr val="lt1"/>
+              </a:fontRef>
+            </p:style>
+            <p:txBody>
+              <a:bodyPr rtlCol="0" anchor="b"/>
+              <a:lstStyle/>
+              <a:p>
+                <a:pPr algn="ctr"/>
+                <a:r>
+                  <a:rPr lang="ja-JP" altLang="en-US" sz="4000" dirty="0">
+                    <a:latin typeface="HG創英ﾌﾟﾚｾﾞﾝｽEB" panose="02020809000000000000" pitchFamily="17" charset="-128"/>
+                    <a:ea typeface="HG創英ﾌﾟﾚｾﾞﾝｽEB" panose="02020809000000000000" pitchFamily="17" charset="-128"/>
+                  </a:rPr>
+                  <a:t>南</a:t>
+                </a:r>
+                <a:endParaRPr kumimoji="1" lang="ja-JP" altLang="en-US" sz="4000" dirty="0">
+                  <a:latin typeface="HG創英ﾌﾟﾚｾﾞﾝｽEB" panose="02020809000000000000" pitchFamily="17" charset="-128"/>
+                  <a:ea typeface="HG創英ﾌﾟﾚｾﾞﾝｽEB" panose="02020809000000000000" pitchFamily="17" charset="-128"/>
+                </a:endParaRPr>
+              </a:p>
+            </p:txBody>
+          </p:sp>
+          <p:sp>
+            <p:nvSpPr>
+              <p:cNvPr id="5" name="フローチャート: 代替処理 4">
+                <a:extLst>
+                  <a:ext uri="{FF2B5EF4-FFF2-40B4-BE49-F238E27FC236}">
+                    <a16:creationId xmlns:a16="http://schemas.microsoft.com/office/drawing/2014/main" id="{5C0CB165-BDA9-3338-0FEF-F77869280964}"/>
+                  </a:ext>
+                </a:extLst>
+              </p:cNvPr>
+              <p:cNvSpPr/>
+              <p:nvPr/>
+            </p:nvSpPr>
+            <p:spPr>
+              <a:xfrm rot="10800000">
+                <a:off x="8936271" y="1328271"/>
+                <a:ext cx="720000" cy="720000"/>
+              </a:xfrm>
+              <a:prstGeom prst="flowChartAlternateProcess">
+                <a:avLst/>
+              </a:prstGeom>
+              <a:solidFill>
+                <a:schemeClr val="tx1"/>
+              </a:solidFill>
+              <a:ln w="38100">
+                <a:solidFill>
+                  <a:schemeClr val="bg1">
+                    <a:lumMod val="65000"/>
+                  </a:schemeClr>
+                </a:solidFill>
+              </a:ln>
+            </p:spPr>
+            <p:style>
+              <a:lnRef idx="2">
+                <a:schemeClr val="accent1">
+                  <a:shade val="15000"/>
+                </a:schemeClr>
+              </a:lnRef>
+              <a:fillRef idx="1">
+                <a:schemeClr val="accent1"/>
+              </a:fillRef>
+              <a:effectRef idx="0">
+                <a:schemeClr val="accent1"/>
+              </a:effectRef>
+              <a:fontRef idx="minor">
+                <a:schemeClr val="lt1"/>
+              </a:fontRef>
+            </p:style>
+            <p:txBody>
+              <a:bodyPr rtlCol="0" anchor="b"/>
+              <a:lstStyle/>
+              <a:p>
+                <a:pPr algn="ctr"/>
+                <a:r>
+                  <a:rPr kumimoji="1" lang="ja-JP" altLang="en-US" sz="4000" dirty="0">
+                    <a:latin typeface="HG創英ﾌﾟﾚｾﾞﾝｽEB" panose="02020809000000000000" pitchFamily="17" charset="-128"/>
+                    <a:ea typeface="HG創英ﾌﾟﾚｾﾞﾝｽEB" panose="02020809000000000000" pitchFamily="17" charset="-128"/>
+                  </a:rPr>
+                  <a:t>西</a:t>
+                </a:r>
+              </a:p>
+            </p:txBody>
+          </p:sp>
+          <p:sp>
+            <p:nvSpPr>
+              <p:cNvPr id="6" name="フローチャート: 代替処理 5">
+                <a:extLst>
+                  <a:ext uri="{FF2B5EF4-FFF2-40B4-BE49-F238E27FC236}">
+                    <a16:creationId xmlns:a16="http://schemas.microsoft.com/office/drawing/2014/main" id="{886D3BDB-7B70-C4A7-6874-9CAB4B5BA7DA}"/>
+                  </a:ext>
+                </a:extLst>
+              </p:cNvPr>
+              <p:cNvSpPr/>
+              <p:nvPr/>
+            </p:nvSpPr>
+            <p:spPr>
+              <a:xfrm rot="5400000">
+                <a:off x="6511077" y="1328271"/>
+                <a:ext cx="720000" cy="720000"/>
+              </a:xfrm>
+              <a:prstGeom prst="flowChartAlternateProcess">
+                <a:avLst/>
+              </a:prstGeom>
+              <a:solidFill>
+                <a:schemeClr val="tx1"/>
+              </a:solidFill>
+              <a:ln w="38100">
+                <a:solidFill>
+                  <a:schemeClr val="bg1">
+                    <a:lumMod val="65000"/>
+                  </a:schemeClr>
+                </a:solidFill>
+              </a:ln>
+            </p:spPr>
+            <p:style>
+              <a:lnRef idx="2">
+                <a:schemeClr val="accent1">
+                  <a:shade val="15000"/>
+                </a:schemeClr>
+              </a:lnRef>
+              <a:fillRef idx="1">
+                <a:schemeClr val="accent1"/>
+              </a:fillRef>
+              <a:effectRef idx="0">
+                <a:schemeClr val="accent1"/>
+              </a:effectRef>
+              <a:fontRef idx="minor">
+                <a:schemeClr val="lt1"/>
+              </a:fontRef>
+            </p:style>
+            <p:txBody>
+              <a:bodyPr rtlCol="0" anchor="b"/>
+              <a:lstStyle/>
+              <a:p>
+                <a:pPr algn="ctr"/>
+                <a:r>
+                  <a:rPr kumimoji="1" lang="ja-JP" altLang="en-US" sz="4000" dirty="0">
+                    <a:latin typeface="HG創英ﾌﾟﾚｾﾞﾝｽEB" panose="02020809000000000000" pitchFamily="17" charset="-128"/>
+                    <a:ea typeface="HG創英ﾌﾟﾚｾﾞﾝｽEB" panose="02020809000000000000" pitchFamily="17" charset="-128"/>
+                  </a:rPr>
+                  <a:t>北</a:t>
+                </a:r>
+              </a:p>
+            </p:txBody>
+          </p:sp>
+          <p:sp>
+            <p:nvSpPr>
+              <p:cNvPr id="8" name="フローチャート: 代替処理 7">
+                <a:extLst>
+                  <a:ext uri="{FF2B5EF4-FFF2-40B4-BE49-F238E27FC236}">
+                    <a16:creationId xmlns:a16="http://schemas.microsoft.com/office/drawing/2014/main" id="{1AFEFE05-DC22-14A5-69E1-1DE7483F8FF3}"/>
+                  </a:ext>
+                </a:extLst>
+              </p:cNvPr>
+              <p:cNvSpPr/>
+              <p:nvPr/>
+            </p:nvSpPr>
+            <p:spPr>
+              <a:xfrm>
+                <a:off x="6505861" y="3764855"/>
+                <a:ext cx="720000" cy="720000"/>
+              </a:xfrm>
+              <a:prstGeom prst="flowChartAlternateProcess">
+                <a:avLst/>
+              </a:prstGeom>
+              <a:gradFill flip="none" rotWithShape="1">
+                <a:gsLst>
+                  <a:gs pos="0">
+                    <a:srgbClr val="CC3300">
+                      <a:shade val="30000"/>
+                      <a:satMod val="115000"/>
+                    </a:srgbClr>
+                  </a:gs>
+                  <a:gs pos="50000">
+                    <a:srgbClr val="CC3300">
+                      <a:shade val="67500"/>
+                      <a:satMod val="115000"/>
+                    </a:srgbClr>
+                  </a:gs>
+                  <a:gs pos="100000">
+                    <a:srgbClr val="CC3300">
+                      <a:shade val="100000"/>
+                      <a:satMod val="115000"/>
+                    </a:srgbClr>
+                  </a:gs>
+                </a:gsLst>
+                <a:path path="circle">
+                  <a:fillToRect l="50000" t="50000" r="50000" b="50000"/>
+                </a:path>
+                <a:tileRect/>
+              </a:gradFill>
+              <a:ln w="38100">
+                <a:solidFill>
+                  <a:schemeClr val="bg1">
+                    <a:lumMod val="65000"/>
+                  </a:schemeClr>
+                </a:solidFill>
+              </a:ln>
+            </p:spPr>
+            <p:style>
+              <a:lnRef idx="2">
+                <a:schemeClr val="accent1">
+                  <a:shade val="15000"/>
+                </a:schemeClr>
+              </a:lnRef>
+              <a:fillRef idx="1">
+                <a:schemeClr val="accent1"/>
+              </a:fillRef>
+              <a:effectRef idx="0">
+                <a:schemeClr val="accent1"/>
+              </a:effectRef>
+              <a:fontRef idx="minor">
+                <a:schemeClr val="lt1"/>
+              </a:fontRef>
+            </p:style>
+            <p:txBody>
+              <a:bodyPr rtlCol="0" anchor="b"/>
+              <a:lstStyle/>
+              <a:p>
+                <a:pPr algn="ctr"/>
+                <a:r>
+                  <a:rPr kumimoji="1" lang="ja-JP" altLang="en-US" sz="4000" dirty="0">
+                    <a:ln w="19050">
+                      <a:solidFill>
+                        <a:schemeClr val="bg1"/>
+                      </a:solidFill>
+                    </a:ln>
+                    <a:solidFill>
+                      <a:schemeClr val="tx1"/>
+                    </a:solidFill>
+                    <a:latin typeface="HG創英ﾌﾟﾚｾﾞﾝｽEB" panose="02020809000000000000" pitchFamily="17" charset="-128"/>
+                    <a:ea typeface="HG創英ﾌﾟﾚｾﾞﾝｽEB" panose="02020809000000000000" pitchFamily="17" charset="-128"/>
+                  </a:rPr>
+                  <a:t>東</a:t>
+                </a:r>
+              </a:p>
+            </p:txBody>
+          </p:sp>
+        </p:grpSp>
+      </p:grpSp>
     </p:spTree>
     <p:extLst>
       <p:ext uri="{BB962C8B-B14F-4D97-AF65-F5344CB8AC3E}">

--- a/Picture/図作成用.pptx
+++ b/Picture/図作成用.pptx
@@ -6,6 +6,7 @@
   </p:sldMasterIdLst>
   <p:sldIdLst>
     <p:sldId id="256" r:id="rId2"/>
+    <p:sldId id="257" r:id="rId3"/>
   </p:sldIdLst>
   <p:sldSz cx="12192000" cy="6858000"/>
   <p:notesSz cx="6858000" cy="9144000"/>
@@ -259,7 +260,7 @@
           <a:p>
             <a:fld id="{5AC917AA-9460-47BC-9370-797960620197}" type="datetimeFigureOut">
               <a:rPr kumimoji="1" lang="ja-JP" altLang="en-US" smtClean="0"/>
-              <a:t>2024/9/12</a:t>
+              <a:t>2024/9/13</a:t>
             </a:fld>
             <a:endParaRPr kumimoji="1" lang="ja-JP" altLang="en-US"/>
           </a:p>
@@ -489,7 +490,7 @@
           <a:p>
             <a:fld id="{5AC917AA-9460-47BC-9370-797960620197}" type="datetimeFigureOut">
               <a:rPr kumimoji="1" lang="ja-JP" altLang="en-US" smtClean="0"/>
-              <a:t>2024/9/12</a:t>
+              <a:t>2024/9/13</a:t>
             </a:fld>
             <a:endParaRPr kumimoji="1" lang="ja-JP" altLang="en-US"/>
           </a:p>
@@ -729,7 +730,7 @@
           <a:p>
             <a:fld id="{5AC917AA-9460-47BC-9370-797960620197}" type="datetimeFigureOut">
               <a:rPr kumimoji="1" lang="ja-JP" altLang="en-US" smtClean="0"/>
-              <a:t>2024/9/12</a:t>
+              <a:t>2024/9/13</a:t>
             </a:fld>
             <a:endParaRPr kumimoji="1" lang="ja-JP" altLang="en-US"/>
           </a:p>
@@ -959,7 +960,7 @@
           <a:p>
             <a:fld id="{5AC917AA-9460-47BC-9370-797960620197}" type="datetimeFigureOut">
               <a:rPr kumimoji="1" lang="ja-JP" altLang="en-US" smtClean="0"/>
-              <a:t>2024/9/12</a:t>
+              <a:t>2024/9/13</a:t>
             </a:fld>
             <a:endParaRPr kumimoji="1" lang="ja-JP" altLang="en-US"/>
           </a:p>
@@ -1234,7 +1235,7 @@
           <a:p>
             <a:fld id="{5AC917AA-9460-47BC-9370-797960620197}" type="datetimeFigureOut">
               <a:rPr kumimoji="1" lang="ja-JP" altLang="en-US" smtClean="0"/>
-              <a:t>2024/9/12</a:t>
+              <a:t>2024/9/13</a:t>
             </a:fld>
             <a:endParaRPr kumimoji="1" lang="ja-JP" altLang="en-US"/>
           </a:p>
@@ -1563,7 +1564,7 @@
           <a:p>
             <a:fld id="{5AC917AA-9460-47BC-9370-797960620197}" type="datetimeFigureOut">
               <a:rPr kumimoji="1" lang="ja-JP" altLang="en-US" smtClean="0"/>
-              <a:t>2024/9/12</a:t>
+              <a:t>2024/9/13</a:t>
             </a:fld>
             <a:endParaRPr kumimoji="1" lang="ja-JP" altLang="en-US"/>
           </a:p>
@@ -2039,7 +2040,7 @@
           <a:p>
             <a:fld id="{5AC917AA-9460-47BC-9370-797960620197}" type="datetimeFigureOut">
               <a:rPr kumimoji="1" lang="ja-JP" altLang="en-US" smtClean="0"/>
-              <a:t>2024/9/12</a:t>
+              <a:t>2024/9/13</a:t>
             </a:fld>
             <a:endParaRPr kumimoji="1" lang="ja-JP" altLang="en-US"/>
           </a:p>
@@ -2180,7 +2181,7 @@
           <a:p>
             <a:fld id="{5AC917AA-9460-47BC-9370-797960620197}" type="datetimeFigureOut">
               <a:rPr kumimoji="1" lang="ja-JP" altLang="en-US" smtClean="0"/>
-              <a:t>2024/9/12</a:t>
+              <a:t>2024/9/13</a:t>
             </a:fld>
             <a:endParaRPr kumimoji="1" lang="ja-JP" altLang="en-US"/>
           </a:p>
@@ -2293,7 +2294,7 @@
           <a:p>
             <a:fld id="{5AC917AA-9460-47BC-9370-797960620197}" type="datetimeFigureOut">
               <a:rPr kumimoji="1" lang="ja-JP" altLang="en-US" smtClean="0"/>
-              <a:t>2024/9/12</a:t>
+              <a:t>2024/9/13</a:t>
             </a:fld>
             <a:endParaRPr kumimoji="1" lang="ja-JP" altLang="en-US"/>
           </a:p>
@@ -2636,7 +2637,7 @@
           <a:p>
             <a:fld id="{5AC917AA-9460-47BC-9370-797960620197}" type="datetimeFigureOut">
               <a:rPr kumimoji="1" lang="ja-JP" altLang="en-US" smtClean="0"/>
-              <a:t>2024/9/12</a:t>
+              <a:t>2024/9/13</a:t>
             </a:fld>
             <a:endParaRPr kumimoji="1" lang="ja-JP" altLang="en-US"/>
           </a:p>
@@ -2924,7 +2925,7 @@
           <a:p>
             <a:fld id="{5AC917AA-9460-47BC-9370-797960620197}" type="datetimeFigureOut">
               <a:rPr kumimoji="1" lang="ja-JP" altLang="en-US" smtClean="0"/>
-              <a:t>2024/9/12</a:t>
+              <a:t>2024/9/13</a:t>
             </a:fld>
             <a:endParaRPr kumimoji="1" lang="ja-JP" altLang="en-US"/>
           </a:p>
@@ -3197,7 +3198,7 @@
           <a:p>
             <a:fld id="{5AC917AA-9460-47BC-9370-797960620197}" type="datetimeFigureOut">
               <a:rPr kumimoji="1" lang="ja-JP" altLang="en-US" smtClean="0"/>
-              <a:t>2024/9/12</a:t>
+              <a:t>2024/9/13</a:t>
             </a:fld>
             <a:endParaRPr kumimoji="1" lang="ja-JP" altLang="en-US"/>
           </a:p>
@@ -5199,6 +5200,175 @@
 </p:sld>
 </file>
 
+<file path=ppt/slides/slide2.xml><?xml version="1.0" encoding="utf-8"?>
+<p:sld xmlns:a="http://schemas.openxmlformats.org/drawingml/2006/main" xmlns:r="http://schemas.openxmlformats.org/officeDocument/2006/relationships" xmlns:p="http://schemas.openxmlformats.org/presentationml/2006/main">
+  <p:cSld>
+    <p:spTree>
+      <p:nvGrpSpPr>
+        <p:cNvPr id="1" name=""/>
+        <p:cNvGrpSpPr/>
+        <p:nvPr/>
+      </p:nvGrpSpPr>
+      <p:grpSpPr>
+        <a:xfrm>
+          <a:off x="0" y="0"/>
+          <a:ext cx="0" cy="0"/>
+          <a:chOff x="0" y="0"/>
+          <a:chExt cx="0" cy="0"/>
+        </a:xfrm>
+      </p:grpSpPr>
+      <p:sp>
+        <p:nvSpPr>
+          <p:cNvPr id="4" name="正方形/長方形 3">
+            <a:extLst>
+              <a:ext uri="{FF2B5EF4-FFF2-40B4-BE49-F238E27FC236}">
+                <a16:creationId xmlns:a16="http://schemas.microsoft.com/office/drawing/2014/main" id="{B19C35E4-F07B-078D-8BB6-39F828155B54}"/>
+              </a:ext>
+            </a:extLst>
+          </p:cNvPr>
+          <p:cNvSpPr/>
+          <p:nvPr/>
+        </p:nvSpPr>
+        <p:spPr>
+          <a:xfrm>
+            <a:off x="5712691" y="240145"/>
+            <a:ext cx="766618" cy="5772728"/>
+          </a:xfrm>
+          <a:prstGeom prst="rect">
+            <a:avLst/>
+          </a:prstGeom>
+          <a:solidFill>
+            <a:srgbClr val="800000"/>
+          </a:solidFill>
+          <a:ln>
+            <a:noFill/>
+          </a:ln>
+          <a:effectLst>
+            <a:outerShdw blurRad="50800" dist="76200" algn="l" rotWithShape="0">
+              <a:srgbClr val="0B1707">
+                <a:alpha val="40000"/>
+              </a:srgbClr>
+            </a:outerShdw>
+          </a:effectLst>
+          <a:scene3d>
+            <a:camera prst="perspectiveLeft">
+              <a:rot lat="0" lon="600000" rev="0"/>
+            </a:camera>
+            <a:lightRig rig="morning" dir="t"/>
+          </a:scene3d>
+          <a:sp3d prstMaterial="metal">
+            <a:bevelT h="450850"/>
+          </a:sp3d>
+        </p:spPr>
+        <p:style>
+          <a:lnRef idx="2">
+            <a:schemeClr val="accent1">
+              <a:shade val="15000"/>
+            </a:schemeClr>
+          </a:lnRef>
+          <a:fillRef idx="1">
+            <a:schemeClr val="accent1"/>
+          </a:fillRef>
+          <a:effectRef idx="0">
+            <a:schemeClr val="accent1"/>
+          </a:effectRef>
+          <a:fontRef idx="minor">
+            <a:schemeClr val="lt1"/>
+          </a:fontRef>
+        </p:style>
+        <p:txBody>
+          <a:bodyPr rtlCol="0" anchor="ctr"/>
+          <a:lstStyle/>
+          <a:p>
+            <a:pPr algn="ctr"/>
+            <a:endParaRPr kumimoji="1" lang="ja-JP" altLang="en-US" dirty="0"/>
+          </a:p>
+        </p:txBody>
+      </p:sp>
+      <p:sp>
+        <p:nvSpPr>
+          <p:cNvPr id="8" name="正方形/長方形 7">
+            <a:extLst>
+              <a:ext uri="{FF2B5EF4-FFF2-40B4-BE49-F238E27FC236}">
+                <a16:creationId xmlns:a16="http://schemas.microsoft.com/office/drawing/2014/main" id="{2F50A848-3ECA-6E15-1A7E-2DDD83607596}"/>
+              </a:ext>
+            </a:extLst>
+          </p:cNvPr>
+          <p:cNvSpPr/>
+          <p:nvPr/>
+        </p:nvSpPr>
+        <p:spPr>
+          <a:xfrm rot="10800000">
+            <a:off x="9728126" y="240145"/>
+            <a:ext cx="766618" cy="5772728"/>
+          </a:xfrm>
+          <a:prstGeom prst="rect">
+            <a:avLst/>
+          </a:prstGeom>
+          <a:solidFill>
+            <a:srgbClr val="800000"/>
+          </a:solidFill>
+          <a:ln>
+            <a:noFill/>
+          </a:ln>
+          <a:effectLst>
+            <a:outerShdw blurRad="50800" dist="63500" dir="10800000" algn="r" rotWithShape="0">
+              <a:srgbClr val="11240A">
+                <a:alpha val="40000"/>
+              </a:srgbClr>
+            </a:outerShdw>
+          </a:effectLst>
+          <a:scene3d>
+            <a:camera prst="perspectiveLeft">
+              <a:rot lat="0" lon="600000" rev="0"/>
+            </a:camera>
+            <a:lightRig rig="morning" dir="t">
+              <a:rot lat="0" lon="0" rev="1500000"/>
+            </a:lightRig>
+          </a:scene3d>
+          <a:sp3d prstMaterial="metal">
+            <a:bevelT h="450850"/>
+            <a:bevelB/>
+          </a:sp3d>
+        </p:spPr>
+        <p:style>
+          <a:lnRef idx="2">
+            <a:schemeClr val="accent1">
+              <a:shade val="15000"/>
+            </a:schemeClr>
+          </a:lnRef>
+          <a:fillRef idx="1">
+            <a:schemeClr val="accent1"/>
+          </a:fillRef>
+          <a:effectRef idx="0">
+            <a:schemeClr val="accent1"/>
+          </a:effectRef>
+          <a:fontRef idx="minor">
+            <a:schemeClr val="lt1"/>
+          </a:fontRef>
+        </p:style>
+        <p:txBody>
+          <a:bodyPr rtlCol="0" anchor="ctr"/>
+          <a:lstStyle/>
+          <a:p>
+            <a:pPr algn="ctr"/>
+            <a:endParaRPr kumimoji="1" lang="ja-JP" altLang="en-US" dirty="0"/>
+          </a:p>
+        </p:txBody>
+      </p:sp>
+    </p:spTree>
+    <p:extLst>
+      <p:ext uri="{BB962C8B-B14F-4D97-AF65-F5344CB8AC3E}">
+        <p14:creationId xmlns:p14="http://schemas.microsoft.com/office/powerpoint/2010/main" val="1639821498"/>
+      </p:ext>
+    </p:extLst>
+  </p:cSld>
+  <p:clrMapOvr>
+    <a:masterClrMapping/>
+  </p:clrMapOvr>
+</p:sld>
+</file>
+
 <file path=ppt/theme/theme1.xml><?xml version="1.0" encoding="utf-8"?>
 <a:theme xmlns:a="http://schemas.openxmlformats.org/drawingml/2006/main" name="Office テーマ">
   <a:themeElements>

--- a/Picture/図作成用.pptx
+++ b/Picture/図作成用.pptx
@@ -260,7 +260,7 @@
           <a:p>
             <a:fld id="{5AC917AA-9460-47BC-9370-797960620197}" type="datetimeFigureOut">
               <a:rPr kumimoji="1" lang="ja-JP" altLang="en-US" smtClean="0"/>
-              <a:t>2024/9/13</a:t>
+              <a:t>2024/9/14</a:t>
             </a:fld>
             <a:endParaRPr kumimoji="1" lang="ja-JP" altLang="en-US"/>
           </a:p>
@@ -490,7 +490,7 @@
           <a:p>
             <a:fld id="{5AC917AA-9460-47BC-9370-797960620197}" type="datetimeFigureOut">
               <a:rPr kumimoji="1" lang="ja-JP" altLang="en-US" smtClean="0"/>
-              <a:t>2024/9/13</a:t>
+              <a:t>2024/9/14</a:t>
             </a:fld>
             <a:endParaRPr kumimoji="1" lang="ja-JP" altLang="en-US"/>
           </a:p>
@@ -730,7 +730,7 @@
           <a:p>
             <a:fld id="{5AC917AA-9460-47BC-9370-797960620197}" type="datetimeFigureOut">
               <a:rPr kumimoji="1" lang="ja-JP" altLang="en-US" smtClean="0"/>
-              <a:t>2024/9/13</a:t>
+              <a:t>2024/9/14</a:t>
             </a:fld>
             <a:endParaRPr kumimoji="1" lang="ja-JP" altLang="en-US"/>
           </a:p>
@@ -960,7 +960,7 @@
           <a:p>
             <a:fld id="{5AC917AA-9460-47BC-9370-797960620197}" type="datetimeFigureOut">
               <a:rPr kumimoji="1" lang="ja-JP" altLang="en-US" smtClean="0"/>
-              <a:t>2024/9/13</a:t>
+              <a:t>2024/9/14</a:t>
             </a:fld>
             <a:endParaRPr kumimoji="1" lang="ja-JP" altLang="en-US"/>
           </a:p>
@@ -1235,7 +1235,7 @@
           <a:p>
             <a:fld id="{5AC917AA-9460-47BC-9370-797960620197}" type="datetimeFigureOut">
               <a:rPr kumimoji="1" lang="ja-JP" altLang="en-US" smtClean="0"/>
-              <a:t>2024/9/13</a:t>
+              <a:t>2024/9/14</a:t>
             </a:fld>
             <a:endParaRPr kumimoji="1" lang="ja-JP" altLang="en-US"/>
           </a:p>
@@ -1564,7 +1564,7 @@
           <a:p>
             <a:fld id="{5AC917AA-9460-47BC-9370-797960620197}" type="datetimeFigureOut">
               <a:rPr kumimoji="1" lang="ja-JP" altLang="en-US" smtClean="0"/>
-              <a:t>2024/9/13</a:t>
+              <a:t>2024/9/14</a:t>
             </a:fld>
             <a:endParaRPr kumimoji="1" lang="ja-JP" altLang="en-US"/>
           </a:p>
@@ -2040,7 +2040,7 @@
           <a:p>
             <a:fld id="{5AC917AA-9460-47BC-9370-797960620197}" type="datetimeFigureOut">
               <a:rPr kumimoji="1" lang="ja-JP" altLang="en-US" smtClean="0"/>
-              <a:t>2024/9/13</a:t>
+              <a:t>2024/9/14</a:t>
             </a:fld>
             <a:endParaRPr kumimoji="1" lang="ja-JP" altLang="en-US"/>
           </a:p>
@@ -2181,7 +2181,7 @@
           <a:p>
             <a:fld id="{5AC917AA-9460-47BC-9370-797960620197}" type="datetimeFigureOut">
               <a:rPr kumimoji="1" lang="ja-JP" altLang="en-US" smtClean="0"/>
-              <a:t>2024/9/13</a:t>
+              <a:t>2024/9/14</a:t>
             </a:fld>
             <a:endParaRPr kumimoji="1" lang="ja-JP" altLang="en-US"/>
           </a:p>
@@ -2294,7 +2294,7 @@
           <a:p>
             <a:fld id="{5AC917AA-9460-47BC-9370-797960620197}" type="datetimeFigureOut">
               <a:rPr kumimoji="1" lang="ja-JP" altLang="en-US" smtClean="0"/>
-              <a:t>2024/9/13</a:t>
+              <a:t>2024/9/14</a:t>
             </a:fld>
             <a:endParaRPr kumimoji="1" lang="ja-JP" altLang="en-US"/>
           </a:p>
@@ -2637,7 +2637,7 @@
           <a:p>
             <a:fld id="{5AC917AA-9460-47BC-9370-797960620197}" type="datetimeFigureOut">
               <a:rPr kumimoji="1" lang="ja-JP" altLang="en-US" smtClean="0"/>
-              <a:t>2024/9/13</a:t>
+              <a:t>2024/9/14</a:t>
             </a:fld>
             <a:endParaRPr kumimoji="1" lang="ja-JP" altLang="en-US"/>
           </a:p>
@@ -2925,7 +2925,7 @@
           <a:p>
             <a:fld id="{5AC917AA-9460-47BC-9370-797960620197}" type="datetimeFigureOut">
               <a:rPr kumimoji="1" lang="ja-JP" altLang="en-US" smtClean="0"/>
-              <a:t>2024/9/13</a:t>
+              <a:t>2024/9/14</a:t>
             </a:fld>
             <a:endParaRPr kumimoji="1" lang="ja-JP" altLang="en-US"/>
           </a:p>
@@ -3198,7 +3198,7 @@
           <a:p>
             <a:fld id="{5AC917AA-9460-47BC-9370-797960620197}" type="datetimeFigureOut">
               <a:rPr kumimoji="1" lang="ja-JP" altLang="en-US" smtClean="0"/>
-              <a:t>2024/9/13</a:t>
+              <a:t>2024/9/14</a:t>
             </a:fld>
             <a:endParaRPr kumimoji="1" lang="ja-JP" altLang="en-US"/>
           </a:p>
@@ -5187,6 +5187,62 @@
           </p:sp>
         </p:grpSp>
       </p:grpSp>
+      <p:sp>
+        <p:nvSpPr>
+          <p:cNvPr id="3" name="正方形/長方形 2">
+            <a:extLst>
+              <a:ext uri="{FF2B5EF4-FFF2-40B4-BE49-F238E27FC236}">
+                <a16:creationId xmlns:a16="http://schemas.microsoft.com/office/drawing/2014/main" id="{73A4B341-D873-0E20-080E-DB8BAD909D99}"/>
+              </a:ext>
+            </a:extLst>
+          </p:cNvPr>
+          <p:cNvSpPr/>
+          <p:nvPr/>
+        </p:nvSpPr>
+        <p:spPr>
+          <a:xfrm>
+            <a:off x="1493051" y="4450949"/>
+            <a:ext cx="2473754" cy="769441"/>
+          </a:xfrm>
+          <a:prstGeom prst="rect">
+            <a:avLst/>
+          </a:prstGeom>
+          <a:noFill/>
+        </p:spPr>
+        <p:txBody>
+          <a:bodyPr wrap="none" lIns="91440" tIns="45720" rIns="91440" bIns="45720">
+            <a:spAutoFit/>
+          </a:bodyPr>
+          <a:lstStyle/>
+          <a:p>
+            <a:pPr algn="ctr"/>
+            <a:r>
+              <a:rPr lang="ja-JP" altLang="en-US" sz="4400" b="1" cap="none" spc="50" dirty="0">
+                <a:ln w="0"/>
+                <a:solidFill>
+                  <a:schemeClr val="bg1"/>
+                </a:solidFill>
+                <a:effectLst>
+                  <a:glow rad="101600">
+                    <a:schemeClr val="bg1">
+                      <a:lumMod val="50000"/>
+                      <a:alpha val="60000"/>
+                    </a:schemeClr>
+                  </a:glow>
+                  <a:outerShdw blurRad="50800" dist="38100" dir="2700000" algn="tl" rotWithShape="0">
+                    <a:prstClr val="black">
+                      <a:alpha val="40000"/>
+                    </a:prstClr>
+                  </a:outerShdw>
+                </a:effectLst>
+                <a:latin typeface="HGS創英ﾌﾟﾚｾﾞﾝｽEB" panose="02020800000000000000" pitchFamily="18" charset="-128"/>
+                <a:ea typeface="HGS創英ﾌﾟﾚｾﾞﾝｽEB" panose="02020800000000000000" pitchFamily="18" charset="-128"/>
+              </a:rPr>
+              <a:t>フリテン</a:t>
+            </a:r>
+          </a:p>
+        </p:txBody>
+      </p:sp>
     </p:spTree>
     <p:extLst>
       <p:ext uri="{BB962C8B-B14F-4D97-AF65-F5344CB8AC3E}">
@@ -5237,27 +5293,51 @@
           <a:prstGeom prst="rect">
             <a:avLst/>
           </a:prstGeom>
-          <a:solidFill>
-            <a:srgbClr val="800000"/>
-          </a:solidFill>
+          <a:gradFill flip="none" rotWithShape="1">
+            <a:gsLst>
+              <a:gs pos="0">
+                <a:srgbClr val="800000">
+                  <a:shade val="30000"/>
+                  <a:satMod val="115000"/>
+                </a:srgbClr>
+              </a:gs>
+              <a:gs pos="50000">
+                <a:srgbClr val="800000">
+                  <a:shade val="67500"/>
+                  <a:satMod val="115000"/>
+                  <a:lumMod val="100000"/>
+                </a:srgbClr>
+              </a:gs>
+              <a:gs pos="100000">
+                <a:srgbClr val="800000">
+                  <a:shade val="100000"/>
+                  <a:satMod val="115000"/>
+                </a:srgbClr>
+              </a:gs>
+            </a:gsLst>
+            <a:lin ang="10800000" scaled="1"/>
+            <a:tileRect/>
+          </a:gradFill>
           <a:ln>
             <a:noFill/>
           </a:ln>
           <a:effectLst>
             <a:outerShdw blurRad="50800" dist="76200" algn="l" rotWithShape="0">
-              <a:srgbClr val="0B1707">
+              <a:schemeClr val="tx1">
                 <a:alpha val="40000"/>
-              </a:srgbClr>
+              </a:schemeClr>
             </a:outerShdw>
           </a:effectLst>
           <a:scene3d>
             <a:camera prst="perspectiveLeft">
               <a:rot lat="0" lon="600000" rev="0"/>
             </a:camera>
-            <a:lightRig rig="morning" dir="t"/>
+            <a:lightRig rig="chilly" dir="t">
+              <a:rot lat="0" lon="0" rev="6600000"/>
+            </a:lightRig>
           </a:scene3d>
           <a:sp3d prstMaterial="metal">
-            <a:bevelT h="450850"/>
+            <a:bevelT h="450850" prst="angle"/>
           </a:sp3d>
         </p:spPr>
         <p:style>
@@ -5305,29 +5385,50 @@
           <a:prstGeom prst="rect">
             <a:avLst/>
           </a:prstGeom>
-          <a:solidFill>
-            <a:srgbClr val="800000"/>
-          </a:solidFill>
+          <a:gradFill flip="none" rotWithShape="1">
+            <a:gsLst>
+              <a:gs pos="0">
+                <a:srgbClr val="800000">
+                  <a:shade val="30000"/>
+                  <a:satMod val="115000"/>
+                </a:srgbClr>
+              </a:gs>
+              <a:gs pos="50000">
+                <a:srgbClr val="800000">
+                  <a:shade val="67500"/>
+                  <a:satMod val="115000"/>
+                </a:srgbClr>
+              </a:gs>
+              <a:gs pos="100000">
+                <a:srgbClr val="800000">
+                  <a:shade val="100000"/>
+                  <a:satMod val="115000"/>
+                </a:srgbClr>
+              </a:gs>
+            </a:gsLst>
+            <a:lin ang="10800000" scaled="1"/>
+            <a:tileRect/>
+          </a:gradFill>
           <a:ln>
             <a:noFill/>
           </a:ln>
           <a:effectLst>
             <a:outerShdw blurRad="50800" dist="63500" dir="10800000" algn="r" rotWithShape="0">
-              <a:srgbClr val="11240A">
+              <a:schemeClr val="tx1">
                 <a:alpha val="40000"/>
-              </a:srgbClr>
+              </a:schemeClr>
             </a:outerShdw>
           </a:effectLst>
           <a:scene3d>
             <a:camera prst="perspectiveLeft">
               <a:rot lat="0" lon="600000" rev="0"/>
             </a:camera>
-            <a:lightRig rig="morning" dir="t">
-              <a:rot lat="0" lon="0" rev="1500000"/>
+            <a:lightRig rig="chilly" dir="t">
+              <a:rot lat="0" lon="0" rev="7200000"/>
             </a:lightRig>
           </a:scene3d>
           <a:sp3d prstMaterial="metal">
-            <a:bevelT h="450850"/>
+            <a:bevelT h="450850" prst="angle"/>
             <a:bevelB/>
           </a:sp3d>
         </p:spPr>

--- a/Picture/図作成用.pptx
+++ b/Picture/図作成用.pptx
@@ -7,6 +7,7 @@
   <p:sldIdLst>
     <p:sldId id="256" r:id="rId2"/>
     <p:sldId id="257" r:id="rId3"/>
+    <p:sldId id="258" r:id="rId4"/>
   </p:sldIdLst>
   <p:sldSz cx="12192000" cy="6858000"/>
   <p:notesSz cx="6858000" cy="9144000"/>
@@ -260,7 +261,7 @@
           <a:p>
             <a:fld id="{5AC917AA-9460-47BC-9370-797960620197}" type="datetimeFigureOut">
               <a:rPr kumimoji="1" lang="ja-JP" altLang="en-US" smtClean="0"/>
-              <a:t>2024/9/14</a:t>
+              <a:t>2024/9/15</a:t>
             </a:fld>
             <a:endParaRPr kumimoji="1" lang="ja-JP" altLang="en-US"/>
           </a:p>
@@ -490,7 +491,7 @@
           <a:p>
             <a:fld id="{5AC917AA-9460-47BC-9370-797960620197}" type="datetimeFigureOut">
               <a:rPr kumimoji="1" lang="ja-JP" altLang="en-US" smtClean="0"/>
-              <a:t>2024/9/14</a:t>
+              <a:t>2024/9/15</a:t>
             </a:fld>
             <a:endParaRPr kumimoji="1" lang="ja-JP" altLang="en-US"/>
           </a:p>
@@ -730,7 +731,7 @@
           <a:p>
             <a:fld id="{5AC917AA-9460-47BC-9370-797960620197}" type="datetimeFigureOut">
               <a:rPr kumimoji="1" lang="ja-JP" altLang="en-US" smtClean="0"/>
-              <a:t>2024/9/14</a:t>
+              <a:t>2024/9/15</a:t>
             </a:fld>
             <a:endParaRPr kumimoji="1" lang="ja-JP" altLang="en-US"/>
           </a:p>
@@ -960,7 +961,7 @@
           <a:p>
             <a:fld id="{5AC917AA-9460-47BC-9370-797960620197}" type="datetimeFigureOut">
               <a:rPr kumimoji="1" lang="ja-JP" altLang="en-US" smtClean="0"/>
-              <a:t>2024/9/14</a:t>
+              <a:t>2024/9/15</a:t>
             </a:fld>
             <a:endParaRPr kumimoji="1" lang="ja-JP" altLang="en-US"/>
           </a:p>
@@ -1235,7 +1236,7 @@
           <a:p>
             <a:fld id="{5AC917AA-9460-47BC-9370-797960620197}" type="datetimeFigureOut">
               <a:rPr kumimoji="1" lang="ja-JP" altLang="en-US" smtClean="0"/>
-              <a:t>2024/9/14</a:t>
+              <a:t>2024/9/15</a:t>
             </a:fld>
             <a:endParaRPr kumimoji="1" lang="ja-JP" altLang="en-US"/>
           </a:p>
@@ -1564,7 +1565,7 @@
           <a:p>
             <a:fld id="{5AC917AA-9460-47BC-9370-797960620197}" type="datetimeFigureOut">
               <a:rPr kumimoji="1" lang="ja-JP" altLang="en-US" smtClean="0"/>
-              <a:t>2024/9/14</a:t>
+              <a:t>2024/9/15</a:t>
             </a:fld>
             <a:endParaRPr kumimoji="1" lang="ja-JP" altLang="en-US"/>
           </a:p>
@@ -2040,7 +2041,7 @@
           <a:p>
             <a:fld id="{5AC917AA-9460-47BC-9370-797960620197}" type="datetimeFigureOut">
               <a:rPr kumimoji="1" lang="ja-JP" altLang="en-US" smtClean="0"/>
-              <a:t>2024/9/14</a:t>
+              <a:t>2024/9/15</a:t>
             </a:fld>
             <a:endParaRPr kumimoji="1" lang="ja-JP" altLang="en-US"/>
           </a:p>
@@ -2181,7 +2182,7 @@
           <a:p>
             <a:fld id="{5AC917AA-9460-47BC-9370-797960620197}" type="datetimeFigureOut">
               <a:rPr kumimoji="1" lang="ja-JP" altLang="en-US" smtClean="0"/>
-              <a:t>2024/9/14</a:t>
+              <a:t>2024/9/15</a:t>
             </a:fld>
             <a:endParaRPr kumimoji="1" lang="ja-JP" altLang="en-US"/>
           </a:p>
@@ -2294,7 +2295,7 @@
           <a:p>
             <a:fld id="{5AC917AA-9460-47BC-9370-797960620197}" type="datetimeFigureOut">
               <a:rPr kumimoji="1" lang="ja-JP" altLang="en-US" smtClean="0"/>
-              <a:t>2024/9/14</a:t>
+              <a:t>2024/9/15</a:t>
             </a:fld>
             <a:endParaRPr kumimoji="1" lang="ja-JP" altLang="en-US"/>
           </a:p>
@@ -2637,7 +2638,7 @@
           <a:p>
             <a:fld id="{5AC917AA-9460-47BC-9370-797960620197}" type="datetimeFigureOut">
               <a:rPr kumimoji="1" lang="ja-JP" altLang="en-US" smtClean="0"/>
-              <a:t>2024/9/14</a:t>
+              <a:t>2024/9/15</a:t>
             </a:fld>
             <a:endParaRPr kumimoji="1" lang="ja-JP" altLang="en-US"/>
           </a:p>
@@ -2925,7 +2926,7 @@
           <a:p>
             <a:fld id="{5AC917AA-9460-47BC-9370-797960620197}" type="datetimeFigureOut">
               <a:rPr kumimoji="1" lang="ja-JP" altLang="en-US" smtClean="0"/>
-              <a:t>2024/9/14</a:t>
+              <a:t>2024/9/15</a:t>
             </a:fld>
             <a:endParaRPr kumimoji="1" lang="ja-JP" altLang="en-US"/>
           </a:p>
@@ -3198,7 +3199,7 @@
           <a:p>
             <a:fld id="{5AC917AA-9460-47BC-9370-797960620197}" type="datetimeFigureOut">
               <a:rPr kumimoji="1" lang="ja-JP" altLang="en-US" smtClean="0"/>
-              <a:t>2024/9/14</a:t>
+              <a:t>2024/9/15</a:t>
             </a:fld>
             <a:endParaRPr kumimoji="1" lang="ja-JP" altLang="en-US"/>
           </a:p>
@@ -5243,6 +5244,264 @@
           </a:p>
         </p:txBody>
       </p:sp>
+      <p:grpSp>
+        <p:nvGrpSpPr>
+          <p:cNvPr id="15" name="グループ化 14">
+            <a:extLst>
+              <a:ext uri="{FF2B5EF4-FFF2-40B4-BE49-F238E27FC236}">
+                <a16:creationId xmlns:a16="http://schemas.microsoft.com/office/drawing/2014/main" id="{2B551432-A9BE-5CF4-5E7F-CBAEAF090DFB}"/>
+              </a:ext>
+            </a:extLst>
+          </p:cNvPr>
+          <p:cNvGrpSpPr/>
+          <p:nvPr/>
+        </p:nvGrpSpPr>
+        <p:grpSpPr>
+          <a:xfrm>
+            <a:off x="573221" y="1307395"/>
+            <a:ext cx="4739602" cy="1080000"/>
+            <a:chOff x="573221" y="1307395"/>
+            <a:chExt cx="4739602" cy="1080000"/>
+          </a:xfrm>
+        </p:grpSpPr>
+        <p:grpSp>
+          <p:nvGrpSpPr>
+            <p:cNvPr id="28" name="グループ化 27">
+              <a:extLst>
+                <a:ext uri="{FF2B5EF4-FFF2-40B4-BE49-F238E27FC236}">
+                  <a16:creationId xmlns:a16="http://schemas.microsoft.com/office/drawing/2014/main" id="{4D8A0AB7-ACC2-E422-5006-A98C19A5597F}"/>
+                </a:ext>
+              </a:extLst>
+            </p:cNvPr>
+            <p:cNvGrpSpPr/>
+            <p:nvPr/>
+          </p:nvGrpSpPr>
+          <p:grpSpPr>
+            <a:xfrm>
+              <a:off x="573221" y="1324489"/>
+              <a:ext cx="3388606" cy="1062523"/>
+              <a:chOff x="573221" y="1324489"/>
+              <a:chExt cx="3388606" cy="1062523"/>
+            </a:xfrm>
+          </p:grpSpPr>
+          <p:sp>
+            <p:nvSpPr>
+              <p:cNvPr id="26" name="フローチャート: 端子 25">
+                <a:extLst>
+                  <a:ext uri="{FF2B5EF4-FFF2-40B4-BE49-F238E27FC236}">
+                    <a16:creationId xmlns:a16="http://schemas.microsoft.com/office/drawing/2014/main" id="{AD1E490A-45A8-0B12-14A9-6DB2FC5252BB}"/>
+                  </a:ext>
+                </a:extLst>
+              </p:cNvPr>
+              <p:cNvSpPr/>
+              <p:nvPr/>
+            </p:nvSpPr>
+            <p:spPr>
+              <a:xfrm>
+                <a:off x="573221" y="1324489"/>
+                <a:ext cx="3388606" cy="1062523"/>
+              </a:xfrm>
+              <a:prstGeom prst="flowChartTerminator">
+                <a:avLst/>
+              </a:prstGeom>
+              <a:solidFill>
+                <a:schemeClr val="bg1"/>
+              </a:solidFill>
+              <a:ln w="76200">
+                <a:solidFill>
+                  <a:schemeClr val="tx1"/>
+                </a:solidFill>
+              </a:ln>
+            </p:spPr>
+            <p:style>
+              <a:lnRef idx="2">
+                <a:schemeClr val="accent1">
+                  <a:shade val="15000"/>
+                </a:schemeClr>
+              </a:lnRef>
+              <a:fillRef idx="1">
+                <a:schemeClr val="accent1"/>
+              </a:fillRef>
+              <a:effectRef idx="0">
+                <a:schemeClr val="accent1"/>
+              </a:effectRef>
+              <a:fontRef idx="minor">
+                <a:schemeClr val="lt1"/>
+              </a:fontRef>
+            </p:style>
+            <p:txBody>
+              <a:bodyPr rtlCol="0" anchor="ctr"/>
+              <a:lstStyle/>
+              <a:p>
+                <a:pPr algn="ctr"/>
+                <a:endParaRPr kumimoji="1" lang="ja-JP" altLang="en-US" dirty="0"/>
+              </a:p>
+            </p:txBody>
+          </p:sp>
+          <p:sp>
+            <p:nvSpPr>
+              <p:cNvPr id="27" name="フローチャート: 端子 26">
+                <a:extLst>
+                  <a:ext uri="{FF2B5EF4-FFF2-40B4-BE49-F238E27FC236}">
+                    <a16:creationId xmlns:a16="http://schemas.microsoft.com/office/drawing/2014/main" id="{609DBF87-7989-05A0-7CB1-1424AC0A1BC1}"/>
+                  </a:ext>
+                </a:extLst>
+              </p:cNvPr>
+              <p:cNvSpPr/>
+              <p:nvPr/>
+            </p:nvSpPr>
+            <p:spPr>
+              <a:xfrm>
+                <a:off x="613845" y="1357745"/>
+                <a:ext cx="3311610" cy="979300"/>
+              </a:xfrm>
+              <a:prstGeom prst="flowChartTerminator">
+                <a:avLst/>
+              </a:prstGeom>
+              <a:solidFill>
+                <a:schemeClr val="bg1"/>
+              </a:solidFill>
+              <a:ln w="76200">
+                <a:solidFill>
+                  <a:schemeClr val="tx1"/>
+                </a:solidFill>
+              </a:ln>
+            </p:spPr>
+            <p:style>
+              <a:lnRef idx="2">
+                <a:schemeClr val="accent1">
+                  <a:shade val="15000"/>
+                </a:schemeClr>
+              </a:lnRef>
+              <a:fillRef idx="1">
+                <a:schemeClr val="accent1"/>
+              </a:fillRef>
+              <a:effectRef idx="0">
+                <a:schemeClr val="accent1"/>
+              </a:effectRef>
+              <a:fontRef idx="minor">
+                <a:schemeClr val="lt1"/>
+              </a:fontRef>
+            </p:style>
+            <p:txBody>
+              <a:bodyPr rtlCol="0" anchor="ctr"/>
+              <a:lstStyle/>
+              <a:p>
+                <a:pPr algn="ctr"/>
+                <a:endParaRPr kumimoji="1" lang="ja-JP" altLang="en-US" dirty="0"/>
+              </a:p>
+            </p:txBody>
+          </p:sp>
+          <p:sp>
+            <p:nvSpPr>
+              <p:cNvPr id="20" name="楕円 19">
+                <a:extLst>
+                  <a:ext uri="{FF2B5EF4-FFF2-40B4-BE49-F238E27FC236}">
+                    <a16:creationId xmlns:a16="http://schemas.microsoft.com/office/drawing/2014/main" id="{E6758409-9BCF-0588-9544-A8366DF454E3}"/>
+                  </a:ext>
+                </a:extLst>
+              </p:cNvPr>
+              <p:cNvSpPr/>
+              <p:nvPr/>
+            </p:nvSpPr>
+            <p:spPr>
+              <a:xfrm>
+                <a:off x="1835103" y="1430924"/>
+                <a:ext cx="864841" cy="849652"/>
+              </a:xfrm>
+              <a:prstGeom prst="ellipse">
+                <a:avLst/>
+              </a:prstGeom>
+              <a:solidFill>
+                <a:srgbClr val="FF0000"/>
+              </a:solidFill>
+              <a:ln>
+                <a:noFill/>
+              </a:ln>
+            </p:spPr>
+            <p:style>
+              <a:lnRef idx="2">
+                <a:schemeClr val="accent1">
+                  <a:shade val="15000"/>
+                </a:schemeClr>
+              </a:lnRef>
+              <a:fillRef idx="1">
+                <a:schemeClr val="accent1"/>
+              </a:fillRef>
+              <a:effectRef idx="0">
+                <a:schemeClr val="accent1"/>
+              </a:effectRef>
+              <a:fontRef idx="minor">
+                <a:schemeClr val="lt1"/>
+              </a:fontRef>
+            </p:style>
+            <p:txBody>
+              <a:bodyPr rtlCol="0" anchor="ctr"/>
+              <a:lstStyle/>
+              <a:p>
+                <a:pPr algn="ctr"/>
+                <a:endParaRPr kumimoji="1" lang="ja-JP" altLang="en-US"/>
+              </a:p>
+            </p:txBody>
+          </p:sp>
+        </p:grpSp>
+        <p:sp>
+          <p:nvSpPr>
+            <p:cNvPr id="10" name="十字形 9">
+              <a:extLst>
+                <a:ext uri="{FF2B5EF4-FFF2-40B4-BE49-F238E27FC236}">
+                  <a16:creationId xmlns:a16="http://schemas.microsoft.com/office/drawing/2014/main" id="{52287C6B-1B79-B9BC-33F4-86BC713990BC}"/>
+                </a:ext>
+              </a:extLst>
+            </p:cNvPr>
+            <p:cNvSpPr/>
+            <p:nvPr/>
+          </p:nvSpPr>
+          <p:spPr>
+            <a:xfrm rot="2700000">
+              <a:off x="4232823" y="1307395"/>
+              <a:ext cx="1080000" cy="1080000"/>
+            </a:xfrm>
+            <a:prstGeom prst="plus">
+              <a:avLst>
+                <a:gd name="adj" fmla="val 39203"/>
+              </a:avLst>
+            </a:prstGeom>
+            <a:solidFill>
+              <a:schemeClr val="bg1"/>
+            </a:solidFill>
+            <a:ln>
+              <a:solidFill>
+                <a:schemeClr val="tx1"/>
+              </a:solidFill>
+            </a:ln>
+          </p:spPr>
+          <p:style>
+            <a:lnRef idx="2">
+              <a:schemeClr val="accent1">
+                <a:shade val="15000"/>
+              </a:schemeClr>
+            </a:lnRef>
+            <a:fillRef idx="1">
+              <a:schemeClr val="accent1"/>
+            </a:fillRef>
+            <a:effectRef idx="0">
+              <a:schemeClr val="accent1"/>
+            </a:effectRef>
+            <a:fontRef idx="minor">
+              <a:schemeClr val="lt1"/>
+            </a:fontRef>
+          </p:style>
+          <p:txBody>
+            <a:bodyPr rtlCol="0" anchor="ctr"/>
+            <a:lstStyle/>
+            <a:p>
+              <a:pPr algn="ctr"/>
+              <a:endParaRPr kumimoji="1" lang="ja-JP" altLang="en-US"/>
+            </a:p>
+          </p:txBody>
+        </p:sp>
+      </p:grpSp>
     </p:spTree>
     <p:extLst>
       <p:ext uri="{BB962C8B-B14F-4D97-AF65-F5344CB8AC3E}">
@@ -5461,6 +5720,97 @@
     <p:extLst>
       <p:ext uri="{BB962C8B-B14F-4D97-AF65-F5344CB8AC3E}">
         <p14:creationId xmlns:p14="http://schemas.microsoft.com/office/powerpoint/2010/main" val="1639821498"/>
+      </p:ext>
+    </p:extLst>
+  </p:cSld>
+  <p:clrMapOvr>
+    <a:masterClrMapping/>
+  </p:clrMapOvr>
+</p:sld>
+</file>
+
+<file path=ppt/slides/slide3.xml><?xml version="1.0" encoding="utf-8"?>
+<p:sld xmlns:a="http://schemas.openxmlformats.org/drawingml/2006/main" xmlns:r="http://schemas.openxmlformats.org/officeDocument/2006/relationships" xmlns:p="http://schemas.openxmlformats.org/presentationml/2006/main">
+  <p:cSld>
+    <p:spTree>
+      <p:nvGrpSpPr>
+        <p:cNvPr id="1" name=""/>
+        <p:cNvGrpSpPr/>
+        <p:nvPr/>
+      </p:nvGrpSpPr>
+      <p:grpSpPr>
+        <a:xfrm>
+          <a:off x="0" y="0"/>
+          <a:ext cx="0" cy="0"/>
+          <a:chOff x="0" y="0"/>
+          <a:chExt cx="0" cy="0"/>
+        </a:xfrm>
+      </p:grpSpPr>
+      <p:sp>
+        <p:nvSpPr>
+          <p:cNvPr id="2" name="テキスト ボックス 1">
+            <a:extLst>
+              <a:ext uri="{FF2B5EF4-FFF2-40B4-BE49-F238E27FC236}">
+                <a16:creationId xmlns:a16="http://schemas.microsoft.com/office/drawing/2014/main" id="{D8C836A2-F03F-8071-4215-F4F1C6AEF311}"/>
+              </a:ext>
+            </a:extLst>
+          </p:cNvPr>
+          <p:cNvSpPr txBox="1"/>
+          <p:nvPr/>
+        </p:nvSpPr>
+        <p:spPr>
+          <a:xfrm>
+            <a:off x="5842781" y="1885070"/>
+            <a:ext cx="506437" cy="707886"/>
+          </a:xfrm>
+          <a:prstGeom prst="rect">
+            <a:avLst/>
+          </a:prstGeom>
+          <a:noFill/>
+          <a:ln>
+            <a:noFill/>
+          </a:ln>
+        </p:spPr>
+        <p:txBody>
+          <a:bodyPr wrap="square" rtlCol="0">
+            <a:spAutoFit/>
+          </a:bodyPr>
+          <a:lstStyle/>
+          <a:p>
+            <a:r>
+              <a:rPr lang="ja-JP" altLang="en-US" sz="4000" b="1" dirty="0">
+                <a:ln>
+                  <a:solidFill>
+                    <a:schemeClr val="tx1"/>
+                  </a:solidFill>
+                </a:ln>
+                <a:solidFill>
+                  <a:schemeClr val="bg1"/>
+                </a:solidFill>
+                <a:latin typeface="HG創英ﾌﾟﾚｾﾞﾝｽEB" panose="02020809000000000000" pitchFamily="17" charset="-128"/>
+                <a:ea typeface="HG創英ﾌﾟﾚｾﾞﾝｽEB" panose="02020809000000000000" pitchFamily="17" charset="-128"/>
+              </a:rPr>
+              <a:t>９</a:t>
+            </a:r>
+            <a:endParaRPr kumimoji="1" lang="ja-JP" altLang="en-US" sz="4000" b="1" dirty="0">
+              <a:ln>
+                <a:solidFill>
+                  <a:schemeClr val="tx1"/>
+                </a:solidFill>
+              </a:ln>
+              <a:solidFill>
+                <a:schemeClr val="bg1"/>
+              </a:solidFill>
+              <a:latin typeface="HG創英ﾌﾟﾚｾﾞﾝｽEB" panose="02020809000000000000" pitchFamily="17" charset="-128"/>
+              <a:ea typeface="HG創英ﾌﾟﾚｾﾞﾝｽEB" panose="02020809000000000000" pitchFamily="17" charset="-128"/>
+            </a:endParaRPr>
+          </a:p>
+        </p:txBody>
+      </p:sp>
+    </p:spTree>
+    <p:extLst>
+      <p:ext uri="{BB962C8B-B14F-4D97-AF65-F5344CB8AC3E}">
+        <p14:creationId xmlns:p14="http://schemas.microsoft.com/office/powerpoint/2010/main" val="3596273616"/>
       </p:ext>
     </p:extLst>
   </p:cSld>

--- a/Picture/図作成用.pptx
+++ b/Picture/図作成用.pptx
@@ -261,7 +261,7 @@
           <a:p>
             <a:fld id="{5AC917AA-9460-47BC-9370-797960620197}" type="datetimeFigureOut">
               <a:rPr kumimoji="1" lang="ja-JP" altLang="en-US" smtClean="0"/>
-              <a:t>2024/9/15</a:t>
+              <a:t>2024/9/22</a:t>
             </a:fld>
             <a:endParaRPr kumimoji="1" lang="ja-JP" altLang="en-US"/>
           </a:p>
@@ -491,7 +491,7 @@
           <a:p>
             <a:fld id="{5AC917AA-9460-47BC-9370-797960620197}" type="datetimeFigureOut">
               <a:rPr kumimoji="1" lang="ja-JP" altLang="en-US" smtClean="0"/>
-              <a:t>2024/9/15</a:t>
+              <a:t>2024/9/22</a:t>
             </a:fld>
             <a:endParaRPr kumimoji="1" lang="ja-JP" altLang="en-US"/>
           </a:p>
@@ -731,7 +731,7 @@
           <a:p>
             <a:fld id="{5AC917AA-9460-47BC-9370-797960620197}" type="datetimeFigureOut">
               <a:rPr kumimoji="1" lang="ja-JP" altLang="en-US" smtClean="0"/>
-              <a:t>2024/9/15</a:t>
+              <a:t>2024/9/22</a:t>
             </a:fld>
             <a:endParaRPr kumimoji="1" lang="ja-JP" altLang="en-US"/>
           </a:p>
@@ -961,7 +961,7 @@
           <a:p>
             <a:fld id="{5AC917AA-9460-47BC-9370-797960620197}" type="datetimeFigureOut">
               <a:rPr kumimoji="1" lang="ja-JP" altLang="en-US" smtClean="0"/>
-              <a:t>2024/9/15</a:t>
+              <a:t>2024/9/22</a:t>
             </a:fld>
             <a:endParaRPr kumimoji="1" lang="ja-JP" altLang="en-US"/>
           </a:p>
@@ -1236,7 +1236,7 @@
           <a:p>
             <a:fld id="{5AC917AA-9460-47BC-9370-797960620197}" type="datetimeFigureOut">
               <a:rPr kumimoji="1" lang="ja-JP" altLang="en-US" smtClean="0"/>
-              <a:t>2024/9/15</a:t>
+              <a:t>2024/9/22</a:t>
             </a:fld>
             <a:endParaRPr kumimoji="1" lang="ja-JP" altLang="en-US"/>
           </a:p>
@@ -1565,7 +1565,7 @@
           <a:p>
             <a:fld id="{5AC917AA-9460-47BC-9370-797960620197}" type="datetimeFigureOut">
               <a:rPr kumimoji="1" lang="ja-JP" altLang="en-US" smtClean="0"/>
-              <a:t>2024/9/15</a:t>
+              <a:t>2024/9/22</a:t>
             </a:fld>
             <a:endParaRPr kumimoji="1" lang="ja-JP" altLang="en-US"/>
           </a:p>
@@ -2041,7 +2041,7 @@
           <a:p>
             <a:fld id="{5AC917AA-9460-47BC-9370-797960620197}" type="datetimeFigureOut">
               <a:rPr kumimoji="1" lang="ja-JP" altLang="en-US" smtClean="0"/>
-              <a:t>2024/9/15</a:t>
+              <a:t>2024/9/22</a:t>
             </a:fld>
             <a:endParaRPr kumimoji="1" lang="ja-JP" altLang="en-US"/>
           </a:p>
@@ -2182,7 +2182,7 @@
           <a:p>
             <a:fld id="{5AC917AA-9460-47BC-9370-797960620197}" type="datetimeFigureOut">
               <a:rPr kumimoji="1" lang="ja-JP" altLang="en-US" smtClean="0"/>
-              <a:t>2024/9/15</a:t>
+              <a:t>2024/9/22</a:t>
             </a:fld>
             <a:endParaRPr kumimoji="1" lang="ja-JP" altLang="en-US"/>
           </a:p>
@@ -2295,7 +2295,7 @@
           <a:p>
             <a:fld id="{5AC917AA-9460-47BC-9370-797960620197}" type="datetimeFigureOut">
               <a:rPr kumimoji="1" lang="ja-JP" altLang="en-US" smtClean="0"/>
-              <a:t>2024/9/15</a:t>
+              <a:t>2024/9/22</a:t>
             </a:fld>
             <a:endParaRPr kumimoji="1" lang="ja-JP" altLang="en-US"/>
           </a:p>
@@ -2638,7 +2638,7 @@
           <a:p>
             <a:fld id="{5AC917AA-9460-47BC-9370-797960620197}" type="datetimeFigureOut">
               <a:rPr kumimoji="1" lang="ja-JP" altLang="en-US" smtClean="0"/>
-              <a:t>2024/9/15</a:t>
+              <a:t>2024/9/22</a:t>
             </a:fld>
             <a:endParaRPr kumimoji="1" lang="ja-JP" altLang="en-US"/>
           </a:p>
@@ -2926,7 +2926,7 @@
           <a:p>
             <a:fld id="{5AC917AA-9460-47BC-9370-797960620197}" type="datetimeFigureOut">
               <a:rPr kumimoji="1" lang="ja-JP" altLang="en-US" smtClean="0"/>
-              <a:t>2024/9/15</a:t>
+              <a:t>2024/9/22</a:t>
             </a:fld>
             <a:endParaRPr kumimoji="1" lang="ja-JP" altLang="en-US"/>
           </a:p>
@@ -3199,7 +3199,7 @@
           <a:p>
             <a:fld id="{5AC917AA-9460-47BC-9370-797960620197}" type="datetimeFigureOut">
               <a:rPr kumimoji="1" lang="ja-JP" altLang="en-US" smtClean="0"/>
-              <a:t>2024/9/15</a:t>
+              <a:t>2024/9/22</a:t>
             </a:fld>
             <a:endParaRPr kumimoji="1" lang="ja-JP" altLang="en-US"/>
           </a:p>
@@ -5258,10 +5258,10 @@
         </p:nvGrpSpPr>
         <p:grpSpPr>
           <a:xfrm>
-            <a:off x="573221" y="1307395"/>
-            <a:ext cx="4739602" cy="1080000"/>
-            <a:chOff x="573221" y="1307395"/>
-            <a:chExt cx="4739602" cy="1080000"/>
+            <a:off x="764316" y="2593603"/>
+            <a:ext cx="4691643" cy="1080000"/>
+            <a:chOff x="573221" y="1307396"/>
+            <a:chExt cx="4691643" cy="1080000"/>
           </a:xfrm>
         </p:grpSpPr>
         <p:grpSp>
@@ -5459,7 +5459,7 @@
           </p:nvSpPr>
           <p:spPr>
             <a:xfrm rot="2700000">
-              <a:off x="4232823" y="1307395"/>
+              <a:off x="4184864" y="1307396"/>
               <a:ext cx="1080000" cy="1080000"/>
             </a:xfrm>
             <a:prstGeom prst="plus">
@@ -5470,11 +5470,19 @@
             <a:solidFill>
               <a:schemeClr val="bg1"/>
             </a:solidFill>
-            <a:ln>
+            <a:ln w="76200">
               <a:solidFill>
                 <a:schemeClr val="tx1"/>
               </a:solidFill>
             </a:ln>
+            <a:effectLst/>
+            <a:scene3d>
+              <a:camera prst="orthographicFront"/>
+              <a:lightRig rig="threePt" dir="t"/>
+            </a:scene3d>
+            <a:sp3d>
+              <a:bevelT prst="angle"/>
+            </a:sp3d>
           </p:spPr>
           <p:style>
             <a:lnRef idx="2">
@@ -5497,7 +5505,13 @@
             <a:lstStyle/>
             <a:p>
               <a:pPr algn="ctr"/>
-              <a:endParaRPr kumimoji="1" lang="ja-JP" altLang="en-US"/>
+              <a:endParaRPr kumimoji="1" lang="ja-JP" altLang="en-US">
+                <a:ln w="76200">
+                  <a:solidFill>
+                    <a:schemeClr val="tx1"/>
+                  </a:solidFill>
+                </a:ln>
+              </a:endParaRPr>
             </a:p>
           </p:txBody>
         </p:sp>
@@ -5761,7 +5775,7 @@
         <p:spPr>
           <a:xfrm>
             <a:off x="5842781" y="1885070"/>
-            <a:ext cx="506437" cy="707886"/>
+            <a:ext cx="1345810" cy="1862048"/>
           </a:xfrm>
           <a:prstGeom prst="rect">
             <a:avLst/>
@@ -5778,8 +5792,8 @@
           <a:lstStyle/>
           <a:p>
             <a:r>
-              <a:rPr lang="ja-JP" altLang="en-US" sz="4000" b="1" dirty="0">
-                <a:ln>
+              <a:rPr lang="ja-JP" altLang="en-US" sz="11500" b="1" dirty="0">
+                <a:ln w="76200">
                   <a:solidFill>
                     <a:schemeClr val="tx1"/>
                   </a:solidFill>
@@ -5790,10 +5804,10 @@
                 <a:latin typeface="HG創英ﾌﾟﾚｾﾞﾝｽEB" panose="02020809000000000000" pitchFamily="17" charset="-128"/>
                 <a:ea typeface="HG創英ﾌﾟﾚｾﾞﾝｽEB" panose="02020809000000000000" pitchFamily="17" charset="-128"/>
               </a:rPr>
-              <a:t>９</a:t>
-            </a:r>
-            <a:endParaRPr kumimoji="1" lang="ja-JP" altLang="en-US" sz="4000" b="1" dirty="0">
-              <a:ln>
+              <a:t>０</a:t>
+            </a:r>
+            <a:endParaRPr kumimoji="1" lang="ja-JP" altLang="en-US" sz="11500" b="1" dirty="0">
+              <a:ln w="76200">
                 <a:solidFill>
                   <a:schemeClr val="tx1"/>
                 </a:solidFill>

--- a/Picture/図作成用.pptx
+++ b/Picture/図作成用.pptx
@@ -261,7 +261,7 @@
           <a:p>
             <a:fld id="{5AC917AA-9460-47BC-9370-797960620197}" type="datetimeFigureOut">
               <a:rPr kumimoji="1" lang="ja-JP" altLang="en-US" smtClean="0"/>
-              <a:t>2024/9/22</a:t>
+              <a:t>2024/9/23</a:t>
             </a:fld>
             <a:endParaRPr kumimoji="1" lang="ja-JP" altLang="en-US"/>
           </a:p>
@@ -491,7 +491,7 @@
           <a:p>
             <a:fld id="{5AC917AA-9460-47BC-9370-797960620197}" type="datetimeFigureOut">
               <a:rPr kumimoji="1" lang="ja-JP" altLang="en-US" smtClean="0"/>
-              <a:t>2024/9/22</a:t>
+              <a:t>2024/9/23</a:t>
             </a:fld>
             <a:endParaRPr kumimoji="1" lang="ja-JP" altLang="en-US"/>
           </a:p>
@@ -731,7 +731,7 @@
           <a:p>
             <a:fld id="{5AC917AA-9460-47BC-9370-797960620197}" type="datetimeFigureOut">
               <a:rPr kumimoji="1" lang="ja-JP" altLang="en-US" smtClean="0"/>
-              <a:t>2024/9/22</a:t>
+              <a:t>2024/9/23</a:t>
             </a:fld>
             <a:endParaRPr kumimoji="1" lang="ja-JP" altLang="en-US"/>
           </a:p>
@@ -961,7 +961,7 @@
           <a:p>
             <a:fld id="{5AC917AA-9460-47BC-9370-797960620197}" type="datetimeFigureOut">
               <a:rPr kumimoji="1" lang="ja-JP" altLang="en-US" smtClean="0"/>
-              <a:t>2024/9/22</a:t>
+              <a:t>2024/9/23</a:t>
             </a:fld>
             <a:endParaRPr kumimoji="1" lang="ja-JP" altLang="en-US"/>
           </a:p>
@@ -1236,7 +1236,7 @@
           <a:p>
             <a:fld id="{5AC917AA-9460-47BC-9370-797960620197}" type="datetimeFigureOut">
               <a:rPr kumimoji="1" lang="ja-JP" altLang="en-US" smtClean="0"/>
-              <a:t>2024/9/22</a:t>
+              <a:t>2024/9/23</a:t>
             </a:fld>
             <a:endParaRPr kumimoji="1" lang="ja-JP" altLang="en-US"/>
           </a:p>
@@ -1565,7 +1565,7 @@
           <a:p>
             <a:fld id="{5AC917AA-9460-47BC-9370-797960620197}" type="datetimeFigureOut">
               <a:rPr kumimoji="1" lang="ja-JP" altLang="en-US" smtClean="0"/>
-              <a:t>2024/9/22</a:t>
+              <a:t>2024/9/23</a:t>
             </a:fld>
             <a:endParaRPr kumimoji="1" lang="ja-JP" altLang="en-US"/>
           </a:p>
@@ -2041,7 +2041,7 @@
           <a:p>
             <a:fld id="{5AC917AA-9460-47BC-9370-797960620197}" type="datetimeFigureOut">
               <a:rPr kumimoji="1" lang="ja-JP" altLang="en-US" smtClean="0"/>
-              <a:t>2024/9/22</a:t>
+              <a:t>2024/9/23</a:t>
             </a:fld>
             <a:endParaRPr kumimoji="1" lang="ja-JP" altLang="en-US"/>
           </a:p>
@@ -2182,7 +2182,7 @@
           <a:p>
             <a:fld id="{5AC917AA-9460-47BC-9370-797960620197}" type="datetimeFigureOut">
               <a:rPr kumimoji="1" lang="ja-JP" altLang="en-US" smtClean="0"/>
-              <a:t>2024/9/22</a:t>
+              <a:t>2024/9/23</a:t>
             </a:fld>
             <a:endParaRPr kumimoji="1" lang="ja-JP" altLang="en-US"/>
           </a:p>
@@ -2295,7 +2295,7 @@
           <a:p>
             <a:fld id="{5AC917AA-9460-47BC-9370-797960620197}" type="datetimeFigureOut">
               <a:rPr kumimoji="1" lang="ja-JP" altLang="en-US" smtClean="0"/>
-              <a:t>2024/9/22</a:t>
+              <a:t>2024/9/23</a:t>
             </a:fld>
             <a:endParaRPr kumimoji="1" lang="ja-JP" altLang="en-US"/>
           </a:p>
@@ -2638,7 +2638,7 @@
           <a:p>
             <a:fld id="{5AC917AA-9460-47BC-9370-797960620197}" type="datetimeFigureOut">
               <a:rPr kumimoji="1" lang="ja-JP" altLang="en-US" smtClean="0"/>
-              <a:t>2024/9/22</a:t>
+              <a:t>2024/9/23</a:t>
             </a:fld>
             <a:endParaRPr kumimoji="1" lang="ja-JP" altLang="en-US"/>
           </a:p>
@@ -2926,7 +2926,7 @@
           <a:p>
             <a:fld id="{5AC917AA-9460-47BC-9370-797960620197}" type="datetimeFigureOut">
               <a:rPr kumimoji="1" lang="ja-JP" altLang="en-US" smtClean="0"/>
-              <a:t>2024/9/22</a:t>
+              <a:t>2024/9/23</a:t>
             </a:fld>
             <a:endParaRPr kumimoji="1" lang="ja-JP" altLang="en-US"/>
           </a:p>
@@ -3199,7 +3199,7 @@
           <a:p>
             <a:fld id="{5AC917AA-9460-47BC-9370-797960620197}" type="datetimeFigureOut">
               <a:rPr kumimoji="1" lang="ja-JP" altLang="en-US" smtClean="0"/>
-              <a:t>2024/9/22</a:t>
+              <a:t>2024/9/23</a:t>
             </a:fld>
             <a:endParaRPr kumimoji="1" lang="ja-JP" altLang="en-US"/>
           </a:p>
@@ -5821,6 +5821,236 @@
           </a:p>
         </p:txBody>
       </p:sp>
+      <p:grpSp>
+        <p:nvGrpSpPr>
+          <p:cNvPr id="10" name="グループ化 9">
+            <a:extLst>
+              <a:ext uri="{FF2B5EF4-FFF2-40B4-BE49-F238E27FC236}">
+                <a16:creationId xmlns:a16="http://schemas.microsoft.com/office/drawing/2014/main" id="{C3A39FE7-7AD5-45AD-24C1-95C9F53FE498}"/>
+              </a:ext>
+            </a:extLst>
+          </p:cNvPr>
+          <p:cNvGrpSpPr/>
+          <p:nvPr/>
+        </p:nvGrpSpPr>
+        <p:grpSpPr>
+          <a:xfrm>
+            <a:off x="7952508" y="2032000"/>
+            <a:ext cx="2160000" cy="2160000"/>
+            <a:chOff x="7952508" y="2032000"/>
+            <a:chExt cx="2160000" cy="2160000"/>
+          </a:xfrm>
+        </p:grpSpPr>
+        <p:sp>
+          <p:nvSpPr>
+            <p:cNvPr id="3" name="楕円 2">
+              <a:extLst>
+                <a:ext uri="{FF2B5EF4-FFF2-40B4-BE49-F238E27FC236}">
+                  <a16:creationId xmlns:a16="http://schemas.microsoft.com/office/drawing/2014/main" id="{E5DDDE7C-116A-C67B-9352-5C47F5FB0153}"/>
+                </a:ext>
+              </a:extLst>
+            </p:cNvPr>
+            <p:cNvSpPr/>
+            <p:nvPr/>
+          </p:nvSpPr>
+          <p:spPr>
+            <a:xfrm>
+              <a:off x="7952508" y="2032000"/>
+              <a:ext cx="2160000" cy="2160000"/>
+            </a:xfrm>
+            <a:prstGeom prst="ellipse">
+              <a:avLst/>
+            </a:prstGeom>
+            <a:solidFill>
+              <a:schemeClr val="tx1"/>
+            </a:solidFill>
+          </p:spPr>
+          <p:style>
+            <a:lnRef idx="2">
+              <a:schemeClr val="accent1">
+                <a:shade val="15000"/>
+              </a:schemeClr>
+            </a:lnRef>
+            <a:fillRef idx="1">
+              <a:schemeClr val="accent1"/>
+            </a:fillRef>
+            <a:effectRef idx="0">
+              <a:schemeClr val="accent1"/>
+            </a:effectRef>
+            <a:fontRef idx="minor">
+              <a:schemeClr val="lt1"/>
+            </a:fontRef>
+          </p:style>
+          <p:txBody>
+            <a:bodyPr rtlCol="0" anchor="ctr"/>
+            <a:lstStyle/>
+            <a:p>
+              <a:pPr algn="ctr"/>
+              <a:endParaRPr kumimoji="1" lang="ja-JP" altLang="en-US" dirty="0"/>
+            </a:p>
+          </p:txBody>
+        </p:sp>
+        <p:sp>
+          <p:nvSpPr>
+            <p:cNvPr id="7" name="四角形: 角を丸くする 6">
+              <a:extLst>
+                <a:ext uri="{FF2B5EF4-FFF2-40B4-BE49-F238E27FC236}">
+                  <a16:creationId xmlns:a16="http://schemas.microsoft.com/office/drawing/2014/main" id="{96419489-1642-7053-6217-0284259E3527}"/>
+                </a:ext>
+              </a:extLst>
+            </p:cNvPr>
+            <p:cNvSpPr/>
+            <p:nvPr/>
+          </p:nvSpPr>
+          <p:spPr>
+            <a:xfrm rot="8100000">
+              <a:off x="8432332" y="2620106"/>
+              <a:ext cx="756000" cy="180000"/>
+            </a:xfrm>
+            <a:prstGeom prst="roundRect">
+              <a:avLst/>
+            </a:prstGeom>
+            <a:solidFill>
+              <a:schemeClr val="bg1"/>
+            </a:solidFill>
+            <a:ln>
+              <a:solidFill>
+                <a:schemeClr val="bg1"/>
+              </a:solidFill>
+            </a:ln>
+          </p:spPr>
+          <p:style>
+            <a:lnRef idx="2">
+              <a:schemeClr val="accent1">
+                <a:shade val="15000"/>
+              </a:schemeClr>
+            </a:lnRef>
+            <a:fillRef idx="1">
+              <a:schemeClr val="accent1"/>
+            </a:fillRef>
+            <a:effectRef idx="0">
+              <a:schemeClr val="accent1"/>
+            </a:effectRef>
+            <a:fontRef idx="minor">
+              <a:schemeClr val="lt1"/>
+            </a:fontRef>
+          </p:style>
+          <p:txBody>
+            <a:bodyPr rtlCol="0" anchor="ctr"/>
+            <a:lstStyle/>
+            <a:p>
+              <a:pPr algn="ctr"/>
+              <a:endParaRPr kumimoji="1" lang="ja-JP" altLang="en-US" dirty="0"/>
+            </a:p>
+          </p:txBody>
+        </p:sp>
+        <p:sp>
+          <p:nvSpPr>
+            <p:cNvPr id="8" name="四角形: 角を丸くする 7">
+              <a:extLst>
+                <a:ext uri="{FF2B5EF4-FFF2-40B4-BE49-F238E27FC236}">
+                  <a16:creationId xmlns:a16="http://schemas.microsoft.com/office/drawing/2014/main" id="{59D31B7E-CD13-3D63-1381-B96B594D5D6A}"/>
+                </a:ext>
+              </a:extLst>
+            </p:cNvPr>
+            <p:cNvSpPr/>
+            <p:nvPr/>
+          </p:nvSpPr>
+          <p:spPr>
+            <a:xfrm rot="2700000">
+              <a:off x="8845228" y="2620106"/>
+              <a:ext cx="756000" cy="180000"/>
+            </a:xfrm>
+            <a:prstGeom prst="roundRect">
+              <a:avLst/>
+            </a:prstGeom>
+            <a:solidFill>
+              <a:schemeClr val="bg1"/>
+            </a:solidFill>
+            <a:ln>
+              <a:solidFill>
+                <a:schemeClr val="bg1"/>
+              </a:solidFill>
+            </a:ln>
+          </p:spPr>
+          <p:style>
+            <a:lnRef idx="2">
+              <a:schemeClr val="accent1">
+                <a:shade val="15000"/>
+              </a:schemeClr>
+            </a:lnRef>
+            <a:fillRef idx="1">
+              <a:schemeClr val="accent1"/>
+            </a:fillRef>
+            <a:effectRef idx="0">
+              <a:schemeClr val="accent1"/>
+            </a:effectRef>
+            <a:fontRef idx="minor">
+              <a:schemeClr val="lt1"/>
+            </a:fontRef>
+          </p:style>
+          <p:txBody>
+            <a:bodyPr rtlCol="0" anchor="ctr"/>
+            <a:lstStyle/>
+            <a:p>
+              <a:pPr algn="ctr"/>
+              <a:endParaRPr kumimoji="1" lang="ja-JP" altLang="en-US" dirty="0"/>
+            </a:p>
+          </p:txBody>
+        </p:sp>
+        <p:sp>
+          <p:nvSpPr>
+            <p:cNvPr id="9" name="テキスト ボックス 8">
+              <a:extLst>
+                <a:ext uri="{FF2B5EF4-FFF2-40B4-BE49-F238E27FC236}">
+                  <a16:creationId xmlns:a16="http://schemas.microsoft.com/office/drawing/2014/main" id="{A9A63CBA-D7ED-5EB4-8041-AC533F2A644F}"/>
+                </a:ext>
+              </a:extLst>
+            </p:cNvPr>
+            <p:cNvSpPr txBox="1"/>
+            <p:nvPr/>
+          </p:nvSpPr>
+          <p:spPr>
+            <a:xfrm>
+              <a:off x="8144302" y="3180774"/>
+              <a:ext cx="1776412" cy="830997"/>
+            </a:xfrm>
+            <a:prstGeom prst="rect">
+              <a:avLst/>
+            </a:prstGeom>
+            <a:noFill/>
+            <a:ln>
+              <a:noFill/>
+            </a:ln>
+          </p:spPr>
+          <p:txBody>
+            <a:bodyPr wrap="square" rtlCol="0">
+              <a:spAutoFit/>
+            </a:bodyPr>
+            <a:lstStyle/>
+            <a:p>
+              <a:pPr algn="ctr"/>
+              <a:r>
+                <a:rPr kumimoji="1" lang="en-US" altLang="ja-JP" sz="4800" dirty="0">
+                  <a:solidFill>
+                    <a:schemeClr val="bg1"/>
+                  </a:solidFill>
+                  <a:latin typeface="UD デジタル 教科書体 NK-B" panose="02020700000000000000" pitchFamily="18" charset="-128"/>
+                  <a:ea typeface="UD デジタル 教科書体 NK-B" panose="02020700000000000000" pitchFamily="18" charset="-128"/>
+                </a:rPr>
+                <a:t>TOP</a:t>
+              </a:r>
+              <a:endParaRPr kumimoji="1" lang="ja-JP" altLang="en-US" sz="4800" dirty="0">
+                <a:solidFill>
+                  <a:schemeClr val="bg1"/>
+                </a:solidFill>
+                <a:latin typeface="UD デジタル 教科書体 NK-B" panose="02020700000000000000" pitchFamily="18" charset="-128"/>
+                <a:ea typeface="UD デジタル 教科書体 NK-B" panose="02020700000000000000" pitchFamily="18" charset="-128"/>
+              </a:endParaRPr>
+            </a:p>
+          </p:txBody>
+        </p:sp>
+      </p:grpSp>
     </p:spTree>
     <p:extLst>
       <p:ext uri="{BB962C8B-B14F-4D97-AF65-F5344CB8AC3E}">

--- a/Picture/図作成用.pptx
+++ b/Picture/図作成用.pptx
@@ -4,6 +4,9 @@
   <p:sldMasterIdLst>
     <p:sldMasterId id="2147483648" r:id="rId1"/>
   </p:sldMasterIdLst>
+  <p:notesMasterIdLst>
+    <p:notesMasterId r:id="rId5"/>
+  </p:notesMasterIdLst>
   <p:sldIdLst>
     <p:sldId id="256" r:id="rId2"/>
     <p:sldId id="257" r:id="rId3"/>
@@ -114,6 +117,471 @@
 </p:presentation>
 </file>
 
+<file path=ppt/notesMasters/notesMaster1.xml><?xml version="1.0" encoding="utf-8"?>
+<p:notesMaster xmlns:a="http://schemas.openxmlformats.org/drawingml/2006/main" xmlns:r="http://schemas.openxmlformats.org/officeDocument/2006/relationships" xmlns:p="http://schemas.openxmlformats.org/presentationml/2006/main">
+  <p:cSld>
+    <p:bg>
+      <p:bgRef idx="1001">
+        <a:schemeClr val="bg1"/>
+      </p:bgRef>
+    </p:bg>
+    <p:spTree>
+      <p:nvGrpSpPr>
+        <p:cNvPr id="1" name=""/>
+        <p:cNvGrpSpPr/>
+        <p:nvPr/>
+      </p:nvGrpSpPr>
+      <p:grpSpPr>
+        <a:xfrm>
+          <a:off x="0" y="0"/>
+          <a:ext cx="0" cy="0"/>
+          <a:chOff x="0" y="0"/>
+          <a:chExt cx="0" cy="0"/>
+        </a:xfrm>
+      </p:grpSpPr>
+      <p:sp>
+        <p:nvSpPr>
+          <p:cNvPr id="2" name="ヘッダー プレースホルダー 1"/>
+          <p:cNvSpPr>
+            <a:spLocks noGrp="1"/>
+          </p:cNvSpPr>
+          <p:nvPr>
+            <p:ph type="hdr" sz="quarter"/>
+          </p:nvPr>
+        </p:nvSpPr>
+        <p:spPr>
+          <a:xfrm>
+            <a:off x="0" y="0"/>
+            <a:ext cx="2971800" cy="458788"/>
+          </a:xfrm>
+          <a:prstGeom prst="rect">
+            <a:avLst/>
+          </a:prstGeom>
+        </p:spPr>
+        <p:txBody>
+          <a:bodyPr vert="horz" lIns="91440" tIns="45720" rIns="91440" bIns="45720" rtlCol="0"/>
+          <a:lstStyle>
+            <a:lvl1pPr algn="l">
+              <a:defRPr sz="1200"/>
+            </a:lvl1pPr>
+          </a:lstStyle>
+          <a:p>
+            <a:endParaRPr kumimoji="1" lang="ja-JP" altLang="en-US"/>
+          </a:p>
+        </p:txBody>
+      </p:sp>
+      <p:sp>
+        <p:nvSpPr>
+          <p:cNvPr id="3" name="日付プレースホルダー 2"/>
+          <p:cNvSpPr>
+            <a:spLocks noGrp="1"/>
+          </p:cNvSpPr>
+          <p:nvPr>
+            <p:ph type="dt" idx="1"/>
+          </p:nvPr>
+        </p:nvSpPr>
+        <p:spPr>
+          <a:xfrm>
+            <a:off x="3884613" y="0"/>
+            <a:ext cx="2971800" cy="458788"/>
+          </a:xfrm>
+          <a:prstGeom prst="rect">
+            <a:avLst/>
+          </a:prstGeom>
+        </p:spPr>
+        <p:txBody>
+          <a:bodyPr vert="horz" lIns="91440" tIns="45720" rIns="91440" bIns="45720" rtlCol="0"/>
+          <a:lstStyle>
+            <a:lvl1pPr algn="r">
+              <a:defRPr sz="1200"/>
+            </a:lvl1pPr>
+          </a:lstStyle>
+          <a:p>
+            <a:fld id="{2B8CF655-508B-450C-94C8-832930E49C1B}" type="datetimeFigureOut">
+              <a:rPr kumimoji="1" lang="ja-JP" altLang="en-US" smtClean="0"/>
+              <a:t>2024/9/26</a:t>
+            </a:fld>
+            <a:endParaRPr kumimoji="1" lang="ja-JP" altLang="en-US"/>
+          </a:p>
+        </p:txBody>
+      </p:sp>
+      <p:sp>
+        <p:nvSpPr>
+          <p:cNvPr id="4" name="スライド イメージ プレースホルダー 3"/>
+          <p:cNvSpPr>
+            <a:spLocks noGrp="1" noRot="1" noChangeAspect="1"/>
+          </p:cNvSpPr>
+          <p:nvPr>
+            <p:ph type="sldImg" idx="2"/>
+          </p:nvPr>
+        </p:nvSpPr>
+        <p:spPr>
+          <a:xfrm>
+            <a:off x="685800" y="1143000"/>
+            <a:ext cx="5486400" cy="3086100"/>
+          </a:xfrm>
+          <a:prstGeom prst="rect">
+            <a:avLst/>
+          </a:prstGeom>
+          <a:noFill/>
+          <a:ln w="12700">
+            <a:solidFill>
+              <a:prstClr val="black"/>
+            </a:solidFill>
+          </a:ln>
+        </p:spPr>
+        <p:txBody>
+          <a:bodyPr vert="horz" lIns="91440" tIns="45720" rIns="91440" bIns="45720" rtlCol="0" anchor="ctr"/>
+          <a:lstStyle/>
+          <a:p>
+            <a:endParaRPr lang="ja-JP" altLang="en-US"/>
+          </a:p>
+        </p:txBody>
+      </p:sp>
+      <p:sp>
+        <p:nvSpPr>
+          <p:cNvPr id="5" name="ノート プレースホルダー 4"/>
+          <p:cNvSpPr>
+            <a:spLocks noGrp="1"/>
+          </p:cNvSpPr>
+          <p:nvPr>
+            <p:ph type="body" sz="quarter" idx="3"/>
+          </p:nvPr>
+        </p:nvSpPr>
+        <p:spPr>
+          <a:xfrm>
+            <a:off x="685800" y="4400550"/>
+            <a:ext cx="5486400" cy="3600450"/>
+          </a:xfrm>
+          <a:prstGeom prst="rect">
+            <a:avLst/>
+          </a:prstGeom>
+        </p:spPr>
+        <p:txBody>
+          <a:bodyPr vert="horz" lIns="91440" tIns="45720" rIns="91440" bIns="45720" rtlCol="0"/>
+          <a:lstStyle/>
+          <a:p>
+            <a:pPr lvl="0"/>
+            <a:r>
+              <a:rPr kumimoji="1" lang="ja-JP" altLang="en-US"/>
+              <a:t>マスター テキストの書式設定</a:t>
+            </a:r>
+          </a:p>
+          <a:p>
+            <a:pPr lvl="1"/>
+            <a:r>
+              <a:rPr kumimoji="1" lang="ja-JP" altLang="en-US"/>
+              <a:t>第 </a:t>
+            </a:r>
+            <a:r>
+              <a:rPr kumimoji="1" lang="en-US" altLang="ja-JP"/>
+              <a:t>2 </a:t>
+            </a:r>
+            <a:r>
+              <a:rPr kumimoji="1" lang="ja-JP" altLang="en-US"/>
+              <a:t>レベル</a:t>
+            </a:r>
+          </a:p>
+          <a:p>
+            <a:pPr lvl="2"/>
+            <a:r>
+              <a:rPr kumimoji="1" lang="ja-JP" altLang="en-US"/>
+              <a:t>第 </a:t>
+            </a:r>
+            <a:r>
+              <a:rPr kumimoji="1" lang="en-US" altLang="ja-JP"/>
+              <a:t>3 </a:t>
+            </a:r>
+            <a:r>
+              <a:rPr kumimoji="1" lang="ja-JP" altLang="en-US"/>
+              <a:t>レベル</a:t>
+            </a:r>
+          </a:p>
+          <a:p>
+            <a:pPr lvl="3"/>
+            <a:r>
+              <a:rPr kumimoji="1" lang="ja-JP" altLang="en-US"/>
+              <a:t>第 </a:t>
+            </a:r>
+            <a:r>
+              <a:rPr kumimoji="1" lang="en-US" altLang="ja-JP"/>
+              <a:t>4 </a:t>
+            </a:r>
+            <a:r>
+              <a:rPr kumimoji="1" lang="ja-JP" altLang="en-US"/>
+              <a:t>レベル</a:t>
+            </a:r>
+          </a:p>
+          <a:p>
+            <a:pPr lvl="4"/>
+            <a:r>
+              <a:rPr kumimoji="1" lang="ja-JP" altLang="en-US"/>
+              <a:t>第 </a:t>
+            </a:r>
+            <a:r>
+              <a:rPr kumimoji="1" lang="en-US" altLang="ja-JP"/>
+              <a:t>5 </a:t>
+            </a:r>
+            <a:r>
+              <a:rPr kumimoji="1" lang="ja-JP" altLang="en-US"/>
+              <a:t>レベル</a:t>
+            </a:r>
+          </a:p>
+        </p:txBody>
+      </p:sp>
+      <p:sp>
+        <p:nvSpPr>
+          <p:cNvPr id="6" name="フッター プレースホルダー 5"/>
+          <p:cNvSpPr>
+            <a:spLocks noGrp="1"/>
+          </p:cNvSpPr>
+          <p:nvPr>
+            <p:ph type="ftr" sz="quarter" idx="4"/>
+          </p:nvPr>
+        </p:nvSpPr>
+        <p:spPr>
+          <a:xfrm>
+            <a:off x="0" y="8685213"/>
+            <a:ext cx="2971800" cy="458787"/>
+          </a:xfrm>
+          <a:prstGeom prst="rect">
+            <a:avLst/>
+          </a:prstGeom>
+        </p:spPr>
+        <p:txBody>
+          <a:bodyPr vert="horz" lIns="91440" tIns="45720" rIns="91440" bIns="45720" rtlCol="0" anchor="b"/>
+          <a:lstStyle>
+            <a:lvl1pPr algn="l">
+              <a:defRPr sz="1200"/>
+            </a:lvl1pPr>
+          </a:lstStyle>
+          <a:p>
+            <a:endParaRPr kumimoji="1" lang="ja-JP" altLang="en-US"/>
+          </a:p>
+        </p:txBody>
+      </p:sp>
+      <p:sp>
+        <p:nvSpPr>
+          <p:cNvPr id="7" name="スライド番号プレースホルダー 6"/>
+          <p:cNvSpPr>
+            <a:spLocks noGrp="1"/>
+          </p:cNvSpPr>
+          <p:nvPr>
+            <p:ph type="sldNum" sz="quarter" idx="5"/>
+          </p:nvPr>
+        </p:nvSpPr>
+        <p:spPr>
+          <a:xfrm>
+            <a:off x="3884613" y="8685213"/>
+            <a:ext cx="2971800" cy="458787"/>
+          </a:xfrm>
+          <a:prstGeom prst="rect">
+            <a:avLst/>
+          </a:prstGeom>
+        </p:spPr>
+        <p:txBody>
+          <a:bodyPr vert="horz" lIns="91440" tIns="45720" rIns="91440" bIns="45720" rtlCol="0" anchor="b"/>
+          <a:lstStyle>
+            <a:lvl1pPr algn="r">
+              <a:defRPr sz="1200"/>
+            </a:lvl1pPr>
+          </a:lstStyle>
+          <a:p>
+            <a:fld id="{AB2C0F31-49AB-4B88-865E-A233548DDF7D}" type="slidenum">
+              <a:rPr kumimoji="1" lang="ja-JP" altLang="en-US" smtClean="0"/>
+              <a:t>‹#›</a:t>
+            </a:fld>
+            <a:endParaRPr kumimoji="1" lang="ja-JP" altLang="en-US"/>
+          </a:p>
+        </p:txBody>
+      </p:sp>
+    </p:spTree>
+    <p:extLst>
+      <p:ext uri="{BB962C8B-B14F-4D97-AF65-F5344CB8AC3E}">
+        <p14:creationId xmlns:p14="http://schemas.microsoft.com/office/powerpoint/2010/main" val="3830175516"/>
+      </p:ext>
+    </p:extLst>
+  </p:cSld>
+  <p:clrMap bg1="lt1" tx1="dk1" bg2="lt2" tx2="dk2" accent1="accent1" accent2="accent2" accent3="accent3" accent4="accent4" accent5="accent5" accent6="accent6" hlink="hlink" folHlink="folHlink"/>
+  <p:notesStyle>
+    <a:lvl1pPr marL="0" algn="l" defTabSz="914400" rtl="0" eaLnBrk="1" latinLnBrk="0" hangingPunct="1">
+      <a:defRPr kumimoji="1" sz="1200" kern="1200">
+        <a:solidFill>
+          <a:schemeClr val="tx1"/>
+        </a:solidFill>
+        <a:latin typeface="+mn-lt"/>
+        <a:ea typeface="+mn-ea"/>
+        <a:cs typeface="+mn-cs"/>
+      </a:defRPr>
+    </a:lvl1pPr>
+    <a:lvl2pPr marL="457200" algn="l" defTabSz="914400" rtl="0" eaLnBrk="1" latinLnBrk="0" hangingPunct="1">
+      <a:defRPr kumimoji="1" sz="1200" kern="1200">
+        <a:solidFill>
+          <a:schemeClr val="tx1"/>
+        </a:solidFill>
+        <a:latin typeface="+mn-lt"/>
+        <a:ea typeface="+mn-ea"/>
+        <a:cs typeface="+mn-cs"/>
+      </a:defRPr>
+    </a:lvl2pPr>
+    <a:lvl3pPr marL="914400" algn="l" defTabSz="914400" rtl="0" eaLnBrk="1" latinLnBrk="0" hangingPunct="1">
+      <a:defRPr kumimoji="1" sz="1200" kern="1200">
+        <a:solidFill>
+          <a:schemeClr val="tx1"/>
+        </a:solidFill>
+        <a:latin typeface="+mn-lt"/>
+        <a:ea typeface="+mn-ea"/>
+        <a:cs typeface="+mn-cs"/>
+      </a:defRPr>
+    </a:lvl3pPr>
+    <a:lvl4pPr marL="1371600" algn="l" defTabSz="914400" rtl="0" eaLnBrk="1" latinLnBrk="0" hangingPunct="1">
+      <a:defRPr kumimoji="1" sz="1200" kern="1200">
+        <a:solidFill>
+          <a:schemeClr val="tx1"/>
+        </a:solidFill>
+        <a:latin typeface="+mn-lt"/>
+        <a:ea typeface="+mn-ea"/>
+        <a:cs typeface="+mn-cs"/>
+      </a:defRPr>
+    </a:lvl4pPr>
+    <a:lvl5pPr marL="1828800" algn="l" defTabSz="914400" rtl="0" eaLnBrk="1" latinLnBrk="0" hangingPunct="1">
+      <a:defRPr kumimoji="1" sz="1200" kern="1200">
+        <a:solidFill>
+          <a:schemeClr val="tx1"/>
+        </a:solidFill>
+        <a:latin typeface="+mn-lt"/>
+        <a:ea typeface="+mn-ea"/>
+        <a:cs typeface="+mn-cs"/>
+      </a:defRPr>
+    </a:lvl5pPr>
+    <a:lvl6pPr marL="2286000" algn="l" defTabSz="914400" rtl="0" eaLnBrk="1" latinLnBrk="0" hangingPunct="1">
+      <a:defRPr kumimoji="1" sz="1200" kern="1200">
+        <a:solidFill>
+          <a:schemeClr val="tx1"/>
+        </a:solidFill>
+        <a:latin typeface="+mn-lt"/>
+        <a:ea typeface="+mn-ea"/>
+        <a:cs typeface="+mn-cs"/>
+      </a:defRPr>
+    </a:lvl6pPr>
+    <a:lvl7pPr marL="2743200" algn="l" defTabSz="914400" rtl="0" eaLnBrk="1" latinLnBrk="0" hangingPunct="1">
+      <a:defRPr kumimoji="1" sz="1200" kern="1200">
+        <a:solidFill>
+          <a:schemeClr val="tx1"/>
+        </a:solidFill>
+        <a:latin typeface="+mn-lt"/>
+        <a:ea typeface="+mn-ea"/>
+        <a:cs typeface="+mn-cs"/>
+      </a:defRPr>
+    </a:lvl7pPr>
+    <a:lvl8pPr marL="3200400" algn="l" defTabSz="914400" rtl="0" eaLnBrk="1" latinLnBrk="0" hangingPunct="1">
+      <a:defRPr kumimoji="1" sz="1200" kern="1200">
+        <a:solidFill>
+          <a:schemeClr val="tx1"/>
+        </a:solidFill>
+        <a:latin typeface="+mn-lt"/>
+        <a:ea typeface="+mn-ea"/>
+        <a:cs typeface="+mn-cs"/>
+      </a:defRPr>
+    </a:lvl8pPr>
+    <a:lvl9pPr marL="3657600" algn="l" defTabSz="914400" rtl="0" eaLnBrk="1" latinLnBrk="0" hangingPunct="1">
+      <a:defRPr kumimoji="1" sz="1200" kern="1200">
+        <a:solidFill>
+          <a:schemeClr val="tx1"/>
+        </a:solidFill>
+        <a:latin typeface="+mn-lt"/>
+        <a:ea typeface="+mn-ea"/>
+        <a:cs typeface="+mn-cs"/>
+      </a:defRPr>
+    </a:lvl9pPr>
+  </p:notesStyle>
+</p:notesMaster>
+</file>
+
+<file path=ppt/notesSlides/notesSlide1.xml><?xml version="1.0" encoding="utf-8"?>
+<p:notes xmlns:a="http://schemas.openxmlformats.org/drawingml/2006/main" xmlns:r="http://schemas.openxmlformats.org/officeDocument/2006/relationships" xmlns:p="http://schemas.openxmlformats.org/presentationml/2006/main">
+  <p:cSld>
+    <p:spTree>
+      <p:nvGrpSpPr>
+        <p:cNvPr id="1" name=""/>
+        <p:cNvGrpSpPr/>
+        <p:nvPr/>
+      </p:nvGrpSpPr>
+      <p:grpSpPr>
+        <a:xfrm>
+          <a:off x="0" y="0"/>
+          <a:ext cx="0" cy="0"/>
+          <a:chOff x="0" y="0"/>
+          <a:chExt cx="0" cy="0"/>
+        </a:xfrm>
+      </p:grpSpPr>
+      <p:sp>
+        <p:nvSpPr>
+          <p:cNvPr id="2" name="スライド イメージ プレースホルダー 1"/>
+          <p:cNvSpPr>
+            <a:spLocks noGrp="1" noRot="1" noChangeAspect="1"/>
+          </p:cNvSpPr>
+          <p:nvPr>
+            <p:ph type="sldImg"/>
+          </p:nvPr>
+        </p:nvSpPr>
+        <p:spPr/>
+      </p:sp>
+      <p:sp>
+        <p:nvSpPr>
+          <p:cNvPr id="3" name="ノート プレースホルダー 2"/>
+          <p:cNvSpPr>
+            <a:spLocks noGrp="1"/>
+          </p:cNvSpPr>
+          <p:nvPr>
+            <p:ph type="body" idx="1"/>
+          </p:nvPr>
+        </p:nvSpPr>
+        <p:spPr/>
+        <p:txBody>
+          <a:bodyPr/>
+          <a:lstStyle/>
+          <a:p>
+            <a:endParaRPr kumimoji="1" lang="ja-JP" altLang="en-US" dirty="0"/>
+          </a:p>
+        </p:txBody>
+      </p:sp>
+      <p:sp>
+        <p:nvSpPr>
+          <p:cNvPr id="4" name="スライド番号プレースホルダー 3"/>
+          <p:cNvSpPr>
+            <a:spLocks noGrp="1"/>
+          </p:cNvSpPr>
+          <p:nvPr>
+            <p:ph type="sldNum" sz="quarter" idx="5"/>
+          </p:nvPr>
+        </p:nvSpPr>
+        <p:spPr/>
+        <p:txBody>
+          <a:bodyPr/>
+          <a:lstStyle/>
+          <a:p>
+            <a:fld id="{AB2C0F31-49AB-4B88-865E-A233548DDF7D}" type="slidenum">
+              <a:rPr kumimoji="1" lang="ja-JP" altLang="en-US" smtClean="0"/>
+              <a:t>1</a:t>
+            </a:fld>
+            <a:endParaRPr kumimoji="1" lang="ja-JP" altLang="en-US"/>
+          </a:p>
+        </p:txBody>
+      </p:sp>
+    </p:spTree>
+    <p:extLst>
+      <p:ext uri="{BB962C8B-B14F-4D97-AF65-F5344CB8AC3E}">
+        <p14:creationId xmlns:p14="http://schemas.microsoft.com/office/powerpoint/2010/main" val="3280967006"/>
+      </p:ext>
+    </p:extLst>
+  </p:cSld>
+  <p:clrMapOvr>
+    <a:masterClrMapping/>
+  </p:clrMapOvr>
+</p:notes>
+</file>
+
 <file path=ppt/slideLayouts/slideLayout1.xml><?xml version="1.0" encoding="utf-8"?>
 <p:sldLayout xmlns:a="http://schemas.openxmlformats.org/drawingml/2006/main" xmlns:r="http://schemas.openxmlformats.org/officeDocument/2006/relationships" xmlns:p="http://schemas.openxmlformats.org/presentationml/2006/main" type="title" preserve="1">
   <p:cSld name="タイトル スライド">
@@ -261,7 +729,7 @@
           <a:p>
             <a:fld id="{5AC917AA-9460-47BC-9370-797960620197}" type="datetimeFigureOut">
               <a:rPr kumimoji="1" lang="ja-JP" altLang="en-US" smtClean="0"/>
-              <a:t>2024/9/23</a:t>
+              <a:t>2024/9/26</a:t>
             </a:fld>
             <a:endParaRPr kumimoji="1" lang="ja-JP" altLang="en-US"/>
           </a:p>
@@ -491,7 +959,7 @@
           <a:p>
             <a:fld id="{5AC917AA-9460-47BC-9370-797960620197}" type="datetimeFigureOut">
               <a:rPr kumimoji="1" lang="ja-JP" altLang="en-US" smtClean="0"/>
-              <a:t>2024/9/23</a:t>
+              <a:t>2024/9/26</a:t>
             </a:fld>
             <a:endParaRPr kumimoji="1" lang="ja-JP" altLang="en-US"/>
           </a:p>
@@ -731,7 +1199,7 @@
           <a:p>
             <a:fld id="{5AC917AA-9460-47BC-9370-797960620197}" type="datetimeFigureOut">
               <a:rPr kumimoji="1" lang="ja-JP" altLang="en-US" smtClean="0"/>
-              <a:t>2024/9/23</a:t>
+              <a:t>2024/9/26</a:t>
             </a:fld>
             <a:endParaRPr kumimoji="1" lang="ja-JP" altLang="en-US"/>
           </a:p>
@@ -961,7 +1429,7 @@
           <a:p>
             <a:fld id="{5AC917AA-9460-47BC-9370-797960620197}" type="datetimeFigureOut">
               <a:rPr kumimoji="1" lang="ja-JP" altLang="en-US" smtClean="0"/>
-              <a:t>2024/9/23</a:t>
+              <a:t>2024/9/26</a:t>
             </a:fld>
             <a:endParaRPr kumimoji="1" lang="ja-JP" altLang="en-US"/>
           </a:p>
@@ -1236,7 +1704,7 @@
           <a:p>
             <a:fld id="{5AC917AA-9460-47BC-9370-797960620197}" type="datetimeFigureOut">
               <a:rPr kumimoji="1" lang="ja-JP" altLang="en-US" smtClean="0"/>
-              <a:t>2024/9/23</a:t>
+              <a:t>2024/9/26</a:t>
             </a:fld>
             <a:endParaRPr kumimoji="1" lang="ja-JP" altLang="en-US"/>
           </a:p>
@@ -1565,7 +2033,7 @@
           <a:p>
             <a:fld id="{5AC917AA-9460-47BC-9370-797960620197}" type="datetimeFigureOut">
               <a:rPr kumimoji="1" lang="ja-JP" altLang="en-US" smtClean="0"/>
-              <a:t>2024/9/23</a:t>
+              <a:t>2024/9/26</a:t>
             </a:fld>
             <a:endParaRPr kumimoji="1" lang="ja-JP" altLang="en-US"/>
           </a:p>
@@ -2041,7 +2509,7 @@
           <a:p>
             <a:fld id="{5AC917AA-9460-47BC-9370-797960620197}" type="datetimeFigureOut">
               <a:rPr kumimoji="1" lang="ja-JP" altLang="en-US" smtClean="0"/>
-              <a:t>2024/9/23</a:t>
+              <a:t>2024/9/26</a:t>
             </a:fld>
             <a:endParaRPr kumimoji="1" lang="ja-JP" altLang="en-US"/>
           </a:p>
@@ -2182,7 +2650,7 @@
           <a:p>
             <a:fld id="{5AC917AA-9460-47BC-9370-797960620197}" type="datetimeFigureOut">
               <a:rPr kumimoji="1" lang="ja-JP" altLang="en-US" smtClean="0"/>
-              <a:t>2024/9/23</a:t>
+              <a:t>2024/9/26</a:t>
             </a:fld>
             <a:endParaRPr kumimoji="1" lang="ja-JP" altLang="en-US"/>
           </a:p>
@@ -2295,7 +2763,7 @@
           <a:p>
             <a:fld id="{5AC917AA-9460-47BC-9370-797960620197}" type="datetimeFigureOut">
               <a:rPr kumimoji="1" lang="ja-JP" altLang="en-US" smtClean="0"/>
-              <a:t>2024/9/23</a:t>
+              <a:t>2024/9/26</a:t>
             </a:fld>
             <a:endParaRPr kumimoji="1" lang="ja-JP" altLang="en-US"/>
           </a:p>
@@ -2638,7 +3106,7 @@
           <a:p>
             <a:fld id="{5AC917AA-9460-47BC-9370-797960620197}" type="datetimeFigureOut">
               <a:rPr kumimoji="1" lang="ja-JP" altLang="en-US" smtClean="0"/>
-              <a:t>2024/9/23</a:t>
+              <a:t>2024/9/26</a:t>
             </a:fld>
             <a:endParaRPr kumimoji="1" lang="ja-JP" altLang="en-US"/>
           </a:p>
@@ -2926,7 +3394,7 @@
           <a:p>
             <a:fld id="{5AC917AA-9460-47BC-9370-797960620197}" type="datetimeFigureOut">
               <a:rPr kumimoji="1" lang="ja-JP" altLang="en-US" smtClean="0"/>
-              <a:t>2024/9/23</a:t>
+              <a:t>2024/9/26</a:t>
             </a:fld>
             <a:endParaRPr kumimoji="1" lang="ja-JP" altLang="en-US"/>
           </a:p>
@@ -3199,7 +3667,7 @@
           <a:p>
             <a:fld id="{5AC917AA-9460-47BC-9370-797960620197}" type="datetimeFigureOut">
               <a:rPr kumimoji="1" lang="ja-JP" altLang="en-US" smtClean="0"/>
-              <a:t>2024/9/23</a:t>
+              <a:t>2024/9/26</a:t>
             </a:fld>
             <a:endParaRPr kumimoji="1" lang="ja-JP" altLang="en-US"/>
           </a:p>
@@ -3616,12 +4084,125 @@
           <a:chExt cx="0" cy="0"/>
         </a:xfrm>
       </p:grpSpPr>
+      <p:grpSp>
+        <p:nvGrpSpPr>
+          <p:cNvPr id="30" name="グループ化 29">
+            <a:extLst>
+              <a:ext uri="{FF2B5EF4-FFF2-40B4-BE49-F238E27FC236}">
+                <a16:creationId xmlns:a16="http://schemas.microsoft.com/office/drawing/2014/main" id="{03540E01-1D3B-D282-394F-FA852772FF25}"/>
+              </a:ext>
+            </a:extLst>
+          </p:cNvPr>
+          <p:cNvGrpSpPr/>
+          <p:nvPr/>
+        </p:nvGrpSpPr>
+        <p:grpSpPr>
+          <a:xfrm>
+            <a:off x="10627303" y="4316558"/>
+            <a:ext cx="2686050" cy="1038225"/>
+            <a:chOff x="10627303" y="4316558"/>
+            <a:chExt cx="2686050" cy="1038225"/>
+          </a:xfrm>
+        </p:grpSpPr>
+        <p:pic>
+          <p:nvPicPr>
+            <p:cNvPr id="7" name="図 6" descr="グラフィカル ユーザー インターフェイス が含まれている画像&#10;&#10;自動的に生成された説明">
+              <a:extLst>
+                <a:ext uri="{FF2B5EF4-FFF2-40B4-BE49-F238E27FC236}">
+                  <a16:creationId xmlns:a16="http://schemas.microsoft.com/office/drawing/2014/main" id="{54925800-4676-D578-6C28-0E67D6E78873}"/>
+                </a:ext>
+              </a:extLst>
+            </p:cNvPr>
+            <p:cNvPicPr>
+              <a:picLocks noChangeAspect="1"/>
+            </p:cNvPicPr>
+            <p:nvPr/>
+          </p:nvPicPr>
+          <p:blipFill>
+            <a:blip r:embed="rId3">
+              <a:extLst>
+                <a:ext uri="{28A0092B-C50C-407E-A947-70E740481C1C}">
+                  <a14:useLocalDpi xmlns:a14="http://schemas.microsoft.com/office/drawing/2010/main" val="0"/>
+                </a:ext>
+              </a:extLst>
+            </a:blip>
+            <a:stretch>
+              <a:fillRect/>
+            </a:stretch>
+          </p:blipFill>
+          <p:spPr>
+            <a:xfrm>
+              <a:off x="10627303" y="4316558"/>
+              <a:ext cx="2686050" cy="1038225"/>
+            </a:xfrm>
+            <a:prstGeom prst="rect">
+              <a:avLst/>
+            </a:prstGeom>
+          </p:spPr>
+        </p:pic>
+        <p:sp>
+          <p:nvSpPr>
+            <p:cNvPr id="9" name="正方形/長方形 8">
+              <a:extLst>
+                <a:ext uri="{FF2B5EF4-FFF2-40B4-BE49-F238E27FC236}">
+                  <a16:creationId xmlns:a16="http://schemas.microsoft.com/office/drawing/2014/main" id="{FBF1BFDB-F552-BCE9-6DEB-096080A7A5BD}"/>
+                </a:ext>
+              </a:extLst>
+            </p:cNvPr>
+            <p:cNvSpPr/>
+            <p:nvPr/>
+          </p:nvSpPr>
+          <p:spPr>
+            <a:xfrm>
+              <a:off x="10736657" y="4450949"/>
+              <a:ext cx="2467342" cy="769441"/>
+            </a:xfrm>
+            <a:prstGeom prst="rect">
+              <a:avLst/>
+            </a:prstGeom>
+            <a:noFill/>
+          </p:spPr>
+          <p:txBody>
+            <a:bodyPr wrap="none" lIns="91440" tIns="45720" rIns="91440" bIns="45720">
+              <a:spAutoFit/>
+            </a:bodyPr>
+            <a:lstStyle/>
+            <a:p>
+              <a:pPr algn="ctr"/>
+              <a:r>
+                <a:rPr lang="ja-JP" altLang="en-US" sz="4400" b="1" cap="none" spc="50" dirty="0">
+                  <a:ln w="0"/>
+                  <a:solidFill>
+                    <a:schemeClr val="bg2"/>
+                  </a:solidFill>
+                  <a:effectLst>
+                    <a:glow rad="101600">
+                      <a:schemeClr val="bg1">
+                        <a:lumMod val="50000"/>
+                        <a:alpha val="60000"/>
+                      </a:schemeClr>
+                    </a:glow>
+                    <a:outerShdw blurRad="50800" dist="38100" dir="2700000" algn="tl" rotWithShape="0">
+                      <a:prstClr val="black">
+                        <a:alpha val="40000"/>
+                      </a:prstClr>
+                    </a:outerShdw>
+                  </a:effectLst>
+                  <a:latin typeface="HGS創英ﾌﾟﾚｾﾞﾝｽEB" panose="02020800000000000000" pitchFamily="18" charset="-128"/>
+                  <a:ea typeface="HGS創英ﾌﾟﾚｾﾞﾝｽEB" panose="02020800000000000000" pitchFamily="18" charset="-128"/>
+                </a:rPr>
+                <a:t>スキップ</a:t>
+              </a:r>
+            </a:p>
+          </p:txBody>
+        </p:sp>
+      </p:grpSp>
       <p:pic>
         <p:nvPicPr>
-          <p:cNvPr id="7" name="図 6" descr="グラフィカル ユーザー インターフェイス が含まれている画像&#10;&#10;自動的に生成された説明">
-            <a:extLst>
-              <a:ext uri="{FF2B5EF4-FFF2-40B4-BE49-F238E27FC236}">
-                <a16:creationId xmlns:a16="http://schemas.microsoft.com/office/drawing/2014/main" id="{54925800-4676-D578-6C28-0E67D6E78873}"/>
+          <p:cNvPr id="11" name="図 10" descr="図形, 四角形&#10;&#10;自動的に生成された説明">
+            <a:extLst>
+              <a:ext uri="{FF2B5EF4-FFF2-40B4-BE49-F238E27FC236}">
+                <a16:creationId xmlns:a16="http://schemas.microsoft.com/office/drawing/2014/main" id="{4F8B6704-DD55-BEB8-4D61-FC1B49E049EC}"/>
               </a:ext>
             </a:extLst>
           </p:cNvPr>
@@ -3631,99 +4212,7 @@
           <p:nvPr/>
         </p:nvPicPr>
         <p:blipFill>
-          <a:blip r:embed="rId2">
-            <a:extLst>
-              <a:ext uri="{28A0092B-C50C-407E-A947-70E740481C1C}">
-                <a14:useLocalDpi xmlns:a14="http://schemas.microsoft.com/office/drawing/2010/main" val="0"/>
-              </a:ext>
-            </a:extLst>
-          </a:blip>
-          <a:stretch>
-            <a:fillRect/>
-          </a:stretch>
-        </p:blipFill>
-        <p:spPr>
-          <a:xfrm>
-            <a:off x="10627303" y="4316558"/>
-            <a:ext cx="2686050" cy="1038225"/>
-          </a:xfrm>
-          <a:prstGeom prst="rect">
-            <a:avLst/>
-          </a:prstGeom>
-        </p:spPr>
-      </p:pic>
-      <p:sp>
-        <p:nvSpPr>
-          <p:cNvPr id="9" name="正方形/長方形 8">
-            <a:extLst>
-              <a:ext uri="{FF2B5EF4-FFF2-40B4-BE49-F238E27FC236}">
-                <a16:creationId xmlns:a16="http://schemas.microsoft.com/office/drawing/2014/main" id="{FBF1BFDB-F552-BCE9-6DEB-096080A7A5BD}"/>
-              </a:ext>
-            </a:extLst>
-          </p:cNvPr>
-          <p:cNvSpPr/>
-          <p:nvPr/>
-        </p:nvSpPr>
-        <p:spPr>
-          <a:xfrm>
-            <a:off x="10736657" y="4450949"/>
-            <a:ext cx="2467342" cy="769441"/>
-          </a:xfrm>
-          <a:prstGeom prst="rect">
-            <a:avLst/>
-          </a:prstGeom>
-          <a:noFill/>
-        </p:spPr>
-        <p:txBody>
-          <a:bodyPr wrap="none" lIns="91440" tIns="45720" rIns="91440" bIns="45720">
-            <a:spAutoFit/>
-          </a:bodyPr>
-          <a:lstStyle/>
-          <a:p>
-            <a:pPr algn="ctr"/>
-            <a:r>
-              <a:rPr lang="ja-JP" altLang="en-US" sz="4400" b="1" cap="none" spc="50" dirty="0">
-                <a:ln w="0"/>
-                <a:solidFill>
-                  <a:schemeClr val="bg2"/>
-                </a:solidFill>
-                <a:effectLst>
-                  <a:glow rad="101600">
-                    <a:schemeClr val="bg1">
-                      <a:lumMod val="50000"/>
-                      <a:alpha val="60000"/>
-                    </a:schemeClr>
-                  </a:glow>
-                  <a:outerShdw blurRad="50800" dist="38100" dir="2700000" algn="tl" rotWithShape="0">
-                    <a:prstClr val="black">
-                      <a:alpha val="40000"/>
-                    </a:prstClr>
-                  </a:outerShdw>
-                </a:effectLst>
-                <a:latin typeface="HGS創英ﾌﾟﾚｾﾞﾝｽEB" panose="02020800000000000000" pitchFamily="18" charset="-128"/>
-                <a:ea typeface="HGS創英ﾌﾟﾚｾﾞﾝｽEB" panose="02020800000000000000" pitchFamily="18" charset="-128"/>
-              </a:rPr>
-              <a:t>スキップ</a:t>
-            </a:r>
-          </a:p>
-        </p:txBody>
-      </p:sp>
-      <p:pic>
-        <p:nvPicPr>
-          <p:cNvPr id="11" name="図 10" descr="図形, 四角形&#10;&#10;自動的に生成された説明">
-            <a:extLst>
-              <a:ext uri="{FF2B5EF4-FFF2-40B4-BE49-F238E27FC236}">
-                <a16:creationId xmlns:a16="http://schemas.microsoft.com/office/drawing/2014/main" id="{4F8B6704-DD55-BEB8-4D61-FC1B49E049EC}"/>
-              </a:ext>
-            </a:extLst>
-          </p:cNvPr>
-          <p:cNvPicPr>
-            <a:picLocks noChangeAspect="1"/>
-          </p:cNvPicPr>
-          <p:nvPr/>
-        </p:nvPicPr>
-        <p:blipFill>
-          <a:blip r:embed="rId3">
+          <a:blip r:embed="rId4">
             <a:extLst>
               <a:ext uri="{28A0092B-C50C-407E-A947-70E740481C1C}">
                 <a14:useLocalDpi xmlns:a14="http://schemas.microsoft.com/office/drawing/2010/main" val="0"/>
@@ -3815,7 +4304,7 @@
           <p:nvPr/>
         </p:nvPicPr>
         <p:blipFill>
-          <a:blip r:embed="rId3">
+          <a:blip r:embed="rId4">
             <a:extLst>
               <a:ext uri="{28A0092B-C50C-407E-A947-70E740481C1C}">
                 <a14:useLocalDpi xmlns:a14="http://schemas.microsoft.com/office/drawing/2010/main" val="0"/>
@@ -3928,7 +4417,7 @@
           <p:nvPr/>
         </p:nvPicPr>
         <p:blipFill>
-          <a:blip r:embed="rId4">
+          <a:blip r:embed="rId5">
             <a:extLst>
               <a:ext uri="{28A0092B-C50C-407E-A947-70E740481C1C}">
                 <a14:useLocalDpi xmlns:a14="http://schemas.microsoft.com/office/drawing/2010/main" val="0"/>
@@ -4041,7 +4530,7 @@
           <p:nvPr/>
         </p:nvPicPr>
         <p:blipFill>
-          <a:blip r:embed="rId4">
+          <a:blip r:embed="rId5">
             <a:extLst>
               <a:ext uri="{28A0092B-C50C-407E-A947-70E740481C1C}">
                 <a14:useLocalDpi xmlns:a14="http://schemas.microsoft.com/office/drawing/2010/main" val="0"/>
@@ -5516,6 +6005,242 @@
           </p:txBody>
         </p:sp>
       </p:grpSp>
+      <p:grpSp>
+        <p:nvGrpSpPr>
+          <p:cNvPr id="35" name="グループ化 34">
+            <a:extLst>
+              <a:ext uri="{FF2B5EF4-FFF2-40B4-BE49-F238E27FC236}">
+                <a16:creationId xmlns:a16="http://schemas.microsoft.com/office/drawing/2014/main" id="{F7DAF4E4-3C76-A9C0-AA2F-ECE5BE504B47}"/>
+              </a:ext>
+            </a:extLst>
+          </p:cNvPr>
+          <p:cNvGrpSpPr/>
+          <p:nvPr/>
+        </p:nvGrpSpPr>
+        <p:grpSpPr>
+          <a:xfrm>
+            <a:off x="7791739" y="6540302"/>
+            <a:ext cx="2686050" cy="1038225"/>
+            <a:chOff x="7791739" y="6540302"/>
+            <a:chExt cx="2686050" cy="1038225"/>
+          </a:xfrm>
+        </p:grpSpPr>
+        <p:pic>
+          <p:nvPicPr>
+            <p:cNvPr id="34" name="図 33" descr="グラフィカル ユーザー インターフェイス が含まれている画像&#10;&#10;自動的に生成された説明">
+              <a:extLst>
+                <a:ext uri="{FF2B5EF4-FFF2-40B4-BE49-F238E27FC236}">
+                  <a16:creationId xmlns:a16="http://schemas.microsoft.com/office/drawing/2014/main" id="{816B80A7-710A-3F88-1475-C32D95E348AF}"/>
+                </a:ext>
+              </a:extLst>
+            </p:cNvPr>
+            <p:cNvPicPr>
+              <a:picLocks noChangeAspect="1"/>
+            </p:cNvPicPr>
+            <p:nvPr/>
+          </p:nvPicPr>
+          <p:blipFill>
+            <a:blip r:embed="rId3">
+              <a:extLst>
+                <a:ext uri="{28A0092B-C50C-407E-A947-70E740481C1C}">
+                  <a14:useLocalDpi xmlns:a14="http://schemas.microsoft.com/office/drawing/2010/main" val="0"/>
+                </a:ext>
+              </a:extLst>
+            </a:blip>
+            <a:stretch>
+              <a:fillRect/>
+            </a:stretch>
+          </p:blipFill>
+          <p:spPr>
+            <a:xfrm>
+              <a:off x="7791739" y="6540302"/>
+              <a:ext cx="2686050" cy="1038225"/>
+            </a:xfrm>
+            <a:prstGeom prst="rect">
+              <a:avLst/>
+            </a:prstGeom>
+          </p:spPr>
+        </p:pic>
+        <p:sp>
+          <p:nvSpPr>
+            <p:cNvPr id="32" name="正方形/長方形 31">
+              <a:extLst>
+                <a:ext uri="{FF2B5EF4-FFF2-40B4-BE49-F238E27FC236}">
+                  <a16:creationId xmlns:a16="http://schemas.microsoft.com/office/drawing/2014/main" id="{173EEE9D-E0FA-0B54-B7C4-C3C9FBB00422}"/>
+                </a:ext>
+              </a:extLst>
+            </p:cNvPr>
+            <p:cNvSpPr/>
+            <p:nvPr/>
+          </p:nvSpPr>
+          <p:spPr>
+            <a:xfrm>
+              <a:off x="7791739" y="6609111"/>
+              <a:ext cx="2685352" cy="830997"/>
+            </a:xfrm>
+            <a:prstGeom prst="rect">
+              <a:avLst/>
+            </a:prstGeom>
+            <a:noFill/>
+          </p:spPr>
+          <p:txBody>
+            <a:bodyPr wrap="none" lIns="91440" tIns="45720" rIns="91440" bIns="45720">
+              <a:spAutoFit/>
+            </a:bodyPr>
+            <a:lstStyle/>
+            <a:p>
+              <a:pPr algn="ctr"/>
+              <a:r>
+                <a:rPr lang="ja-JP" altLang="en-US" sz="4800" b="1" spc="50" dirty="0">
+                  <a:ln w="0"/>
+                  <a:solidFill>
+                    <a:schemeClr val="bg2"/>
+                  </a:solidFill>
+                  <a:effectLst>
+                    <a:glow rad="228600">
+                      <a:schemeClr val="tx1">
+                        <a:lumMod val="50000"/>
+                        <a:lumOff val="50000"/>
+                        <a:alpha val="40000"/>
+                      </a:schemeClr>
+                    </a:glow>
+                    <a:outerShdw blurRad="50800" dist="38100" dir="2700000" algn="tl" rotWithShape="0">
+                      <a:prstClr val="black">
+                        <a:alpha val="40000"/>
+                      </a:prstClr>
+                    </a:outerShdw>
+                  </a:effectLst>
+                  <a:latin typeface="HGS創英ﾌﾟﾚｾﾞﾝｽEB" panose="02020800000000000000" pitchFamily="18" charset="-128"/>
+                  <a:ea typeface="HGS創英ﾌﾟﾚｾﾞﾝｽEB" panose="02020800000000000000" pitchFamily="18" charset="-128"/>
+                </a:rPr>
+                <a:t>スキップ</a:t>
+              </a:r>
+              <a:endParaRPr lang="ja-JP" altLang="en-US" sz="4800" b="1" cap="none" spc="50" dirty="0">
+                <a:ln w="0"/>
+                <a:solidFill>
+                  <a:schemeClr val="bg2"/>
+                </a:solidFill>
+                <a:effectLst>
+                  <a:glow rad="228600">
+                    <a:schemeClr val="tx1">
+                      <a:lumMod val="50000"/>
+                      <a:lumOff val="50000"/>
+                      <a:alpha val="40000"/>
+                    </a:schemeClr>
+                  </a:glow>
+                  <a:outerShdw blurRad="50800" dist="38100" dir="2700000" algn="tl" rotWithShape="0">
+                    <a:prstClr val="black">
+                      <a:alpha val="40000"/>
+                    </a:prstClr>
+                  </a:outerShdw>
+                </a:effectLst>
+                <a:latin typeface="HGS創英ﾌﾟﾚｾﾞﾝｽEB" panose="02020800000000000000" pitchFamily="18" charset="-128"/>
+                <a:ea typeface="HGS創英ﾌﾟﾚｾﾞﾝｽEB" panose="02020800000000000000" pitchFamily="18" charset="-128"/>
+              </a:endParaRPr>
+            </a:p>
+          </p:txBody>
+        </p:sp>
+      </p:grpSp>
+      <p:pic>
+        <p:nvPicPr>
+          <p:cNvPr id="38" name="図 37" descr="図形, 四角形&#10;&#10;自動的に生成された説明">
+            <a:extLst>
+              <a:ext uri="{FF2B5EF4-FFF2-40B4-BE49-F238E27FC236}">
+                <a16:creationId xmlns:a16="http://schemas.microsoft.com/office/drawing/2014/main" id="{9F9BBE6B-AFD2-0E72-F169-675F2FC2CF1F}"/>
+              </a:ext>
+            </a:extLst>
+          </p:cNvPr>
+          <p:cNvPicPr>
+            <a:picLocks noChangeAspect="1"/>
+          </p:cNvPicPr>
+          <p:nvPr/>
+        </p:nvPicPr>
+        <p:blipFill>
+          <a:blip r:embed="rId6">
+            <a:extLst>
+              <a:ext uri="{28A0092B-C50C-407E-A947-70E740481C1C}">
+                <a14:useLocalDpi xmlns:a14="http://schemas.microsoft.com/office/drawing/2010/main" val="0"/>
+              </a:ext>
+            </a:extLst>
+          </a:blip>
+          <a:stretch>
+            <a:fillRect/>
+          </a:stretch>
+        </p:blipFill>
+        <p:spPr>
+          <a:xfrm>
+            <a:off x="4766409" y="6530139"/>
+            <a:ext cx="2686050" cy="1038225"/>
+          </a:xfrm>
+          <a:prstGeom prst="rect">
+            <a:avLst/>
+          </a:prstGeom>
+        </p:spPr>
+      </p:pic>
+      <p:sp>
+        <p:nvSpPr>
+          <p:cNvPr id="46" name="正方形/長方形 45">
+            <a:extLst>
+              <a:ext uri="{FF2B5EF4-FFF2-40B4-BE49-F238E27FC236}">
+                <a16:creationId xmlns:a16="http://schemas.microsoft.com/office/drawing/2014/main" id="{872E44F5-B4BF-3F2B-E3F2-53B7701267EB}"/>
+              </a:ext>
+            </a:extLst>
+          </p:cNvPr>
+          <p:cNvSpPr/>
+          <p:nvPr/>
+        </p:nvSpPr>
+        <p:spPr>
+          <a:xfrm>
+            <a:off x="5065910" y="6643915"/>
+            <a:ext cx="2060180" cy="830997"/>
+          </a:xfrm>
+          <a:prstGeom prst="rect">
+            <a:avLst/>
+          </a:prstGeom>
+          <a:noFill/>
+          <a:effectLst>
+            <a:glow rad="101600">
+              <a:schemeClr val="accent2">
+                <a:lumMod val="50000"/>
+                <a:alpha val="60000"/>
+              </a:schemeClr>
+            </a:glow>
+          </a:effectLst>
+        </p:spPr>
+        <p:txBody>
+          <a:bodyPr wrap="none" lIns="91440" tIns="45720" rIns="91440" bIns="45720">
+            <a:spAutoFit/>
+          </a:bodyPr>
+          <a:lstStyle/>
+          <a:p>
+            <a:pPr algn="ctr"/>
+            <a:r>
+              <a:rPr lang="ja-JP" altLang="en-US" sz="4800" b="1" cap="none" spc="50" dirty="0">
+                <a:ln w="0"/>
+                <a:solidFill>
+                  <a:schemeClr val="bg2"/>
+                </a:solidFill>
+                <a:effectLst>
+                  <a:glow rad="228600">
+                    <a:schemeClr val="accent2">
+                      <a:lumMod val="50000"/>
+                      <a:alpha val="40000"/>
+                    </a:schemeClr>
+                  </a:glow>
+                  <a:outerShdw blurRad="50800" dist="38100" dir="2700000" algn="tl" rotWithShape="0">
+                    <a:prstClr val="black">
+                      <a:alpha val="40000"/>
+                    </a:prstClr>
+                  </a:outerShdw>
+                </a:effectLst>
+                <a:latin typeface="HGS創英ﾌﾟﾚｾﾞﾝｽEB" panose="02020800000000000000" pitchFamily="18" charset="-128"/>
+                <a:ea typeface="HGS創英ﾌﾟﾚｾﾞﾝｽEB" panose="02020800000000000000" pitchFamily="18" charset="-128"/>
+              </a:rPr>
+              <a:t>リーチ</a:t>
+            </a:r>
+          </a:p>
+        </p:txBody>
+      </p:sp>
     </p:spTree>
     <p:extLst>
       <p:ext uri="{BB962C8B-B14F-4D97-AF65-F5344CB8AC3E}">
@@ -6377,4 +7102,319 @@
     </a:ext>
   </a:extLst>
 </a:theme>
+</file>
+
+<file path=ppt/theme/theme2.xml><?xml version="1.0" encoding="utf-8"?>
+<a:theme xmlns:a="http://schemas.openxmlformats.org/drawingml/2006/main" name="Office テーマ">
+  <a:themeElements>
+    <a:clrScheme name="Office">
+      <a:dk1>
+        <a:sysClr val="windowText" lastClr="000000"/>
+      </a:dk1>
+      <a:lt1>
+        <a:sysClr val="window" lastClr="FFFFFF"/>
+      </a:lt1>
+      <a:dk2>
+        <a:srgbClr val="0E2841"/>
+      </a:dk2>
+      <a:lt2>
+        <a:srgbClr val="E8E8E8"/>
+      </a:lt2>
+      <a:accent1>
+        <a:srgbClr val="156082"/>
+      </a:accent1>
+      <a:accent2>
+        <a:srgbClr val="E97132"/>
+      </a:accent2>
+      <a:accent3>
+        <a:srgbClr val="196B24"/>
+      </a:accent3>
+      <a:accent4>
+        <a:srgbClr val="0F9ED5"/>
+      </a:accent4>
+      <a:accent5>
+        <a:srgbClr val="A02B93"/>
+      </a:accent5>
+      <a:accent6>
+        <a:srgbClr val="4EA72E"/>
+      </a:accent6>
+      <a:hlink>
+        <a:srgbClr val="467886"/>
+      </a:hlink>
+      <a:folHlink>
+        <a:srgbClr val="96607D"/>
+      </a:folHlink>
+    </a:clrScheme>
+    <a:fontScheme name="Office">
+      <a:majorFont>
+        <a:latin typeface="游ゴシック Light" panose="02110004020202020204"/>
+        <a:ea typeface=""/>
+        <a:cs typeface=""/>
+        <a:font script="Jpan" typeface="游ゴシック Light"/>
+        <a:font script="Hang" typeface="맑은 고딕"/>
+        <a:font script="Hans" typeface="等线 Light"/>
+        <a:font script="Hant" typeface="新細明體"/>
+        <a:font script="Arab" typeface="Times New Roman"/>
+        <a:font script="Hebr" typeface="Times New Roman"/>
+        <a:font script="Thai" typeface="Angsana New"/>
+        <a:font script="Ethi" typeface="Nyala"/>
+        <a:font script="Beng" typeface="Vrinda"/>
+        <a:font script="Gujr" typeface="Shruti"/>
+        <a:font script="Khmr" typeface="MoolBoran"/>
+        <a:font script="Knda" typeface="Tunga"/>
+        <a:font script="Guru" typeface="Raavi"/>
+        <a:font script="Cans" typeface="Euphemia"/>
+        <a:font script="Cher" typeface="Plantagenet Cherokee"/>
+        <a:font script="Yiii" typeface="Microsoft Yi Baiti"/>
+        <a:font script="Tibt" typeface="Microsoft Himalaya"/>
+        <a:font script="Thaa" typeface="MV Boli"/>
+        <a:font script="Deva" typeface="Mangal"/>
+        <a:font script="Telu" typeface="Gautami"/>
+        <a:font script="Taml" typeface="Latha"/>
+        <a:font script="Syrc" typeface="Estrangelo Edessa"/>
+        <a:font script="Orya" typeface="Kalinga"/>
+        <a:font script="Mlym" typeface="Kartika"/>
+        <a:font script="Laoo" typeface="DokChampa"/>
+        <a:font script="Sinh" typeface="Iskoola Pota"/>
+        <a:font script="Mong" typeface="Mongolian Baiti"/>
+        <a:font script="Viet" typeface="Times New Roman"/>
+        <a:font script="Uigh" typeface="Microsoft Uighur"/>
+        <a:font script="Geor" typeface="Sylfaen"/>
+        <a:font script="Armn" typeface="Arial"/>
+        <a:font script="Bugi" typeface="Leelawadee UI"/>
+        <a:font script="Bopo" typeface="Microsoft JhengHei"/>
+        <a:font script="Java" typeface="Javanese Text"/>
+        <a:font script="Lisu" typeface="Segoe UI"/>
+        <a:font script="Mymr" typeface="Myanmar Text"/>
+        <a:font script="Nkoo" typeface="Ebrima"/>
+        <a:font script="Olck" typeface="Nirmala UI"/>
+        <a:font script="Osma" typeface="Ebrima"/>
+        <a:font script="Phag" typeface="Phagspa"/>
+        <a:font script="Syrn" typeface="Estrangelo Edessa"/>
+        <a:font script="Syrj" typeface="Estrangelo Edessa"/>
+        <a:font script="Syre" typeface="Estrangelo Edessa"/>
+        <a:font script="Sora" typeface="Nirmala UI"/>
+        <a:font script="Tale" typeface="Microsoft Tai Le"/>
+        <a:font script="Talu" typeface="Microsoft New Tai Lue"/>
+        <a:font script="Tfng" typeface="Ebrima"/>
+      </a:majorFont>
+      <a:minorFont>
+        <a:latin typeface="游ゴシック" panose="02110004020202020204"/>
+        <a:ea typeface=""/>
+        <a:cs typeface=""/>
+        <a:font script="Jpan" typeface="游ゴシック"/>
+        <a:font script="Hang" typeface="맑은 고딕"/>
+        <a:font script="Hans" typeface="等线"/>
+        <a:font script="Hant" typeface="新細明體"/>
+        <a:font script="Arab" typeface="Arial"/>
+        <a:font script="Hebr" typeface="Arial"/>
+        <a:font script="Thai" typeface="Cordia New"/>
+        <a:font script="Ethi" typeface="Nyala"/>
+        <a:font script="Beng" typeface="Vrinda"/>
+        <a:font script="Gujr" typeface="Shruti"/>
+        <a:font script="Khmr" typeface="DaunPenh"/>
+        <a:font script="Knda" typeface="Tunga"/>
+        <a:font script="Guru" typeface="Raavi"/>
+        <a:font script="Cans" typeface="Euphemia"/>
+        <a:font script="Cher" typeface="Plantagenet Cherokee"/>
+        <a:font script="Yiii" typeface="Microsoft Yi Baiti"/>
+        <a:font script="Tibt" typeface="Microsoft Himalaya"/>
+        <a:font script="Thaa" typeface="MV Boli"/>
+        <a:font script="Deva" typeface="Mangal"/>
+        <a:font script="Telu" typeface="Gautami"/>
+        <a:font script="Taml" typeface="Latha"/>
+        <a:font script="Syrc" typeface="Estrangelo Edessa"/>
+        <a:font script="Orya" typeface="Kalinga"/>
+        <a:font script="Mlym" typeface="Kartika"/>
+        <a:font script="Laoo" typeface="DokChampa"/>
+        <a:font script="Sinh" typeface="Iskoola Pota"/>
+        <a:font script="Mong" typeface="Mongolian Baiti"/>
+        <a:font script="Viet" typeface="Arial"/>
+        <a:font script="Uigh" typeface="Microsoft Uighur"/>
+        <a:font script="Geor" typeface="Sylfaen"/>
+        <a:font script="Armn" typeface="Arial"/>
+        <a:font script="Bugi" typeface="Leelawadee UI"/>
+        <a:font script="Bopo" typeface="Microsoft JhengHei"/>
+        <a:font script="Java" typeface="Javanese Text"/>
+        <a:font script="Lisu" typeface="Segoe UI"/>
+        <a:font script="Mymr" typeface="Myanmar Text"/>
+        <a:font script="Nkoo" typeface="Ebrima"/>
+        <a:font script="Olck" typeface="Nirmala UI"/>
+        <a:font script="Osma" typeface="Ebrima"/>
+        <a:font script="Phag" typeface="Phagspa"/>
+        <a:font script="Syrn" typeface="Estrangelo Edessa"/>
+        <a:font script="Syrj" typeface="Estrangelo Edessa"/>
+        <a:font script="Syre" typeface="Estrangelo Edessa"/>
+        <a:font script="Sora" typeface="Nirmala UI"/>
+        <a:font script="Tale" typeface="Microsoft Tai Le"/>
+        <a:font script="Talu" typeface="Microsoft New Tai Lue"/>
+        <a:font script="Tfng" typeface="Ebrima"/>
+      </a:minorFont>
+    </a:fontScheme>
+    <a:fmtScheme name="Office">
+      <a:fillStyleLst>
+        <a:solidFill>
+          <a:schemeClr val="phClr"/>
+        </a:solidFill>
+        <a:gradFill rotWithShape="1">
+          <a:gsLst>
+            <a:gs pos="0">
+              <a:schemeClr val="phClr">
+                <a:lumMod val="110000"/>
+                <a:satMod val="105000"/>
+                <a:tint val="67000"/>
+              </a:schemeClr>
+            </a:gs>
+            <a:gs pos="50000">
+              <a:schemeClr val="phClr">
+                <a:lumMod val="105000"/>
+                <a:satMod val="103000"/>
+                <a:tint val="73000"/>
+              </a:schemeClr>
+            </a:gs>
+            <a:gs pos="100000">
+              <a:schemeClr val="phClr">
+                <a:lumMod val="105000"/>
+                <a:satMod val="109000"/>
+                <a:tint val="81000"/>
+              </a:schemeClr>
+            </a:gs>
+          </a:gsLst>
+          <a:lin ang="5400000" scaled="0"/>
+        </a:gradFill>
+        <a:gradFill rotWithShape="1">
+          <a:gsLst>
+            <a:gs pos="0">
+              <a:schemeClr val="phClr">
+                <a:satMod val="103000"/>
+                <a:lumMod val="102000"/>
+                <a:tint val="94000"/>
+              </a:schemeClr>
+            </a:gs>
+            <a:gs pos="50000">
+              <a:schemeClr val="phClr">
+                <a:satMod val="110000"/>
+                <a:lumMod val="100000"/>
+                <a:shade val="100000"/>
+              </a:schemeClr>
+            </a:gs>
+            <a:gs pos="100000">
+              <a:schemeClr val="phClr">
+                <a:lumMod val="99000"/>
+                <a:satMod val="120000"/>
+                <a:shade val="78000"/>
+              </a:schemeClr>
+            </a:gs>
+          </a:gsLst>
+          <a:lin ang="5400000" scaled="0"/>
+        </a:gradFill>
+      </a:fillStyleLst>
+      <a:lnStyleLst>
+        <a:ln w="12700" cap="flat" cmpd="sng" algn="ctr">
+          <a:solidFill>
+            <a:schemeClr val="phClr"/>
+          </a:solidFill>
+          <a:prstDash val="solid"/>
+          <a:miter lim="800000"/>
+        </a:ln>
+        <a:ln w="19050" cap="flat" cmpd="sng" algn="ctr">
+          <a:solidFill>
+            <a:schemeClr val="phClr"/>
+          </a:solidFill>
+          <a:prstDash val="solid"/>
+          <a:miter lim="800000"/>
+        </a:ln>
+        <a:ln w="25400" cap="flat" cmpd="sng" algn="ctr">
+          <a:solidFill>
+            <a:schemeClr val="phClr"/>
+          </a:solidFill>
+          <a:prstDash val="solid"/>
+          <a:miter lim="800000"/>
+        </a:ln>
+      </a:lnStyleLst>
+      <a:effectStyleLst>
+        <a:effectStyle>
+          <a:effectLst/>
+        </a:effectStyle>
+        <a:effectStyle>
+          <a:effectLst/>
+        </a:effectStyle>
+        <a:effectStyle>
+          <a:effectLst>
+            <a:outerShdw blurRad="57150" dist="19050" dir="5400000" algn="ctr" rotWithShape="0">
+              <a:srgbClr val="000000">
+                <a:alpha val="63000"/>
+              </a:srgbClr>
+            </a:outerShdw>
+          </a:effectLst>
+        </a:effectStyle>
+      </a:effectStyleLst>
+      <a:bgFillStyleLst>
+        <a:solidFill>
+          <a:schemeClr val="phClr"/>
+        </a:solidFill>
+        <a:solidFill>
+          <a:schemeClr val="phClr">
+            <a:tint val="95000"/>
+            <a:satMod val="170000"/>
+          </a:schemeClr>
+        </a:solidFill>
+        <a:gradFill rotWithShape="1">
+          <a:gsLst>
+            <a:gs pos="0">
+              <a:schemeClr val="phClr">
+                <a:tint val="93000"/>
+                <a:satMod val="150000"/>
+                <a:shade val="98000"/>
+                <a:lumMod val="102000"/>
+              </a:schemeClr>
+            </a:gs>
+            <a:gs pos="50000">
+              <a:schemeClr val="phClr">
+                <a:tint val="98000"/>
+                <a:satMod val="130000"/>
+                <a:shade val="90000"/>
+                <a:lumMod val="103000"/>
+              </a:schemeClr>
+            </a:gs>
+            <a:gs pos="100000">
+              <a:schemeClr val="phClr">
+                <a:shade val="63000"/>
+                <a:satMod val="120000"/>
+              </a:schemeClr>
+            </a:gs>
+          </a:gsLst>
+          <a:lin ang="5400000" scaled="0"/>
+        </a:gradFill>
+      </a:bgFillStyleLst>
+    </a:fmtScheme>
+  </a:themeElements>
+  <a:objectDefaults>
+    <a:lnDef>
+      <a:spPr/>
+      <a:bodyPr/>
+      <a:lstStyle/>
+      <a:style>
+        <a:lnRef idx="2">
+          <a:schemeClr val="accent1"/>
+        </a:lnRef>
+        <a:fillRef idx="0">
+          <a:schemeClr val="accent1"/>
+        </a:fillRef>
+        <a:effectRef idx="1">
+          <a:schemeClr val="accent1"/>
+        </a:effectRef>
+        <a:fontRef idx="minor">
+          <a:schemeClr val="tx1"/>
+        </a:fontRef>
+      </a:style>
+    </a:lnDef>
+  </a:objectDefaults>
+  <a:extraClrSchemeLst/>
+  <a:extLst>
+    <a:ext uri="{05A4C25C-085E-4340-85A3-A5531E510DB2}">
+      <thm15:themeFamily xmlns:thm15="http://schemas.microsoft.com/office/thememl/2012/main" name="Office Theme" id="{2E142A2C-CD16-42D6-873A-C26D2A0506FA}" vid="{1BDDFF52-6CD6-40A5-AB3C-68EB2F1E4D0A}"/>
+    </a:ext>
+  </a:extLst>
+</a:theme>
 </file>
--- a/Picture/図作成用.pptx
+++ b/Picture/図作成用.pptx
@@ -199,7 +199,7 @@
           <a:p>
             <a:fld id="{2B8CF655-508B-450C-94C8-832930E49C1B}" type="datetimeFigureOut">
               <a:rPr kumimoji="1" lang="ja-JP" altLang="en-US" smtClean="0"/>
-              <a:t>2024/9/26</a:t>
+              <a:t>2024/10/14</a:t>
             </a:fld>
             <a:endParaRPr kumimoji="1" lang="ja-JP" altLang="en-US"/>
           </a:p>
@@ -729,7 +729,7 @@
           <a:p>
             <a:fld id="{5AC917AA-9460-47BC-9370-797960620197}" type="datetimeFigureOut">
               <a:rPr kumimoji="1" lang="ja-JP" altLang="en-US" smtClean="0"/>
-              <a:t>2024/9/26</a:t>
+              <a:t>2024/10/14</a:t>
             </a:fld>
             <a:endParaRPr kumimoji="1" lang="ja-JP" altLang="en-US"/>
           </a:p>
@@ -959,7 +959,7 @@
           <a:p>
             <a:fld id="{5AC917AA-9460-47BC-9370-797960620197}" type="datetimeFigureOut">
               <a:rPr kumimoji="1" lang="ja-JP" altLang="en-US" smtClean="0"/>
-              <a:t>2024/9/26</a:t>
+              <a:t>2024/10/14</a:t>
             </a:fld>
             <a:endParaRPr kumimoji="1" lang="ja-JP" altLang="en-US"/>
           </a:p>
@@ -1199,7 +1199,7 @@
           <a:p>
             <a:fld id="{5AC917AA-9460-47BC-9370-797960620197}" type="datetimeFigureOut">
               <a:rPr kumimoji="1" lang="ja-JP" altLang="en-US" smtClean="0"/>
-              <a:t>2024/9/26</a:t>
+              <a:t>2024/10/14</a:t>
             </a:fld>
             <a:endParaRPr kumimoji="1" lang="ja-JP" altLang="en-US"/>
           </a:p>
@@ -1429,7 +1429,7 @@
           <a:p>
             <a:fld id="{5AC917AA-9460-47BC-9370-797960620197}" type="datetimeFigureOut">
               <a:rPr kumimoji="1" lang="ja-JP" altLang="en-US" smtClean="0"/>
-              <a:t>2024/9/26</a:t>
+              <a:t>2024/10/14</a:t>
             </a:fld>
             <a:endParaRPr kumimoji="1" lang="ja-JP" altLang="en-US"/>
           </a:p>
@@ -1704,7 +1704,7 @@
           <a:p>
             <a:fld id="{5AC917AA-9460-47BC-9370-797960620197}" type="datetimeFigureOut">
               <a:rPr kumimoji="1" lang="ja-JP" altLang="en-US" smtClean="0"/>
-              <a:t>2024/9/26</a:t>
+              <a:t>2024/10/14</a:t>
             </a:fld>
             <a:endParaRPr kumimoji="1" lang="ja-JP" altLang="en-US"/>
           </a:p>
@@ -2033,7 +2033,7 @@
           <a:p>
             <a:fld id="{5AC917AA-9460-47BC-9370-797960620197}" type="datetimeFigureOut">
               <a:rPr kumimoji="1" lang="ja-JP" altLang="en-US" smtClean="0"/>
-              <a:t>2024/9/26</a:t>
+              <a:t>2024/10/14</a:t>
             </a:fld>
             <a:endParaRPr kumimoji="1" lang="ja-JP" altLang="en-US"/>
           </a:p>
@@ -2509,7 +2509,7 @@
           <a:p>
             <a:fld id="{5AC917AA-9460-47BC-9370-797960620197}" type="datetimeFigureOut">
               <a:rPr kumimoji="1" lang="ja-JP" altLang="en-US" smtClean="0"/>
-              <a:t>2024/9/26</a:t>
+              <a:t>2024/10/14</a:t>
             </a:fld>
             <a:endParaRPr kumimoji="1" lang="ja-JP" altLang="en-US"/>
           </a:p>
@@ -2650,7 +2650,7 @@
           <a:p>
             <a:fld id="{5AC917AA-9460-47BC-9370-797960620197}" type="datetimeFigureOut">
               <a:rPr kumimoji="1" lang="ja-JP" altLang="en-US" smtClean="0"/>
-              <a:t>2024/9/26</a:t>
+              <a:t>2024/10/14</a:t>
             </a:fld>
             <a:endParaRPr kumimoji="1" lang="ja-JP" altLang="en-US"/>
           </a:p>
@@ -2763,7 +2763,7 @@
           <a:p>
             <a:fld id="{5AC917AA-9460-47BC-9370-797960620197}" type="datetimeFigureOut">
               <a:rPr kumimoji="1" lang="ja-JP" altLang="en-US" smtClean="0"/>
-              <a:t>2024/9/26</a:t>
+              <a:t>2024/10/14</a:t>
             </a:fld>
             <a:endParaRPr kumimoji="1" lang="ja-JP" altLang="en-US"/>
           </a:p>
@@ -3106,7 +3106,7 @@
           <a:p>
             <a:fld id="{5AC917AA-9460-47BC-9370-797960620197}" type="datetimeFigureOut">
               <a:rPr kumimoji="1" lang="ja-JP" altLang="en-US" smtClean="0"/>
-              <a:t>2024/9/26</a:t>
+              <a:t>2024/10/14</a:t>
             </a:fld>
             <a:endParaRPr kumimoji="1" lang="ja-JP" altLang="en-US"/>
           </a:p>
@@ -3394,7 +3394,7 @@
           <a:p>
             <a:fld id="{5AC917AA-9460-47BC-9370-797960620197}" type="datetimeFigureOut">
               <a:rPr kumimoji="1" lang="ja-JP" altLang="en-US" smtClean="0"/>
-              <a:t>2024/9/26</a:t>
+              <a:t>2024/10/14</a:t>
             </a:fld>
             <a:endParaRPr kumimoji="1" lang="ja-JP" altLang="en-US"/>
           </a:p>
@@ -3667,7 +3667,7 @@
           <a:p>
             <a:fld id="{5AC917AA-9460-47BC-9370-797960620197}" type="datetimeFigureOut">
               <a:rPr kumimoji="1" lang="ja-JP" altLang="en-US" smtClean="0"/>
-              <a:t>2024/9/26</a:t>
+              <a:t>2024/10/14</a:t>
             </a:fld>
             <a:endParaRPr kumimoji="1" lang="ja-JP" altLang="en-US"/>
           </a:p>
@@ -6219,6 +6219,414 @@
                 <a:ln w="0"/>
                 <a:solidFill>
                   <a:schemeClr val="bg2"/>
+                </a:solidFill>
+                <a:effectLst>
+                  <a:glow rad="228600">
+                    <a:schemeClr val="accent2">
+                      <a:lumMod val="50000"/>
+                      <a:alpha val="40000"/>
+                    </a:schemeClr>
+                  </a:glow>
+                  <a:outerShdw blurRad="50800" dist="38100" dir="2700000" algn="tl" rotWithShape="0">
+                    <a:prstClr val="black">
+                      <a:alpha val="40000"/>
+                    </a:prstClr>
+                  </a:outerShdw>
+                </a:effectLst>
+                <a:latin typeface="HGS創英ﾌﾟﾚｾﾞﾝｽEB" panose="02020800000000000000" pitchFamily="18" charset="-128"/>
+                <a:ea typeface="HGS創英ﾌﾟﾚｾﾞﾝｽEB" panose="02020800000000000000" pitchFamily="18" charset="-128"/>
+              </a:rPr>
+              <a:t>リーチ</a:t>
+            </a:r>
+          </a:p>
+        </p:txBody>
+      </p:sp>
+      <p:sp>
+        <p:nvSpPr>
+          <p:cNvPr id="31" name="正方形/長方形 30">
+            <a:extLst>
+              <a:ext uri="{FF2B5EF4-FFF2-40B4-BE49-F238E27FC236}">
+                <a16:creationId xmlns:a16="http://schemas.microsoft.com/office/drawing/2014/main" id="{7F7ADC4C-77CB-BDAB-3460-03F771F50C58}"/>
+              </a:ext>
+            </a:extLst>
+          </p:cNvPr>
+          <p:cNvSpPr/>
+          <p:nvPr/>
+        </p:nvSpPr>
+        <p:spPr>
+          <a:xfrm>
+            <a:off x="-48106" y="6643915"/>
+            <a:ext cx="1435008" cy="830997"/>
+          </a:xfrm>
+          <a:prstGeom prst="rect">
+            <a:avLst/>
+          </a:prstGeom>
+          <a:noFill/>
+        </p:spPr>
+        <p:txBody>
+          <a:bodyPr wrap="none" lIns="91440" tIns="45720" rIns="91440" bIns="45720">
+            <a:spAutoFit/>
+          </a:bodyPr>
+          <a:lstStyle/>
+          <a:p>
+            <a:pPr algn="ctr"/>
+            <a:r>
+              <a:rPr lang="ja-JP" altLang="en-US" sz="4800" b="1" spc="50" dirty="0">
+                <a:ln w="28575">
+                  <a:solidFill>
+                    <a:schemeClr val="bg1"/>
+                  </a:solidFill>
+                </a:ln>
+                <a:solidFill>
+                  <a:sysClr val="windowText" lastClr="000000"/>
+                </a:solidFill>
+                <a:effectLst>
+                  <a:glow rad="228600">
+                    <a:schemeClr val="accent2">
+                      <a:satMod val="175000"/>
+                      <a:alpha val="40000"/>
+                    </a:schemeClr>
+                  </a:glow>
+                  <a:outerShdw blurRad="50800" dist="38100" dir="2700000" algn="tl" rotWithShape="0">
+                    <a:prstClr val="black">
+                      <a:alpha val="40000"/>
+                    </a:prstClr>
+                  </a:outerShdw>
+                </a:effectLst>
+                <a:latin typeface="HGS創英ﾌﾟﾚｾﾞﾝｽEB" panose="02020800000000000000" pitchFamily="18" charset="-128"/>
+                <a:ea typeface="HGS創英ﾌﾟﾚｾﾞﾝｽEB" panose="02020800000000000000" pitchFamily="18" charset="-128"/>
+              </a:rPr>
+              <a:t>ロン</a:t>
+            </a:r>
+            <a:endParaRPr lang="ja-JP" altLang="en-US" sz="4800" b="1" cap="none" spc="50" dirty="0">
+              <a:ln w="28575">
+                <a:solidFill>
+                  <a:schemeClr val="bg1"/>
+                </a:solidFill>
+              </a:ln>
+              <a:solidFill>
+                <a:sysClr val="windowText" lastClr="000000"/>
+              </a:solidFill>
+              <a:effectLst>
+                <a:glow rad="228600">
+                  <a:schemeClr val="accent2">
+                    <a:satMod val="175000"/>
+                    <a:alpha val="40000"/>
+                  </a:schemeClr>
+                </a:glow>
+                <a:outerShdw blurRad="50800" dist="38100" dir="2700000" algn="tl" rotWithShape="0">
+                  <a:prstClr val="black">
+                    <a:alpha val="40000"/>
+                  </a:prstClr>
+                </a:outerShdw>
+              </a:effectLst>
+              <a:latin typeface="HGS創英ﾌﾟﾚｾﾞﾝｽEB" panose="02020800000000000000" pitchFamily="18" charset="-128"/>
+              <a:ea typeface="HGS創英ﾌﾟﾚｾﾞﾝｽEB" panose="02020800000000000000" pitchFamily="18" charset="-128"/>
+            </a:endParaRPr>
+          </a:p>
+        </p:txBody>
+      </p:sp>
+      <p:sp>
+        <p:nvSpPr>
+          <p:cNvPr id="33" name="正方形/長方形 32">
+            <a:extLst>
+              <a:ext uri="{FF2B5EF4-FFF2-40B4-BE49-F238E27FC236}">
+                <a16:creationId xmlns:a16="http://schemas.microsoft.com/office/drawing/2014/main" id="{853EBA9F-6432-470E-91EF-506517EBA4DA}"/>
+              </a:ext>
+            </a:extLst>
+          </p:cNvPr>
+          <p:cNvSpPr/>
+          <p:nvPr/>
+        </p:nvSpPr>
+        <p:spPr>
+          <a:xfrm>
+            <a:off x="1641647" y="6643915"/>
+            <a:ext cx="1435009" cy="830997"/>
+          </a:xfrm>
+          <a:prstGeom prst="rect">
+            <a:avLst/>
+          </a:prstGeom>
+          <a:noFill/>
+        </p:spPr>
+        <p:txBody>
+          <a:bodyPr wrap="none" lIns="91440" tIns="45720" rIns="91440" bIns="45720">
+            <a:spAutoFit/>
+          </a:bodyPr>
+          <a:lstStyle/>
+          <a:p>
+            <a:pPr algn="ctr"/>
+            <a:r>
+              <a:rPr lang="ja-JP" altLang="en-US" sz="4800" b="1" spc="50" dirty="0">
+                <a:ln w="28575">
+                  <a:solidFill>
+                    <a:schemeClr val="bg1"/>
+                  </a:solidFill>
+                </a:ln>
+                <a:solidFill>
+                  <a:sysClr val="windowText" lastClr="000000"/>
+                </a:solidFill>
+                <a:effectLst>
+                  <a:glow rad="228600">
+                    <a:schemeClr val="accent2">
+                      <a:satMod val="175000"/>
+                      <a:alpha val="40000"/>
+                    </a:schemeClr>
+                  </a:glow>
+                  <a:outerShdw blurRad="50800" dist="38100" dir="2700000" algn="tl" rotWithShape="0">
+                    <a:prstClr val="black">
+                      <a:alpha val="40000"/>
+                    </a:prstClr>
+                  </a:outerShdw>
+                </a:effectLst>
+                <a:latin typeface="HGS創英ﾌﾟﾚｾﾞﾝｽEB" panose="02020800000000000000" pitchFamily="18" charset="-128"/>
+                <a:ea typeface="HGS創英ﾌﾟﾚｾﾞﾝｽEB" panose="02020800000000000000" pitchFamily="18" charset="-128"/>
+              </a:rPr>
+              <a:t>ツモ</a:t>
+            </a:r>
+            <a:endParaRPr lang="ja-JP" altLang="en-US" sz="4800" b="1" cap="none" spc="50" dirty="0">
+              <a:ln w="28575">
+                <a:solidFill>
+                  <a:schemeClr val="bg1"/>
+                </a:solidFill>
+              </a:ln>
+              <a:solidFill>
+                <a:sysClr val="windowText" lastClr="000000"/>
+              </a:solidFill>
+              <a:effectLst>
+                <a:glow rad="228600">
+                  <a:schemeClr val="accent2">
+                    <a:satMod val="175000"/>
+                    <a:alpha val="40000"/>
+                  </a:schemeClr>
+                </a:glow>
+                <a:outerShdw blurRad="50800" dist="38100" dir="2700000" algn="tl" rotWithShape="0">
+                  <a:prstClr val="black">
+                    <a:alpha val="40000"/>
+                  </a:prstClr>
+                </a:outerShdw>
+              </a:effectLst>
+              <a:latin typeface="HGS創英ﾌﾟﾚｾﾞﾝｽEB" panose="02020800000000000000" pitchFamily="18" charset="-128"/>
+              <a:ea typeface="HGS創英ﾌﾟﾚｾﾞﾝｽEB" panose="02020800000000000000" pitchFamily="18" charset="-128"/>
+            </a:endParaRPr>
+          </a:p>
+        </p:txBody>
+      </p:sp>
+      <p:sp>
+        <p:nvSpPr>
+          <p:cNvPr id="36" name="正方形/長方形 35">
+            <a:extLst>
+              <a:ext uri="{FF2B5EF4-FFF2-40B4-BE49-F238E27FC236}">
+                <a16:creationId xmlns:a16="http://schemas.microsoft.com/office/drawing/2014/main" id="{67A7BE11-DDE6-BDA9-3C91-3F9A1F722CF4}"/>
+              </a:ext>
+            </a:extLst>
+          </p:cNvPr>
+          <p:cNvSpPr/>
+          <p:nvPr/>
+        </p:nvSpPr>
+        <p:spPr>
+          <a:xfrm>
+            <a:off x="10683217" y="6701040"/>
+            <a:ext cx="1435008" cy="830997"/>
+          </a:xfrm>
+          <a:prstGeom prst="rect">
+            <a:avLst/>
+          </a:prstGeom>
+          <a:noFill/>
+        </p:spPr>
+        <p:txBody>
+          <a:bodyPr wrap="none" lIns="91440" tIns="45720" rIns="91440" bIns="45720">
+            <a:spAutoFit/>
+          </a:bodyPr>
+          <a:lstStyle/>
+          <a:p>
+            <a:pPr algn="ctr"/>
+            <a:r>
+              <a:rPr lang="ja-JP" altLang="en-US" sz="4800" b="1" spc="50" dirty="0">
+                <a:ln w="28575">
+                  <a:solidFill>
+                    <a:schemeClr val="bg1"/>
+                  </a:solidFill>
+                </a:ln>
+                <a:solidFill>
+                  <a:sysClr val="windowText" lastClr="000000"/>
+                </a:solidFill>
+                <a:effectLst>
+                  <a:glow rad="228600">
+                    <a:schemeClr val="accent6">
+                      <a:satMod val="175000"/>
+                      <a:alpha val="40000"/>
+                    </a:schemeClr>
+                  </a:glow>
+                  <a:outerShdw blurRad="50800" dist="38100" dir="2700000" algn="tl" rotWithShape="0">
+                    <a:prstClr val="black">
+                      <a:alpha val="40000"/>
+                    </a:prstClr>
+                  </a:outerShdw>
+                </a:effectLst>
+                <a:latin typeface="HGS創英ﾌﾟﾚｾﾞﾝｽEB" panose="02020800000000000000" pitchFamily="18" charset="-128"/>
+                <a:ea typeface="HGS創英ﾌﾟﾚｾﾞﾝｽEB" panose="02020800000000000000" pitchFamily="18" charset="-128"/>
+              </a:rPr>
+              <a:t>ポン</a:t>
+            </a:r>
+            <a:endParaRPr lang="ja-JP" altLang="en-US" sz="4800" b="1" cap="none" spc="50" dirty="0">
+              <a:ln w="28575">
+                <a:solidFill>
+                  <a:schemeClr val="bg1"/>
+                </a:solidFill>
+              </a:ln>
+              <a:solidFill>
+                <a:sysClr val="windowText" lastClr="000000"/>
+              </a:solidFill>
+              <a:effectLst>
+                <a:glow rad="228600">
+                  <a:schemeClr val="accent6">
+                    <a:satMod val="175000"/>
+                    <a:alpha val="40000"/>
+                  </a:schemeClr>
+                </a:glow>
+                <a:outerShdw blurRad="50800" dist="38100" dir="2700000" algn="tl" rotWithShape="0">
+                  <a:prstClr val="black">
+                    <a:alpha val="40000"/>
+                  </a:prstClr>
+                </a:outerShdw>
+              </a:effectLst>
+              <a:latin typeface="HGS創英ﾌﾟﾚｾﾞﾝｽEB" panose="02020800000000000000" pitchFamily="18" charset="-128"/>
+              <a:ea typeface="HGS創英ﾌﾟﾚｾﾞﾝｽEB" panose="02020800000000000000" pitchFamily="18" charset="-128"/>
+            </a:endParaRPr>
+          </a:p>
+        </p:txBody>
+      </p:sp>
+      <p:sp>
+        <p:nvSpPr>
+          <p:cNvPr id="43" name="正方形/長方形 42">
+            <a:extLst>
+              <a:ext uri="{FF2B5EF4-FFF2-40B4-BE49-F238E27FC236}">
+                <a16:creationId xmlns:a16="http://schemas.microsoft.com/office/drawing/2014/main" id="{FCBBA6B3-C761-28A0-CEE5-81FD0B05581F}"/>
+              </a:ext>
+            </a:extLst>
+          </p:cNvPr>
+          <p:cNvSpPr/>
+          <p:nvPr/>
+        </p:nvSpPr>
+        <p:spPr>
+          <a:xfrm>
+            <a:off x="12118224" y="6701040"/>
+            <a:ext cx="1435009" cy="830997"/>
+          </a:xfrm>
+          <a:prstGeom prst="rect">
+            <a:avLst/>
+          </a:prstGeom>
+          <a:noFill/>
+        </p:spPr>
+        <p:txBody>
+          <a:bodyPr wrap="none" lIns="91440" tIns="45720" rIns="91440" bIns="45720">
+            <a:spAutoFit/>
+          </a:bodyPr>
+          <a:lstStyle/>
+          <a:p>
+            <a:pPr algn="ctr"/>
+            <a:r>
+              <a:rPr lang="ja-JP" altLang="en-US" sz="4800" b="1" spc="50" dirty="0">
+                <a:ln w="28575">
+                  <a:solidFill>
+                    <a:schemeClr val="bg1"/>
+                  </a:solidFill>
+                </a:ln>
+                <a:solidFill>
+                  <a:sysClr val="windowText" lastClr="000000"/>
+                </a:solidFill>
+                <a:effectLst>
+                  <a:glow rad="228600">
+                    <a:schemeClr val="accent6">
+                      <a:satMod val="175000"/>
+                      <a:alpha val="40000"/>
+                    </a:schemeClr>
+                  </a:glow>
+                  <a:outerShdw blurRad="50800" dist="38100" dir="2700000" algn="tl" rotWithShape="0">
+                    <a:prstClr val="black">
+                      <a:alpha val="40000"/>
+                    </a:prstClr>
+                  </a:outerShdw>
+                </a:effectLst>
+                <a:latin typeface="HGS創英ﾌﾟﾚｾﾞﾝｽEB" panose="02020800000000000000" pitchFamily="18" charset="-128"/>
+                <a:ea typeface="HGS創英ﾌﾟﾚｾﾞﾝｽEB" panose="02020800000000000000" pitchFamily="18" charset="-128"/>
+              </a:rPr>
+              <a:t>カン</a:t>
+            </a:r>
+            <a:endParaRPr lang="ja-JP" altLang="en-US" sz="4800" b="1" cap="none" spc="50" dirty="0">
+              <a:ln w="28575">
+                <a:solidFill>
+                  <a:schemeClr val="bg1"/>
+                </a:solidFill>
+              </a:ln>
+              <a:solidFill>
+                <a:sysClr val="windowText" lastClr="000000"/>
+              </a:solidFill>
+              <a:effectLst>
+                <a:glow rad="228600">
+                  <a:schemeClr val="accent6">
+                    <a:satMod val="175000"/>
+                    <a:alpha val="40000"/>
+                  </a:schemeClr>
+                </a:glow>
+                <a:outerShdw blurRad="50800" dist="38100" dir="2700000" algn="tl" rotWithShape="0">
+                  <a:prstClr val="black">
+                    <a:alpha val="40000"/>
+                  </a:prstClr>
+                </a:outerShdw>
+              </a:effectLst>
+              <a:latin typeface="HGS創英ﾌﾟﾚｾﾞﾝｽEB" panose="02020800000000000000" pitchFamily="18" charset="-128"/>
+              <a:ea typeface="HGS創英ﾌﾟﾚｾﾞﾝｽEB" panose="02020800000000000000" pitchFamily="18" charset="-128"/>
+            </a:endParaRPr>
+          </a:p>
+        </p:txBody>
+      </p:sp>
+      <p:sp>
+        <p:nvSpPr>
+          <p:cNvPr id="45" name="正方形/長方形 44">
+            <a:extLst>
+              <a:ext uri="{FF2B5EF4-FFF2-40B4-BE49-F238E27FC236}">
+                <a16:creationId xmlns:a16="http://schemas.microsoft.com/office/drawing/2014/main" id="{D6C4197F-C6C1-FFE6-9B5B-1FA5180EFF59}"/>
+              </a:ext>
+            </a:extLst>
+          </p:cNvPr>
+          <p:cNvSpPr/>
+          <p:nvPr/>
+        </p:nvSpPr>
+        <p:spPr>
+          <a:xfrm>
+            <a:off x="5065910" y="4474899"/>
+            <a:ext cx="2060180" cy="830997"/>
+          </a:xfrm>
+          <a:prstGeom prst="rect">
+            <a:avLst/>
+          </a:prstGeom>
+          <a:noFill/>
+          <a:effectLst>
+            <a:glow rad="101600">
+              <a:schemeClr val="accent2">
+                <a:lumMod val="50000"/>
+                <a:alpha val="60000"/>
+              </a:schemeClr>
+            </a:glow>
+          </a:effectLst>
+        </p:spPr>
+        <p:txBody>
+          <a:bodyPr wrap="none" lIns="91440" tIns="45720" rIns="91440" bIns="45720">
+            <a:spAutoFit/>
+          </a:bodyPr>
+          <a:lstStyle/>
+          <a:p>
+            <a:pPr algn="ctr"/>
+            <a:r>
+              <a:rPr lang="ja-JP" altLang="en-US" sz="4800" b="1" cap="none" spc="50" dirty="0">
+                <a:ln w="28575">
+                  <a:solidFill>
+                    <a:schemeClr val="bg1"/>
+                  </a:solidFill>
+                </a:ln>
+                <a:solidFill>
+                  <a:sysClr val="windowText" lastClr="000000"/>
                 </a:solidFill>
                 <a:effectLst>
                   <a:glow rad="228600">

--- a/Picture/図作成用.pptx
+++ b/Picture/図作成用.pptx
@@ -5,12 +5,13 @@
     <p:sldMasterId id="2147483648" r:id="rId1"/>
   </p:sldMasterIdLst>
   <p:notesMasterIdLst>
-    <p:notesMasterId r:id="rId5"/>
+    <p:notesMasterId r:id="rId6"/>
   </p:notesMasterIdLst>
   <p:sldIdLst>
     <p:sldId id="256" r:id="rId2"/>
     <p:sldId id="257" r:id="rId3"/>
     <p:sldId id="258" r:id="rId4"/>
+    <p:sldId id="259" r:id="rId5"/>
   </p:sldIdLst>
   <p:sldSz cx="12192000" cy="6858000"/>
   <p:notesSz cx="6858000" cy="9144000"/>
@@ -199,7 +200,7 @@
           <a:p>
             <a:fld id="{2B8CF655-508B-450C-94C8-832930E49C1B}" type="datetimeFigureOut">
               <a:rPr kumimoji="1" lang="ja-JP" altLang="en-US" smtClean="0"/>
-              <a:t>2024/10/14</a:t>
+              <a:t>2024/10/15</a:t>
             </a:fld>
             <a:endParaRPr kumimoji="1" lang="ja-JP" altLang="en-US"/>
           </a:p>
@@ -729,7 +730,7 @@
           <a:p>
             <a:fld id="{5AC917AA-9460-47BC-9370-797960620197}" type="datetimeFigureOut">
               <a:rPr kumimoji="1" lang="ja-JP" altLang="en-US" smtClean="0"/>
-              <a:t>2024/10/14</a:t>
+              <a:t>2024/10/15</a:t>
             </a:fld>
             <a:endParaRPr kumimoji="1" lang="ja-JP" altLang="en-US"/>
           </a:p>
@@ -959,7 +960,7 @@
           <a:p>
             <a:fld id="{5AC917AA-9460-47BC-9370-797960620197}" type="datetimeFigureOut">
               <a:rPr kumimoji="1" lang="ja-JP" altLang="en-US" smtClean="0"/>
-              <a:t>2024/10/14</a:t>
+              <a:t>2024/10/15</a:t>
             </a:fld>
             <a:endParaRPr kumimoji="1" lang="ja-JP" altLang="en-US"/>
           </a:p>
@@ -1199,7 +1200,7 @@
           <a:p>
             <a:fld id="{5AC917AA-9460-47BC-9370-797960620197}" type="datetimeFigureOut">
               <a:rPr kumimoji="1" lang="ja-JP" altLang="en-US" smtClean="0"/>
-              <a:t>2024/10/14</a:t>
+              <a:t>2024/10/15</a:t>
             </a:fld>
             <a:endParaRPr kumimoji="1" lang="ja-JP" altLang="en-US"/>
           </a:p>
@@ -1429,7 +1430,7 @@
           <a:p>
             <a:fld id="{5AC917AA-9460-47BC-9370-797960620197}" type="datetimeFigureOut">
               <a:rPr kumimoji="1" lang="ja-JP" altLang="en-US" smtClean="0"/>
-              <a:t>2024/10/14</a:t>
+              <a:t>2024/10/15</a:t>
             </a:fld>
             <a:endParaRPr kumimoji="1" lang="ja-JP" altLang="en-US"/>
           </a:p>
@@ -1704,7 +1705,7 @@
           <a:p>
             <a:fld id="{5AC917AA-9460-47BC-9370-797960620197}" type="datetimeFigureOut">
               <a:rPr kumimoji="1" lang="ja-JP" altLang="en-US" smtClean="0"/>
-              <a:t>2024/10/14</a:t>
+              <a:t>2024/10/15</a:t>
             </a:fld>
             <a:endParaRPr kumimoji="1" lang="ja-JP" altLang="en-US"/>
           </a:p>
@@ -2033,7 +2034,7 @@
           <a:p>
             <a:fld id="{5AC917AA-9460-47BC-9370-797960620197}" type="datetimeFigureOut">
               <a:rPr kumimoji="1" lang="ja-JP" altLang="en-US" smtClean="0"/>
-              <a:t>2024/10/14</a:t>
+              <a:t>2024/10/15</a:t>
             </a:fld>
             <a:endParaRPr kumimoji="1" lang="ja-JP" altLang="en-US"/>
           </a:p>
@@ -2509,7 +2510,7 @@
           <a:p>
             <a:fld id="{5AC917AA-9460-47BC-9370-797960620197}" type="datetimeFigureOut">
               <a:rPr kumimoji="1" lang="ja-JP" altLang="en-US" smtClean="0"/>
-              <a:t>2024/10/14</a:t>
+              <a:t>2024/10/15</a:t>
             </a:fld>
             <a:endParaRPr kumimoji="1" lang="ja-JP" altLang="en-US"/>
           </a:p>
@@ -2650,7 +2651,7 @@
           <a:p>
             <a:fld id="{5AC917AA-9460-47BC-9370-797960620197}" type="datetimeFigureOut">
               <a:rPr kumimoji="1" lang="ja-JP" altLang="en-US" smtClean="0"/>
-              <a:t>2024/10/14</a:t>
+              <a:t>2024/10/15</a:t>
             </a:fld>
             <a:endParaRPr kumimoji="1" lang="ja-JP" altLang="en-US"/>
           </a:p>
@@ -2763,7 +2764,7 @@
           <a:p>
             <a:fld id="{5AC917AA-9460-47BC-9370-797960620197}" type="datetimeFigureOut">
               <a:rPr kumimoji="1" lang="ja-JP" altLang="en-US" smtClean="0"/>
-              <a:t>2024/10/14</a:t>
+              <a:t>2024/10/15</a:t>
             </a:fld>
             <a:endParaRPr kumimoji="1" lang="ja-JP" altLang="en-US"/>
           </a:p>
@@ -3106,7 +3107,7 @@
           <a:p>
             <a:fld id="{5AC917AA-9460-47BC-9370-797960620197}" type="datetimeFigureOut">
               <a:rPr kumimoji="1" lang="ja-JP" altLang="en-US" smtClean="0"/>
-              <a:t>2024/10/14</a:t>
+              <a:t>2024/10/15</a:t>
             </a:fld>
             <a:endParaRPr kumimoji="1" lang="ja-JP" altLang="en-US"/>
           </a:p>
@@ -3394,7 +3395,7 @@
           <a:p>
             <a:fld id="{5AC917AA-9460-47BC-9370-797960620197}" type="datetimeFigureOut">
               <a:rPr kumimoji="1" lang="ja-JP" altLang="en-US" smtClean="0"/>
-              <a:t>2024/10/14</a:t>
+              <a:t>2024/10/15</a:t>
             </a:fld>
             <a:endParaRPr kumimoji="1" lang="ja-JP" altLang="en-US"/>
           </a:p>
@@ -3667,7 +3668,7 @@
           <a:p>
             <a:fld id="{5AC917AA-9460-47BC-9370-797960620197}" type="datetimeFigureOut">
               <a:rPr kumimoji="1" lang="ja-JP" altLang="en-US" smtClean="0"/>
-              <a:t>2024/10/14</a:t>
+              <a:t>2024/10/15</a:t>
             </a:fld>
             <a:endParaRPr kumimoji="1" lang="ja-JP" altLang="en-US"/>
           </a:p>
@@ -6907,7 +6908,7 @@
         </p:nvSpPr>
         <p:spPr>
           <a:xfrm>
-            <a:off x="5842781" y="1885070"/>
+            <a:off x="5862138" y="1894306"/>
             <a:ext cx="1345810" cy="1862048"/>
           </a:xfrm>
           <a:prstGeom prst="rect">
@@ -7184,10 +7185,357 @@
           </p:txBody>
         </p:sp>
       </p:grpSp>
+      <p:grpSp>
+        <p:nvGrpSpPr>
+          <p:cNvPr id="22" name="グループ化 21">
+            <a:extLst>
+              <a:ext uri="{FF2B5EF4-FFF2-40B4-BE49-F238E27FC236}">
+                <a16:creationId xmlns:a16="http://schemas.microsoft.com/office/drawing/2014/main" id="{3E8DD750-2A4B-7C1E-FBAF-553E7D9DD91C}"/>
+              </a:ext>
+            </a:extLst>
+          </p:cNvPr>
+          <p:cNvGrpSpPr/>
+          <p:nvPr/>
+        </p:nvGrpSpPr>
+        <p:grpSpPr>
+          <a:xfrm>
+            <a:off x="893705" y="527733"/>
+            <a:ext cx="3640871" cy="5630822"/>
+            <a:chOff x="893705" y="527733"/>
+            <a:chExt cx="3640871" cy="5630822"/>
+          </a:xfrm>
+        </p:grpSpPr>
+        <p:grpSp>
+          <p:nvGrpSpPr>
+            <p:cNvPr id="21" name="グループ化 20">
+              <a:extLst>
+                <a:ext uri="{FF2B5EF4-FFF2-40B4-BE49-F238E27FC236}">
+                  <a16:creationId xmlns:a16="http://schemas.microsoft.com/office/drawing/2014/main" id="{434B1D4D-5316-4BDB-DD20-AF1FB922A2EC}"/>
+                </a:ext>
+              </a:extLst>
+            </p:cNvPr>
+            <p:cNvGrpSpPr/>
+            <p:nvPr/>
+          </p:nvGrpSpPr>
+          <p:grpSpPr>
+            <a:xfrm>
+              <a:off x="893705" y="1461333"/>
+              <a:ext cx="3640871" cy="4697222"/>
+              <a:chOff x="893705" y="1461333"/>
+              <a:chExt cx="3640871" cy="4697222"/>
+            </a:xfrm>
+          </p:grpSpPr>
+          <p:pic>
+            <p:nvPicPr>
+              <p:cNvPr id="5" name="図 4">
+                <a:extLst>
+                  <a:ext uri="{FF2B5EF4-FFF2-40B4-BE49-F238E27FC236}">
+                    <a16:creationId xmlns:a16="http://schemas.microsoft.com/office/drawing/2014/main" id="{3D80875E-B8CC-5296-8486-02FFE02CFC00}"/>
+                  </a:ext>
+                </a:extLst>
+              </p:cNvPr>
+              <p:cNvPicPr>
+                <a:picLocks noChangeAspect="1"/>
+              </p:cNvPicPr>
+              <p:nvPr/>
+            </p:nvPicPr>
+            <p:blipFill>
+              <a:blip r:embed="rId2">
+                <a:extLst>
+                  <a:ext uri="{28A0092B-C50C-407E-A947-70E740481C1C}">
+                    <a14:useLocalDpi xmlns:a14="http://schemas.microsoft.com/office/drawing/2010/main" val="0"/>
+                  </a:ext>
+                </a:extLst>
+              </a:blip>
+              <a:stretch>
+                <a:fillRect/>
+              </a:stretch>
+            </p:blipFill>
+            <p:spPr>
+              <a:xfrm>
+                <a:off x="893705" y="4860644"/>
+                <a:ext cx="1920493" cy="1297911"/>
+              </a:xfrm>
+              <a:prstGeom prst="rect">
+                <a:avLst/>
+              </a:prstGeom>
+            </p:spPr>
+          </p:pic>
+          <p:pic>
+            <p:nvPicPr>
+              <p:cNvPr id="11" name="図 10" descr="テキスト が含まれている画像&#10;&#10;自動的に生成された説明">
+                <a:extLst>
+                  <a:ext uri="{FF2B5EF4-FFF2-40B4-BE49-F238E27FC236}">
+                    <a16:creationId xmlns:a16="http://schemas.microsoft.com/office/drawing/2014/main" id="{9FA1BAFD-2017-245F-84AB-AAF2CABED864}"/>
+                  </a:ext>
+                </a:extLst>
+              </p:cNvPr>
+              <p:cNvPicPr>
+                <a:picLocks noChangeAspect="1"/>
+              </p:cNvPicPr>
+              <p:nvPr/>
+            </p:nvPicPr>
+            <p:blipFill>
+              <a:blip r:embed="rId3">
+                <a:extLst>
+                  <a:ext uri="{28A0092B-C50C-407E-A947-70E740481C1C}">
+                    <a14:useLocalDpi xmlns:a14="http://schemas.microsoft.com/office/drawing/2010/main" val="0"/>
+                  </a:ext>
+                </a:extLst>
+              </a:blip>
+              <a:srcRect r="65884"/>
+              <a:stretch/>
+            </p:blipFill>
+            <p:spPr>
+              <a:xfrm rot="19702816">
+                <a:off x="1326993" y="2792524"/>
+                <a:ext cx="655199" cy="1440370"/>
+              </a:xfrm>
+              <a:prstGeom prst="rect">
+                <a:avLst/>
+              </a:prstGeom>
+              <a:effectLst>
+                <a:outerShdw dist="88900" dir="2700000" algn="tl" rotWithShape="0">
+                  <a:srgbClr val="D9CDE9"/>
+                </a:outerShdw>
+              </a:effectLst>
+            </p:spPr>
+          </p:pic>
+          <p:pic>
+            <p:nvPicPr>
+              <p:cNvPr id="13" name="図 12" descr="白いバックグラウンドの前に並んでいる&#10;&#10;中程度の精度で自動的に生成された説明">
+                <a:extLst>
+                  <a:ext uri="{FF2B5EF4-FFF2-40B4-BE49-F238E27FC236}">
+                    <a16:creationId xmlns:a16="http://schemas.microsoft.com/office/drawing/2014/main" id="{C614EB40-9E48-CDB4-BBE1-BC768CE87EF0}"/>
+                  </a:ext>
+                </a:extLst>
+              </p:cNvPr>
+              <p:cNvPicPr>
+                <a:picLocks noChangeAspect="1"/>
+              </p:cNvPicPr>
+              <p:nvPr/>
+            </p:nvPicPr>
+            <p:blipFill>
+              <a:blip r:embed="rId4">
+                <a:extLst>
+                  <a:ext uri="{28A0092B-C50C-407E-A947-70E740481C1C}">
+                    <a14:useLocalDpi xmlns:a14="http://schemas.microsoft.com/office/drawing/2010/main" val="0"/>
+                  </a:ext>
+                </a:extLst>
+              </a:blip>
+              <a:srcRect l="1" r="65894"/>
+              <a:stretch/>
+            </p:blipFill>
+            <p:spPr>
+              <a:xfrm rot="21414632">
+                <a:off x="2676197" y="1461333"/>
+                <a:ext cx="655199" cy="1440836"/>
+              </a:xfrm>
+              <a:prstGeom prst="rect">
+                <a:avLst/>
+              </a:prstGeom>
+              <a:effectLst>
+                <a:outerShdw dist="88900" dir="2700000" algn="tl" rotWithShape="0">
+                  <a:srgbClr val="D9CDE9"/>
+                </a:outerShdw>
+              </a:effectLst>
+            </p:spPr>
+          </p:pic>
+          <p:pic>
+            <p:nvPicPr>
+              <p:cNvPr id="17" name="図 16" descr="テキスト が含まれている画像&#10;&#10;自動的に生成された説明">
+                <a:extLst>
+                  <a:ext uri="{FF2B5EF4-FFF2-40B4-BE49-F238E27FC236}">
+                    <a16:creationId xmlns:a16="http://schemas.microsoft.com/office/drawing/2014/main" id="{E2D111AC-CB11-517A-701D-6B82D4245147}"/>
+                  </a:ext>
+                </a:extLst>
+              </p:cNvPr>
+              <p:cNvPicPr>
+                <a:picLocks noChangeAspect="1"/>
+              </p:cNvPicPr>
+              <p:nvPr/>
+            </p:nvPicPr>
+            <p:blipFill>
+              <a:blip r:embed="rId5">
+                <a:extLst>
+                  <a:ext uri="{28A0092B-C50C-407E-A947-70E740481C1C}">
+                    <a14:useLocalDpi xmlns:a14="http://schemas.microsoft.com/office/drawing/2010/main" val="0"/>
+                  </a:ext>
+                </a:extLst>
+              </a:blip>
+              <a:stretch>
+                <a:fillRect/>
+              </a:stretch>
+            </p:blipFill>
+            <p:spPr>
+              <a:xfrm>
+                <a:off x="2849097" y="4216204"/>
+                <a:ext cx="1685479" cy="1264109"/>
+              </a:xfrm>
+              <a:prstGeom prst="rect">
+                <a:avLst/>
+              </a:prstGeom>
+              <a:effectLst>
+                <a:outerShdw dist="88900" dir="2700000" algn="tl" rotWithShape="0">
+                  <a:srgbClr val="D9CDE9"/>
+                </a:outerShdw>
+              </a:effectLst>
+            </p:spPr>
+          </p:pic>
+          <p:pic>
+            <p:nvPicPr>
+              <p:cNvPr id="18" name="図 17" descr="白いバックグラウンドの前に並んでいる&#10;&#10;中程度の精度で自動的に生成された説明">
+                <a:extLst>
+                  <a:ext uri="{FF2B5EF4-FFF2-40B4-BE49-F238E27FC236}">
+                    <a16:creationId xmlns:a16="http://schemas.microsoft.com/office/drawing/2014/main" id="{EDDD8D61-9311-27C0-E7A1-C7936FBD3E7E}"/>
+                  </a:ext>
+                </a:extLst>
+              </p:cNvPr>
+              <p:cNvPicPr>
+                <a:picLocks noChangeAspect="1"/>
+              </p:cNvPicPr>
+              <p:nvPr/>
+            </p:nvPicPr>
+            <p:blipFill>
+              <a:blip r:embed="rId4">
+                <a:extLst>
+                  <a:ext uri="{28A0092B-C50C-407E-A947-70E740481C1C}">
+                    <a14:useLocalDpi xmlns:a14="http://schemas.microsoft.com/office/drawing/2010/main" val="0"/>
+                  </a:ext>
+                </a:extLst>
+              </a:blip>
+              <a:srcRect l="65894" r="1"/>
+              <a:stretch/>
+            </p:blipFill>
+            <p:spPr>
+              <a:xfrm rot="19778394">
+                <a:off x="3546510" y="2708582"/>
+                <a:ext cx="655199" cy="1440836"/>
+              </a:xfrm>
+              <a:prstGeom prst="rect">
+                <a:avLst/>
+              </a:prstGeom>
+              <a:effectLst>
+                <a:outerShdw dist="88900" dir="2700000" algn="tl" rotWithShape="0">
+                  <a:srgbClr val="D9CDE9"/>
+                </a:outerShdw>
+              </a:effectLst>
+            </p:spPr>
+          </p:pic>
+        </p:grpSp>
+        <p:pic>
+          <p:nvPicPr>
+            <p:cNvPr id="20" name="図 19" descr="テキスト が含まれている画像&#10;&#10;自動的に生成された説明">
+              <a:extLst>
+                <a:ext uri="{FF2B5EF4-FFF2-40B4-BE49-F238E27FC236}">
+                  <a16:creationId xmlns:a16="http://schemas.microsoft.com/office/drawing/2014/main" id="{ACA9F7F8-CFAF-55F6-7A6C-E58EE7E779BB}"/>
+                </a:ext>
+              </a:extLst>
+            </p:cNvPr>
+            <p:cNvPicPr>
+              <a:picLocks noChangeAspect="1"/>
+            </p:cNvPicPr>
+            <p:nvPr/>
+          </p:nvPicPr>
+          <p:blipFill>
+            <a:blip r:embed="rId3">
+              <a:extLst>
+                <a:ext uri="{28A0092B-C50C-407E-A947-70E740481C1C}">
+                  <a14:useLocalDpi xmlns:a14="http://schemas.microsoft.com/office/drawing/2010/main" val="0"/>
+                </a:ext>
+              </a:extLst>
+            </a:blip>
+            <a:srcRect l="65884"/>
+            <a:stretch/>
+          </p:blipFill>
+          <p:spPr>
+            <a:xfrm rot="20890740">
+              <a:off x="1740448" y="527733"/>
+              <a:ext cx="655199" cy="1440370"/>
+            </a:xfrm>
+            <a:prstGeom prst="rect">
+              <a:avLst/>
+            </a:prstGeom>
+            <a:effectLst>
+              <a:outerShdw dist="88900" dir="2700000" algn="tl" rotWithShape="0">
+                <a:srgbClr val="D9CDE9"/>
+              </a:outerShdw>
+            </a:effectLst>
+          </p:spPr>
+        </p:pic>
+      </p:grpSp>
     </p:spTree>
     <p:extLst>
       <p:ext uri="{BB962C8B-B14F-4D97-AF65-F5344CB8AC3E}">
         <p14:creationId xmlns:p14="http://schemas.microsoft.com/office/powerpoint/2010/main" val="3596273616"/>
+      </p:ext>
+    </p:extLst>
+  </p:cSld>
+  <p:clrMapOvr>
+    <a:masterClrMapping/>
+  </p:clrMapOvr>
+</p:sld>
+</file>
+
+<file path=ppt/slides/slide4.xml><?xml version="1.0" encoding="utf-8"?>
+<p:sld xmlns:a="http://schemas.openxmlformats.org/drawingml/2006/main" xmlns:r="http://schemas.openxmlformats.org/officeDocument/2006/relationships" xmlns:p="http://schemas.openxmlformats.org/presentationml/2006/main">
+  <p:cSld>
+    <p:bg>
+      <p:bgPr>
+        <a:solidFill>
+          <a:schemeClr val="bg1"/>
+        </a:solidFill>
+        <a:effectLst/>
+      </p:bgPr>
+    </p:bg>
+    <p:spTree>
+      <p:nvGrpSpPr>
+        <p:cNvPr id="1" name=""/>
+        <p:cNvGrpSpPr/>
+        <p:nvPr/>
+      </p:nvGrpSpPr>
+      <p:grpSpPr>
+        <a:xfrm>
+          <a:off x="0" y="0"/>
+          <a:ext cx="0" cy="0"/>
+          <a:chOff x="0" y="0"/>
+          <a:chExt cx="0" cy="0"/>
+        </a:xfrm>
+      </p:grpSpPr>
+      <p:pic>
+        <p:nvPicPr>
+          <p:cNvPr id="5" name="図 4">
+            <a:extLst>
+              <a:ext uri="{FF2B5EF4-FFF2-40B4-BE49-F238E27FC236}">
+                <a16:creationId xmlns:a16="http://schemas.microsoft.com/office/drawing/2014/main" id="{C7A67D10-633A-F507-E59A-7DEC877382D4}"/>
+              </a:ext>
+            </a:extLst>
+          </p:cNvPr>
+          <p:cNvPicPr>
+            <a:picLocks noChangeAspect="1"/>
+          </p:cNvPicPr>
+          <p:nvPr/>
+        </p:nvPicPr>
+        <p:blipFill>
+          <a:blip r:embed="rId2"/>
+          <a:stretch>
+            <a:fillRect/>
+          </a:stretch>
+        </p:blipFill>
+        <p:spPr>
+          <a:xfrm>
+            <a:off x="3034974" y="643466"/>
+            <a:ext cx="6122051" cy="5571067"/>
+          </a:xfrm>
+          <a:prstGeom prst="rect">
+            <a:avLst/>
+          </a:prstGeom>
+        </p:spPr>
+      </p:pic>
+    </p:spTree>
+    <p:extLst>
+      <p:ext uri="{BB962C8B-B14F-4D97-AF65-F5344CB8AC3E}">
+        <p14:creationId xmlns:p14="http://schemas.microsoft.com/office/powerpoint/2010/main" val="2626411632"/>
       </p:ext>
     </p:extLst>
   </p:cSld>

--- a/Picture/図作成用.pptx
+++ b/Picture/図作成用.pptx
@@ -200,7 +200,7 @@
           <a:p>
             <a:fld id="{2B8CF655-508B-450C-94C8-832930E49C1B}" type="datetimeFigureOut">
               <a:rPr kumimoji="1" lang="ja-JP" altLang="en-US" smtClean="0"/>
-              <a:t>2024/10/15</a:t>
+              <a:t>2024/10/21</a:t>
             </a:fld>
             <a:endParaRPr kumimoji="1" lang="ja-JP" altLang="en-US"/>
           </a:p>
@@ -730,7 +730,7 @@
           <a:p>
             <a:fld id="{5AC917AA-9460-47BC-9370-797960620197}" type="datetimeFigureOut">
               <a:rPr kumimoji="1" lang="ja-JP" altLang="en-US" smtClean="0"/>
-              <a:t>2024/10/15</a:t>
+              <a:t>2024/10/21</a:t>
             </a:fld>
             <a:endParaRPr kumimoji="1" lang="ja-JP" altLang="en-US"/>
           </a:p>
@@ -960,7 +960,7 @@
           <a:p>
             <a:fld id="{5AC917AA-9460-47BC-9370-797960620197}" type="datetimeFigureOut">
               <a:rPr kumimoji="1" lang="ja-JP" altLang="en-US" smtClean="0"/>
-              <a:t>2024/10/15</a:t>
+              <a:t>2024/10/21</a:t>
             </a:fld>
             <a:endParaRPr kumimoji="1" lang="ja-JP" altLang="en-US"/>
           </a:p>
@@ -1200,7 +1200,7 @@
           <a:p>
             <a:fld id="{5AC917AA-9460-47BC-9370-797960620197}" type="datetimeFigureOut">
               <a:rPr kumimoji="1" lang="ja-JP" altLang="en-US" smtClean="0"/>
-              <a:t>2024/10/15</a:t>
+              <a:t>2024/10/21</a:t>
             </a:fld>
             <a:endParaRPr kumimoji="1" lang="ja-JP" altLang="en-US"/>
           </a:p>
@@ -1430,7 +1430,7 @@
           <a:p>
             <a:fld id="{5AC917AA-9460-47BC-9370-797960620197}" type="datetimeFigureOut">
               <a:rPr kumimoji="1" lang="ja-JP" altLang="en-US" smtClean="0"/>
-              <a:t>2024/10/15</a:t>
+              <a:t>2024/10/21</a:t>
             </a:fld>
             <a:endParaRPr kumimoji="1" lang="ja-JP" altLang="en-US"/>
           </a:p>
@@ -1705,7 +1705,7 @@
           <a:p>
             <a:fld id="{5AC917AA-9460-47BC-9370-797960620197}" type="datetimeFigureOut">
               <a:rPr kumimoji="1" lang="ja-JP" altLang="en-US" smtClean="0"/>
-              <a:t>2024/10/15</a:t>
+              <a:t>2024/10/21</a:t>
             </a:fld>
             <a:endParaRPr kumimoji="1" lang="ja-JP" altLang="en-US"/>
           </a:p>
@@ -2034,7 +2034,7 @@
           <a:p>
             <a:fld id="{5AC917AA-9460-47BC-9370-797960620197}" type="datetimeFigureOut">
               <a:rPr kumimoji="1" lang="ja-JP" altLang="en-US" smtClean="0"/>
-              <a:t>2024/10/15</a:t>
+              <a:t>2024/10/21</a:t>
             </a:fld>
             <a:endParaRPr kumimoji="1" lang="ja-JP" altLang="en-US"/>
           </a:p>
@@ -2510,7 +2510,7 @@
           <a:p>
             <a:fld id="{5AC917AA-9460-47BC-9370-797960620197}" type="datetimeFigureOut">
               <a:rPr kumimoji="1" lang="ja-JP" altLang="en-US" smtClean="0"/>
-              <a:t>2024/10/15</a:t>
+              <a:t>2024/10/21</a:t>
             </a:fld>
             <a:endParaRPr kumimoji="1" lang="ja-JP" altLang="en-US"/>
           </a:p>
@@ -2651,7 +2651,7 @@
           <a:p>
             <a:fld id="{5AC917AA-9460-47BC-9370-797960620197}" type="datetimeFigureOut">
               <a:rPr kumimoji="1" lang="ja-JP" altLang="en-US" smtClean="0"/>
-              <a:t>2024/10/15</a:t>
+              <a:t>2024/10/21</a:t>
             </a:fld>
             <a:endParaRPr kumimoji="1" lang="ja-JP" altLang="en-US"/>
           </a:p>
@@ -2764,7 +2764,7 @@
           <a:p>
             <a:fld id="{5AC917AA-9460-47BC-9370-797960620197}" type="datetimeFigureOut">
               <a:rPr kumimoji="1" lang="ja-JP" altLang="en-US" smtClean="0"/>
-              <a:t>2024/10/15</a:t>
+              <a:t>2024/10/21</a:t>
             </a:fld>
             <a:endParaRPr kumimoji="1" lang="ja-JP" altLang="en-US"/>
           </a:p>
@@ -3107,7 +3107,7 @@
           <a:p>
             <a:fld id="{5AC917AA-9460-47BC-9370-797960620197}" type="datetimeFigureOut">
               <a:rPr kumimoji="1" lang="ja-JP" altLang="en-US" smtClean="0"/>
-              <a:t>2024/10/15</a:t>
+              <a:t>2024/10/21</a:t>
             </a:fld>
             <a:endParaRPr kumimoji="1" lang="ja-JP" altLang="en-US"/>
           </a:p>
@@ -3395,7 +3395,7 @@
           <a:p>
             <a:fld id="{5AC917AA-9460-47BC-9370-797960620197}" type="datetimeFigureOut">
               <a:rPr kumimoji="1" lang="ja-JP" altLang="en-US" smtClean="0"/>
-              <a:t>2024/10/15</a:t>
+              <a:t>2024/10/21</a:t>
             </a:fld>
             <a:endParaRPr kumimoji="1" lang="ja-JP" altLang="en-US"/>
           </a:p>
@@ -3668,7 +3668,7 @@
           <a:p>
             <a:fld id="{5AC917AA-9460-47BC-9370-797960620197}" type="datetimeFigureOut">
               <a:rPr kumimoji="1" lang="ja-JP" altLang="en-US" smtClean="0"/>
-              <a:t>2024/10/15</a:t>
+              <a:t>2024/10/21</a:t>
             </a:fld>
             <a:endParaRPr kumimoji="1" lang="ja-JP" altLang="en-US"/>
           </a:p>
@@ -6596,7 +6596,7 @@
         </p:nvSpPr>
         <p:spPr>
           <a:xfrm>
-            <a:off x="5065910" y="4474899"/>
+            <a:off x="6870867" y="4608454"/>
             <a:ext cx="2060180" cy="830997"/>
           </a:xfrm>
           <a:prstGeom prst="rect">
@@ -6646,6 +6646,74 @@
                 <a:ea typeface="HGS創英ﾌﾟﾚｾﾞﾝｽEB" panose="02020800000000000000" pitchFamily="18" charset="-128"/>
               </a:rPr>
               <a:t>リーチ</a:t>
+            </a:r>
+          </a:p>
+        </p:txBody>
+      </p:sp>
+      <p:sp>
+        <p:nvSpPr>
+          <p:cNvPr id="48" name="正方形/長方形 47">
+            <a:extLst>
+              <a:ext uri="{FF2B5EF4-FFF2-40B4-BE49-F238E27FC236}">
+                <a16:creationId xmlns:a16="http://schemas.microsoft.com/office/drawing/2014/main" id="{DE73F5C6-D49C-2EC0-CEB3-DA0B61490057}"/>
+              </a:ext>
+            </a:extLst>
+          </p:cNvPr>
+          <p:cNvSpPr/>
+          <p:nvPr/>
+        </p:nvSpPr>
+        <p:spPr>
+          <a:xfrm>
+            <a:off x="4090846" y="4608454"/>
+            <a:ext cx="2685352" cy="830997"/>
+          </a:xfrm>
+          <a:prstGeom prst="rect">
+            <a:avLst/>
+          </a:prstGeom>
+          <a:noFill/>
+          <a:effectLst>
+            <a:glow rad="101600">
+              <a:schemeClr val="accent2">
+                <a:lumMod val="50000"/>
+                <a:alpha val="60000"/>
+              </a:schemeClr>
+            </a:glow>
+          </a:effectLst>
+        </p:spPr>
+        <p:txBody>
+          <a:bodyPr wrap="none" lIns="91440" tIns="45720" rIns="91440" bIns="45720">
+            <a:spAutoFit/>
+          </a:bodyPr>
+          <a:lstStyle/>
+          <a:p>
+            <a:pPr algn="ctr"/>
+            <a:r>
+              <a:rPr lang="ja-JP" altLang="en-US" sz="4800" b="1" cap="none" spc="50" dirty="0">
+                <a:ln w="28575">
+                  <a:solidFill>
+                    <a:schemeClr val="bg1"/>
+                  </a:solidFill>
+                </a:ln>
+                <a:solidFill>
+                  <a:sysClr val="windowText" lastClr="000000"/>
+                </a:solidFill>
+                <a:effectLst>
+                  <a:glow rad="228600">
+                    <a:schemeClr val="accent4">
+                      <a:satMod val="175000"/>
+                      <a:alpha val="40000"/>
+                    </a:schemeClr>
+                  </a:glow>
+                  <a:outerShdw blurRad="50800" dist="38100" dir="2700000" algn="tl" rotWithShape="0">
+                    <a:prstClr val="black">
+                      <a:alpha val="40000"/>
+                    </a:prstClr>
+                  </a:outerShdw>
+                </a:effectLst>
+                <a:latin typeface="HGS創英ﾌﾟﾚｾﾞﾝｽEB" panose="02020800000000000000" pitchFamily="18" charset="-128"/>
+                <a:ea typeface="HGS創英ﾌﾟﾚｾﾞﾝｽEB" panose="02020800000000000000" pitchFamily="18" charset="-128"/>
+              </a:rPr>
+              <a:t>テンパイ</a:t>
             </a:r>
           </a:p>
         </p:txBody>
